--- a/project/presentation_finale/HPL_Resultats_Analyse.pptx
+++ b/project/presentation_finale/HPL_Resultats_Analyse.pptx
@@ -3513,7 +3513,7 @@
                 <a:gridCol w="1676400"/>
                 <a:gridCol w="1676400"/>
               </a:tblGrid>
-              <a:tr h="457200">
+              <a:tr h="548640">
                 <a:tc>
                   <a:txBody>
                     <a:bodyPr/>
@@ -3581,7 +3581,7 @@
                   </a:tcPr>
                 </a:tc>
               </a:tr>
-              <a:tr h="457200">
+              <a:tr h="548640">
                 <a:tc>
                   <a:txBody>
                     <a:bodyPr/>
@@ -3628,7 +3628,7 @@
                   <a:tcPr/>
                 </a:tc>
               </a:tr>
-              <a:tr h="457200">
+              <a:tr h="548640">
                 <a:tc>
                   <a:txBody>
                     <a:bodyPr/>
@@ -3687,17 +3687,17 @@
                   </a:tcPr>
                 </a:tc>
               </a:tr>
-              <a:tr h="457200">
-                <a:tc>
-                  <a:txBody>
-                    <a:bodyPr/>
-                    <a:lstStyle/>
-                    <a:p>
-                      <a:pPr algn="ctr">
-                        <a:defRPr sz="1400"/>
-                      </a:pPr>
-                      <a:r>
-                        <a:t>Cœurs FP64</a:t>
+              <a:tr h="548640">
+                <a:tc>
+                  <a:txBody>
+                    <a:bodyPr/>
+                    <a:lstStyle/>
+                    <a:p>
+                      <a:pPr algn="ctr">
+                        <a:defRPr sz="1400"/>
+                      </a:pPr>
+                      <a:r>
+                        <a:t>Cœurs CUDA</a:t>
                       </a:r>
                     </a:p>
                   </a:txBody>
@@ -3712,7 +3712,7 @@
                         <a:defRPr sz="1400"/>
                       </a:pPr>
                       <a:r>
-                        <a:t>3 456</a:t>
+                        <a:t>6 912</a:t>
                       </a:r>
                     </a:p>
                   </a:txBody>
@@ -3727,24 +3727,24 @@
                         <a:defRPr sz="1400"/>
                       </a:pPr>
                       <a:r>
-                        <a:t>7 296</a:t>
+                        <a:t>16 896</a:t>
                       </a:r>
                     </a:p>
                   </a:txBody>
                   <a:tcPr/>
                 </a:tc>
               </a:tr>
-              <a:tr h="457200">
-                <a:tc>
-                  <a:txBody>
-                    <a:bodyPr/>
-                    <a:lstStyle/>
-                    <a:p>
-                      <a:pPr algn="ctr">
-                        <a:defRPr sz="1400"/>
-                      </a:pPr>
-                      <a:r>
-                        <a:t>Tensor Cores</a:t>
+              <a:tr h="548640">
+                <a:tc>
+                  <a:txBody>
+                    <a:bodyPr/>
+                    <a:lstStyle/>
+                    <a:p>
+                      <a:pPr algn="ctr">
+                        <a:defRPr sz="1400"/>
+                      </a:pPr>
+                      <a:r>
+                        <a:t>Peak FP64</a:t>
                       </a:r>
                     </a:p>
                   </a:txBody>
@@ -3763,7 +3763,7 @@
                         <a:defRPr sz="1400"/>
                       </a:pPr>
                       <a:r>
-                        <a:t>3e gén.</a:t>
+                        <a:t>19,5 TFLOPS</a:t>
                       </a:r>
                     </a:p>
                   </a:txBody>
@@ -3782,7 +3782,7 @@
                         <a:defRPr sz="1400"/>
                       </a:pPr>
                       <a:r>
-                        <a:t>4e gén.</a:t>
+                        <a:t>54 TFLOPS</a:t>
                       </a:r>
                     </a:p>
                   </a:txBody>
@@ -3791,53 +3791,6 @@
                       <a:srgbClr val="F2F3F4"/>
                     </a:solidFill>
                   </a:tcPr>
-                </a:tc>
-              </a:tr>
-              <a:tr h="457200">
-                <a:tc>
-                  <a:txBody>
-                    <a:bodyPr/>
-                    <a:lstStyle/>
-                    <a:p>
-                      <a:pPr algn="ctr">
-                        <a:defRPr sz="1400"/>
-                      </a:pPr>
-                      <a:r>
-                        <a:t>Peak FP64 TC</a:t>
-                      </a:r>
-                    </a:p>
-                  </a:txBody>
-                  <a:tcPr/>
-                </a:tc>
-                <a:tc>
-                  <a:txBody>
-                    <a:bodyPr/>
-                    <a:lstStyle/>
-                    <a:p>
-                      <a:pPr algn="ctr">
-                        <a:defRPr sz="1400"/>
-                      </a:pPr>
-                      <a:r>
-                        <a:t>19,5 TFLOPS</a:t>
-                      </a:r>
-                    </a:p>
-                  </a:txBody>
-                  <a:tcPr/>
-                </a:tc>
-                <a:tc>
-                  <a:txBody>
-                    <a:bodyPr/>
-                    <a:lstStyle/>
-                    <a:p>
-                      <a:pPr algn="ctr">
-                        <a:defRPr sz="1400"/>
-                      </a:pPr>
-                      <a:r>
-                        <a:t>51 TFLOPS</a:t>
-                      </a:r>
-                    </a:p>
-                  </a:txBody>
-                  <a:tcPr/>
                 </a:tc>
               </a:tr>
             </a:tbl>
@@ -5223,7 +5176,7 @@
               </a:defRPr>
             </a:pPr>
             <a:r>
-              <a:t>Peak théorique : 19,5 TFLOPS (FP64 Tensor Core)  |  Meilleur résultat : 17 860 GFLOPS  |  Efficacité : 91,6%</a:t>
+              <a:t>Peak théorique : 19,5 TFLOPS (FP64)  |  Meilleur résultat : 17 860 GFLOPS  |  Efficacité : 91,7%</a:t>
             </a:r>
           </a:p>
           <a:p>
@@ -5235,7 +5188,7 @@
               </a:defRPr>
             </a:pPr>
             <a:r>
-              <a:t>Speedup 2 GPUs : 1,94x (efficacité parallèle 97%)  |  Tous les tests : PASSED</a:t>
+              <a:t>Speedup 2 GPUs : 1,95x (efficacité parallèle 97%)  |  Tous les tests : PASSED</a:t>
             </a:r>
           </a:p>
         </p:txBody>
@@ -5881,7 +5834,7 @@
               </a:defRPr>
             </a:pPr>
             <a:r>
-              <a:t>Peak théorique : 51 TFLOPS (FP64 Tensor Core PCIe)  |  Meilleur résultat : 45 110 GFLOPS  |  Efficacité : 88,5%</a:t>
+              <a:t>Peak théorique : 54 TFLOPS (FP64)  |  Meilleur résultat : 45 110 GFLOPS  |  Efficacité : 83,4%</a:t>
             </a:r>
           </a:p>
           <a:p>
@@ -7169,7 +7122,7 @@
             </a:r>
             <a:br/>
             <a:r>
-              <a:t>= 51 / 19,5 = 2,62x</a:t>
+              <a:t>= 54 / 19,5 = 2,77x</a:t>
             </a:r>
             <a:br/>
             <a:br/>
@@ -7178,7 +7131,7 @@
             </a:r>
             <a:br/>
             <a:r>
-              <a:t>Écart : seulement 3% → HPL exploite bien les 2 architectures</a:t>
+              <a:t>Écart : ~9% → lié à la différence d'efficacité (83% vs 92%)</a:t>
             </a:r>
           </a:p>
         </p:txBody>
@@ -7434,7 +7387,7 @@
                         <a:defRPr sz="1400"/>
                       </a:pPr>
                       <a:r>
-                        <a:t>91,6%</a:t>
+                        <a:t>91,7%</a:t>
                       </a:r>
                     </a:p>
                   </a:txBody>
@@ -7470,7 +7423,7 @@
                         <a:defRPr sz="1400"/>
                       </a:pPr>
                       <a:r>
-                        <a:t>51,0</a:t>
+                        <a:t>54,0</a:t>
                       </a:r>
                     </a:p>
                   </a:txBody>
@@ -7508,7 +7461,7 @@
                         <a:defRPr sz="1400"/>
                       </a:pPr>
                       <a:r>
-                        <a:t>88,5%</a:t>
+                        <a:t>83,4%</a:t>
                       </a:r>
                     </a:p>
                   </a:txBody>
@@ -7610,7 +7563,7 @@
                         <a:defRPr sz="1400"/>
                       </a:pPr>
                       <a:r>
-                        <a:t>102,0</a:t>
+                        <a:t>108,0</a:t>
                       </a:r>
                     </a:p>
                   </a:txBody>
@@ -7648,7 +7601,7 @@
                         <a:defRPr sz="1400"/>
                       </a:pPr>
                       <a:r>
-                        <a:t>80,4%</a:t>
+                        <a:t>75,8%</a:t>
                       </a:r>
                     </a:p>
                   </a:txBody>
@@ -8133,7 +8086,7 @@
               </a:defRPr>
             </a:pPr>
             <a:r>
-              <a:t>Efficacités de 88-92% confirment que le calcul (DGEMM) domine</a:t>
+              <a:t>Efficacités de 83-92% confirment que le calcul (DGEMM) domine</a:t>
             </a:r>
           </a:p>
         </p:txBody>
@@ -8634,7 +8587,7 @@
               </a:defRPr>
             </a:pPr>
             <a:r>
-              <a:t>Ratio mesuré (2,53x) cohérent avec le ratio théorique (2,62x)</a:t>
+              <a:t>Ratio mesuré (2,53x) vs ratio théorique (2,77x) — écart dû à l'efficacité</a:t>
             </a:r>
           </a:p>
         </p:txBody>

--- a/project/presentation_finale/HPL_Resultats_Analyse.pptx
+++ b/project/presentation_finale/HPL_Resultats_Analyse.pptx
@@ -15,7 +15,7 @@
     <p:sldId id="263" r:id="rId14"/>
     <p:sldId id="264" r:id="rId15"/>
   </p:sldIdLst>
-  <p:sldSz cx="12191695" cy="6858000" type="screen4x3"/>
+  <p:sldSz cx="9144000" cy="6858000" type="screen4x3"/>
   <p:notesSz cx="6858000" cy="9144000"/>
   <p:defaultTextStyle>
     <a:defPPr>
@@ -3089,14 +3089,6 @@
 <file path=ppt/slides/slide1.xml><?xml version="1.0" encoding="utf-8"?>
 <p:sld xmlns:a="http://schemas.openxmlformats.org/drawingml/2006/main" xmlns:p="http://schemas.openxmlformats.org/presentationml/2006/main" xmlns:r="http://schemas.openxmlformats.org/officeDocument/2006/relationships">
   <p:cSld>
-    <p:bg>
-      <p:bgPr>
-        <a:solidFill>
-          <a:srgbClr val="1B3A5C"/>
-        </a:solidFill>
-        <a:effectLst/>
-      </p:bgPr>
-    </p:bg>
     <p:spTree>
       <p:nvGrpSpPr>
         <p:cNvPr id="1" name=""/>
@@ -3106,14 +3098,57 @@
       <p:grpSpPr/>
       <p:sp>
         <p:nvSpPr>
-          <p:cNvPr id="2" name="TextBox 1"/>
+          <p:cNvPr id="2" name="Rectangle 1"/>
+          <p:cNvSpPr/>
+          <p:nvPr/>
+        </p:nvSpPr>
+        <p:spPr>
+          <a:xfrm>
+            <a:off x="0" y="0"/>
+            <a:ext cx="9144000" cy="6858000"/>
+          </a:xfrm>
+          <a:prstGeom prst="rect">
+            <a:avLst/>
+          </a:prstGeom>
+          <a:solidFill>
+            <a:srgbClr val="143440"/>
+          </a:solidFill>
+          <a:ln>
+            <a:noFill/>
+          </a:ln>
+        </p:spPr>
+        <p:style>
+          <a:lnRef idx="1">
+            <a:schemeClr val="accent1"/>
+          </a:lnRef>
+          <a:fillRef idx="3">
+            <a:schemeClr val="accent1"/>
+          </a:fillRef>
+          <a:effectRef idx="2">
+            <a:schemeClr val="accent1"/>
+          </a:effectRef>
+          <a:fontRef idx="minor">
+            <a:schemeClr val="lt1"/>
+          </a:fontRef>
+        </p:style>
+        <p:txBody>
+          <a:bodyPr rtlCol="0" anchor="ctr"/>
+          <a:lstStyle/>
+          <a:p>
+            <a:pPr algn="ctr"/>
+          </a:p>
+        </p:txBody>
+      </p:sp>
+      <p:sp>
+        <p:nvSpPr>
+          <p:cNvPr id="3" name="TextBox 2"/>
           <p:cNvSpPr txBox="1"/>
           <p:nvPr/>
         </p:nvSpPr>
         <p:spPr>
           <a:xfrm>
-            <a:off x="914400" y="1371600"/>
-            <a:ext cx="10058400" cy="1371600"/>
+            <a:off x="548640" y="1371600"/>
+            <a:ext cx="7772400" cy="914400"/>
           </a:xfrm>
           <a:prstGeom prst="rect">
             <a:avLst/>
@@ -3126,29 +3161,72 @@
           </a:bodyPr>
           <a:lstStyle/>
           <a:p>
-            <a:pPr algn="ctr">
-              <a:defRPr sz="4400" b="1">
+            <a:pPr algn="l">
+              <a:defRPr sz="4800" b="1">
                 <a:solidFill>
                   <a:srgbClr val="FFFFFF"/>
                 </a:solidFill>
               </a:defRPr>
             </a:pPr>
             <a:r>
-              <a:t>HPL Benchmark : Implémentation GPU</a:t>
-            </a:r>
-          </a:p>
-        </p:txBody>
-      </p:sp>
-      <p:sp>
-        <p:nvSpPr>
-          <p:cNvPr id="3" name="TextBox 2"/>
+              <a:t>HPL Benchmark : Résultats GPU</a:t>
+            </a:r>
+          </a:p>
+        </p:txBody>
+      </p:sp>
+      <p:sp>
+        <p:nvSpPr>
+          <p:cNvPr id="4" name="Rectangle 3"/>
+          <p:cNvSpPr/>
+          <p:nvPr/>
+        </p:nvSpPr>
+        <p:spPr>
+          <a:xfrm>
+            <a:off x="0" y="2468880"/>
+            <a:ext cx="5029200" cy="137160"/>
+          </a:xfrm>
+          <a:prstGeom prst="rect">
+            <a:avLst/>
+          </a:prstGeom>
+          <a:solidFill>
+            <a:srgbClr val="FF6B35"/>
+          </a:solidFill>
+          <a:ln>
+            <a:noFill/>
+          </a:ln>
+        </p:spPr>
+        <p:style>
+          <a:lnRef idx="1">
+            <a:schemeClr val="accent1"/>
+          </a:lnRef>
+          <a:fillRef idx="3">
+            <a:schemeClr val="accent1"/>
+          </a:fillRef>
+          <a:effectRef idx="2">
+            <a:schemeClr val="accent1"/>
+          </a:effectRef>
+          <a:fontRef idx="minor">
+            <a:schemeClr val="lt1"/>
+          </a:fontRef>
+        </p:style>
+        <p:txBody>
+          <a:bodyPr rtlCol="0" anchor="ctr"/>
+          <a:lstStyle/>
+          <a:p>
+            <a:pPr algn="ctr"/>
+          </a:p>
+        </p:txBody>
+      </p:sp>
+      <p:sp>
+        <p:nvSpPr>
+          <p:cNvPr id="5" name="TextBox 4"/>
           <p:cNvSpPr txBox="1"/>
           <p:nvPr/>
         </p:nvSpPr>
         <p:spPr>
           <a:xfrm>
-            <a:off x="914400" y="2926080"/>
-            <a:ext cx="10058400" cy="914400"/>
+            <a:off x="548640" y="2834640"/>
+            <a:ext cx="7772400" cy="731520"/>
           </a:xfrm>
           <a:prstGeom prst="rect">
             <a:avLst/>
@@ -3161,29 +3239,29 @@
           </a:bodyPr>
           <a:lstStyle/>
           <a:p>
-            <a:pPr algn="ctr">
-              <a:defRPr sz="2800" b="0">
+            <a:pPr algn="l">
+              <a:defRPr sz="3000" b="0">
                 <a:solidFill>
-                  <a:srgbClr val="AED6F1"/>
+                  <a:srgbClr val="FFFFFF"/>
                 </a:solidFill>
               </a:defRPr>
             </a:pPr>
             <a:r>
-              <a:t>Résultats et Analyse Comparative A100 vs H100</a:t>
-            </a:r>
-          </a:p>
-        </p:txBody>
-      </p:sp>
-      <p:sp>
-        <p:nvSpPr>
-          <p:cNvPr id="4" name="TextBox 3"/>
+              <a:t>Analyse comparative A100 vs H100</a:t>
+            </a:r>
+          </a:p>
+        </p:txBody>
+      </p:sp>
+      <p:sp>
+        <p:nvSpPr>
+          <p:cNvPr id="6" name="TextBox 5"/>
           <p:cNvSpPr txBox="1"/>
           <p:nvPr/>
         </p:nvSpPr>
         <p:spPr>
           <a:xfrm>
-            <a:off x="914400" y="4572000"/>
-            <a:ext cx="10058400" cy="457200"/>
+            <a:off x="548640" y="3840480"/>
+            <a:ext cx="7772400" cy="457200"/>
           </a:xfrm>
           <a:prstGeom prst="rect">
             <a:avLst/>
@@ -3196,10 +3274,10 @@
           </a:bodyPr>
           <a:lstStyle/>
           <a:p>
-            <a:pPr algn="ctr">
+            <a:pPr algn="l">
               <a:defRPr sz="2000" b="0">
                 <a:solidFill>
-                  <a:srgbClr val="D5DBDB"/>
+                  <a:srgbClr val="CCCCCC"/>
                 </a:solidFill>
               </a:defRPr>
             </a:pPr>
@@ -3211,14 +3289,14 @@
       </p:sp>
       <p:sp>
         <p:nvSpPr>
-          <p:cNvPr id="5" name="TextBox 4"/>
+          <p:cNvPr id="7" name="TextBox 6"/>
           <p:cNvSpPr txBox="1"/>
           <p:nvPr/>
         </p:nvSpPr>
         <p:spPr>
           <a:xfrm>
-            <a:off x="914400" y="5486400"/>
-            <a:ext cx="10058400" cy="457200"/>
+            <a:off x="548640" y="4754880"/>
+            <a:ext cx="7772400" cy="457200"/>
           </a:xfrm>
           <a:prstGeom prst="rect">
             <a:avLst/>
@@ -3231,10 +3309,10 @@
           </a:bodyPr>
           <a:lstStyle/>
           <a:p>
-            <a:pPr algn="ctr">
+            <a:pPr algn="l">
               <a:defRPr sz="1800" b="0">
                 <a:solidFill>
-                  <a:srgbClr val="85929E"/>
+                  <a:srgbClr val="999999"/>
                 </a:solidFill>
               </a:defRPr>
             </a:pPr>
@@ -3255,14 +3333,6 @@
 <file path=ppt/slides/slide2.xml><?xml version="1.0" encoding="utf-8"?>
 <p:sld xmlns:a="http://schemas.openxmlformats.org/drawingml/2006/main" xmlns:p="http://schemas.openxmlformats.org/presentationml/2006/main" xmlns:r="http://schemas.openxmlformats.org/officeDocument/2006/relationships">
   <p:cSld>
-    <p:bg>
-      <p:bgPr>
-        <a:solidFill>
-          <a:srgbClr val="FFFFFF"/>
-        </a:solidFill>
-        <a:effectLst/>
-      </p:bgPr>
-    </p:bg>
     <p:spTree>
       <p:nvGrpSpPr>
         <p:cNvPr id="1" name=""/>
@@ -3279,13 +3349,13 @@
         <p:spPr>
           <a:xfrm>
             <a:off x="0" y="0"/>
-            <a:ext cx="12191695" cy="1188720"/>
+            <a:ext cx="9144000" cy="6858000"/>
           </a:xfrm>
           <a:prstGeom prst="rect">
             <a:avLst/>
           </a:prstGeom>
           <a:solidFill>
-            <a:srgbClr val="1B3A5C"/>
+            <a:srgbClr val="FAF8F5"/>
           </a:solidFill>
           <a:ln>
             <a:noFill/>
@@ -3306,13 +3376,82 @@
           </a:fontRef>
         </p:style>
         <p:txBody>
-          <a:bodyPr rtlCol="0" anchor="ctr" wrap="square" lIns="731520"/>
+          <a:bodyPr rtlCol="0" anchor="ctr"/>
+          <a:lstStyle/>
+          <a:p>
+            <a:pPr algn="ctr"/>
+          </a:p>
+        </p:txBody>
+      </p:sp>
+      <p:sp>
+        <p:nvSpPr>
+          <p:cNvPr id="3" name="Rectangle 2"/>
+          <p:cNvSpPr/>
+          <p:nvPr/>
+        </p:nvSpPr>
+        <p:spPr>
+          <a:xfrm>
+            <a:off x="0" y="0"/>
+            <a:ext cx="73152" cy="6858000"/>
+          </a:xfrm>
+          <a:prstGeom prst="rect">
+            <a:avLst/>
+          </a:prstGeom>
+          <a:solidFill>
+            <a:srgbClr val="FF6B35"/>
+          </a:solidFill>
+          <a:ln>
+            <a:noFill/>
+          </a:ln>
+        </p:spPr>
+        <p:style>
+          <a:lnRef idx="1">
+            <a:schemeClr val="accent1"/>
+          </a:lnRef>
+          <a:fillRef idx="3">
+            <a:schemeClr val="accent1"/>
+          </a:fillRef>
+          <a:effectRef idx="2">
+            <a:schemeClr val="accent1"/>
+          </a:effectRef>
+          <a:fontRef idx="minor">
+            <a:schemeClr val="lt1"/>
+          </a:fontRef>
+        </p:style>
+        <p:txBody>
+          <a:bodyPr rtlCol="0" anchor="ctr"/>
+          <a:lstStyle/>
+          <a:p>
+            <a:pPr algn="ctr"/>
+          </a:p>
+        </p:txBody>
+      </p:sp>
+      <p:sp>
+        <p:nvSpPr>
+          <p:cNvPr id="4" name="TextBox 3"/>
+          <p:cNvSpPr txBox="1"/>
+          <p:nvPr/>
+        </p:nvSpPr>
+        <p:spPr>
+          <a:xfrm>
+            <a:off x="548640" y="137160"/>
+            <a:ext cx="7772400" cy="640080"/>
+          </a:xfrm>
+          <a:prstGeom prst="rect">
+            <a:avLst/>
+          </a:prstGeom>
+          <a:noFill/>
+        </p:spPr>
+        <p:txBody>
+          <a:bodyPr wrap="square">
+            <a:spAutoFit/>
+          </a:bodyPr>
           <a:lstStyle/>
           <a:p>
             <a:pPr algn="l">
-              <a:defRPr sz="3200" b="1">
+              <a:defRPr sz="4200" b="1">
                 <a:solidFill>
-                  <a:srgbClr val="FFFFFF"/>
+                  <a:srgbClr val="143440"/>
                 </a:solidFill>
               </a:defRPr>
             </a:pPr>
@@ -3324,14 +3463,57 @@
       </p:sp>
       <p:sp>
         <p:nvSpPr>
-          <p:cNvPr id="3" name="TextBox 2"/>
+          <p:cNvPr id="5" name="Rectangle 4"/>
+          <p:cNvSpPr/>
+          <p:nvPr/>
+        </p:nvSpPr>
+        <p:spPr>
+          <a:xfrm>
+            <a:off x="0" y="868680"/>
+            <a:ext cx="2286000" cy="137160"/>
+          </a:xfrm>
+          <a:prstGeom prst="rect">
+            <a:avLst/>
+          </a:prstGeom>
+          <a:solidFill>
+            <a:srgbClr val="FF6B35"/>
+          </a:solidFill>
+          <a:ln>
+            <a:noFill/>
+          </a:ln>
+        </p:spPr>
+        <p:style>
+          <a:lnRef idx="1">
+            <a:schemeClr val="accent1"/>
+          </a:lnRef>
+          <a:fillRef idx="3">
+            <a:schemeClr val="accent1"/>
+          </a:fillRef>
+          <a:effectRef idx="2">
+            <a:schemeClr val="accent1"/>
+          </a:effectRef>
+          <a:fontRef idx="minor">
+            <a:schemeClr val="lt1"/>
+          </a:fontRef>
+        </p:style>
+        <p:txBody>
+          <a:bodyPr rtlCol="0" anchor="ctr"/>
+          <a:lstStyle/>
+          <a:p>
+            <a:pPr algn="ctr"/>
+          </a:p>
+        </p:txBody>
+      </p:sp>
+      <p:sp>
+        <p:nvSpPr>
+          <p:cNvPr id="6" name="TextBox 5"/>
           <p:cNvSpPr txBox="1"/>
           <p:nvPr/>
         </p:nvSpPr>
         <p:spPr>
           <a:xfrm>
-            <a:off x="731520" y="1463040"/>
-            <a:ext cx="5029200" cy="457200"/>
+            <a:off x="548640" y="1143000"/>
+            <a:ext cx="7315200" cy="411480"/>
           </a:xfrm>
           <a:prstGeom prst="rect">
             <a:avLst/>
@@ -3345,9 +3527,9 @@
           <a:lstStyle/>
           <a:p>
             <a:pPr algn="l">
-              <a:defRPr sz="2200" b="1">
+              <a:defRPr sz="2400" b="1">
                 <a:solidFill>
-                  <a:srgbClr val="1B3A5C"/>
+                  <a:srgbClr val="FF6B35"/>
                 </a:solidFill>
               </a:defRPr>
             </a:pPr>
@@ -3359,14 +3541,57 @@
       </p:sp>
       <p:sp>
         <p:nvSpPr>
-          <p:cNvPr id="4" name="TextBox 3"/>
+          <p:cNvPr id="7" name="Rounded Rectangle 6"/>
+          <p:cNvSpPr/>
+          <p:nvPr/>
+        </p:nvSpPr>
+        <p:spPr>
+          <a:xfrm>
+            <a:off x="548640" y="1645920"/>
+            <a:ext cx="109728" cy="109728"/>
+          </a:xfrm>
+          <a:prstGeom prst="roundRect">
+            <a:avLst/>
+          </a:prstGeom>
+          <a:solidFill>
+            <a:srgbClr val="FF6B35"/>
+          </a:solidFill>
+          <a:ln>
+            <a:noFill/>
+          </a:ln>
+        </p:spPr>
+        <p:style>
+          <a:lnRef idx="1">
+            <a:schemeClr val="accent1"/>
+          </a:lnRef>
+          <a:fillRef idx="3">
+            <a:schemeClr val="accent1"/>
+          </a:fillRef>
+          <a:effectRef idx="2">
+            <a:schemeClr val="accent1"/>
+          </a:effectRef>
+          <a:fontRef idx="minor">
+            <a:schemeClr val="lt1"/>
+          </a:fontRef>
+        </p:style>
+        <p:txBody>
+          <a:bodyPr rtlCol="0" anchor="ctr"/>
+          <a:lstStyle/>
+          <a:p>
+            <a:pPr algn="ctr"/>
+          </a:p>
+        </p:txBody>
+      </p:sp>
+      <p:sp>
+        <p:nvSpPr>
+          <p:cNvPr id="8" name="TextBox 7"/>
           <p:cNvSpPr txBox="1"/>
           <p:nvPr/>
         </p:nvSpPr>
         <p:spPr>
           <a:xfrm>
-            <a:off x="731520" y="2011680"/>
-            <a:ext cx="5029200" cy="2286000"/>
+            <a:off x="777240" y="1600200"/>
+            <a:ext cx="3886200" cy="320040"/>
           </a:xfrm>
           <a:prstGeom prst="rect">
             <a:avLst/>
@@ -3379,13 +3604,10 @@
           </a:bodyPr>
           <a:lstStyle/>
           <a:p>
-            <a:pPr>
-              <a:spcAft>
-                <a:spcPts val="800"/>
-              </a:spcAft>
-              <a:defRPr sz="1700">
+            <a:pPr algn="l">
+              <a:defRPr sz="1500" b="0">
                 <a:solidFill>
-                  <a:srgbClr val="2C3E50"/>
+                  <a:srgbClr val="282828"/>
                 </a:solidFill>
               </a:defRPr>
             </a:pPr>
@@ -3393,98 +3615,272 @@
               <a:t>Cluster HPC avec nœuds GPU NVIDIA</a:t>
             </a:r>
           </a:p>
-          <a:p>
-            <a:pPr>
-              <a:spcAft>
-                <a:spcPts val="800"/>
-              </a:spcAft>
-              <a:defRPr sz="1700">
+        </p:txBody>
+      </p:sp>
+      <p:sp>
+        <p:nvSpPr>
+          <p:cNvPr id="9" name="Rounded Rectangle 8"/>
+          <p:cNvSpPr/>
+          <p:nvPr/>
+        </p:nvSpPr>
+        <p:spPr>
+          <a:xfrm>
+            <a:off x="548640" y="1965960"/>
+            <a:ext cx="109728" cy="109728"/>
+          </a:xfrm>
+          <a:prstGeom prst="roundRect">
+            <a:avLst/>
+          </a:prstGeom>
+          <a:solidFill>
+            <a:srgbClr val="FF6B35"/>
+          </a:solidFill>
+          <a:ln>
+            <a:noFill/>
+          </a:ln>
+        </p:spPr>
+        <p:style>
+          <a:lnRef idx="1">
+            <a:schemeClr val="accent1"/>
+          </a:lnRef>
+          <a:fillRef idx="3">
+            <a:schemeClr val="accent1"/>
+          </a:fillRef>
+          <a:effectRef idx="2">
+            <a:schemeClr val="accent1"/>
+          </a:effectRef>
+          <a:fontRef idx="minor">
+            <a:schemeClr val="lt1"/>
+          </a:fontRef>
+        </p:style>
+        <p:txBody>
+          <a:bodyPr rtlCol="0" anchor="ctr"/>
+          <a:lstStyle/>
+          <a:p>
+            <a:pPr algn="ctr"/>
+          </a:p>
+        </p:txBody>
+      </p:sp>
+      <p:sp>
+        <p:nvSpPr>
+          <p:cNvPr id="10" name="TextBox 9"/>
+          <p:cNvSpPr txBox="1"/>
+          <p:nvPr/>
+        </p:nvSpPr>
+        <p:spPr>
+          <a:xfrm>
+            <a:off x="777240" y="1920240"/>
+            <a:ext cx="3886200" cy="320040"/>
+          </a:xfrm>
+          <a:prstGeom prst="rect">
+            <a:avLst/>
+          </a:prstGeom>
+          <a:noFill/>
+        </p:spPr>
+        <p:txBody>
+          <a:bodyPr wrap="square">
+            <a:spAutoFit/>
+          </a:bodyPr>
+          <a:lstStyle/>
+          <a:p>
+            <a:pPr algn="l">
+              <a:defRPr sz="1500" b="0">
                 <a:solidFill>
-                  <a:srgbClr val="2C3E50"/>
+                  <a:srgbClr val="282828"/>
                 </a:solidFill>
               </a:defRPr>
             </a:pPr>
             <a:r>
-              <a:t>Conteneur : NVIDIA HPC-Benchmarks 23.10 (Singularity)</a:t>
-            </a:r>
-          </a:p>
-          <a:p>
-            <a:pPr>
-              <a:spcAft>
-                <a:spcPts val="800"/>
-              </a:spcAft>
-              <a:defRPr sz="1700">
+              <a:t>Conteneur NVIDIA HPC-Benchmarks 23.10</a:t>
+            </a:r>
+          </a:p>
+        </p:txBody>
+      </p:sp>
+      <p:sp>
+        <p:nvSpPr>
+          <p:cNvPr id="11" name="Rounded Rectangle 10"/>
+          <p:cNvSpPr/>
+          <p:nvPr/>
+        </p:nvSpPr>
+        <p:spPr>
+          <a:xfrm>
+            <a:off x="548640" y="2286000"/>
+            <a:ext cx="109728" cy="109728"/>
+          </a:xfrm>
+          <a:prstGeom prst="roundRect">
+            <a:avLst/>
+          </a:prstGeom>
+          <a:solidFill>
+            <a:srgbClr val="FF6B35"/>
+          </a:solidFill>
+          <a:ln>
+            <a:noFill/>
+          </a:ln>
+        </p:spPr>
+        <p:style>
+          <a:lnRef idx="1">
+            <a:schemeClr val="accent1"/>
+          </a:lnRef>
+          <a:fillRef idx="3">
+            <a:schemeClr val="accent1"/>
+          </a:fillRef>
+          <a:effectRef idx="2">
+            <a:schemeClr val="accent1"/>
+          </a:effectRef>
+          <a:fontRef idx="minor">
+            <a:schemeClr val="lt1"/>
+          </a:fontRef>
+        </p:style>
+        <p:txBody>
+          <a:bodyPr rtlCol="0" anchor="ctr"/>
+          <a:lstStyle/>
+          <a:p>
+            <a:pPr algn="ctr"/>
+          </a:p>
+        </p:txBody>
+      </p:sp>
+      <p:sp>
+        <p:nvSpPr>
+          <p:cNvPr id="12" name="TextBox 11"/>
+          <p:cNvSpPr txBox="1"/>
+          <p:nvPr/>
+        </p:nvSpPr>
+        <p:spPr>
+          <a:xfrm>
+            <a:off x="777240" y="2240280"/>
+            <a:ext cx="3886200" cy="320040"/>
+          </a:xfrm>
+          <a:prstGeom prst="rect">
+            <a:avLst/>
+          </a:prstGeom>
+          <a:noFill/>
+        </p:spPr>
+        <p:txBody>
+          <a:bodyPr wrap="square">
+            <a:spAutoFit/>
+          </a:bodyPr>
+          <a:lstStyle/>
+          <a:p>
+            <a:pPr algn="l">
+              <a:defRPr sz="1500" b="0">
                 <a:solidFill>
-                  <a:srgbClr val="2C3E50"/>
+                  <a:srgbClr val="282828"/>
                 </a:solidFill>
               </a:defRPr>
             </a:pPr>
             <a:r>
-              <a:t>Bibliothèques : cuBLAS + NCCL</a:t>
-            </a:r>
-          </a:p>
-          <a:p>
-            <a:pPr>
-              <a:spcAft>
-                <a:spcPts val="800"/>
-              </a:spcAft>
-              <a:defRPr sz="1700">
+              <a:t>Déploiement via Singularity</a:t>
+            </a:r>
+          </a:p>
+        </p:txBody>
+      </p:sp>
+      <p:sp>
+        <p:nvSpPr>
+          <p:cNvPr id="13" name="Rounded Rectangle 12"/>
+          <p:cNvSpPr/>
+          <p:nvPr/>
+        </p:nvSpPr>
+        <p:spPr>
+          <a:xfrm>
+            <a:off x="548640" y="2606039"/>
+            <a:ext cx="109728" cy="109728"/>
+          </a:xfrm>
+          <a:prstGeom prst="roundRect">
+            <a:avLst/>
+          </a:prstGeom>
+          <a:solidFill>
+            <a:srgbClr val="FF6B35"/>
+          </a:solidFill>
+          <a:ln>
+            <a:noFill/>
+          </a:ln>
+        </p:spPr>
+        <p:style>
+          <a:lnRef idx="1">
+            <a:schemeClr val="accent1"/>
+          </a:lnRef>
+          <a:fillRef idx="3">
+            <a:schemeClr val="accent1"/>
+          </a:fillRef>
+          <a:effectRef idx="2">
+            <a:schemeClr val="accent1"/>
+          </a:effectRef>
+          <a:fontRef idx="minor">
+            <a:schemeClr val="lt1"/>
+          </a:fontRef>
+        </p:style>
+        <p:txBody>
+          <a:bodyPr rtlCol="0" anchor="ctr"/>
+          <a:lstStyle/>
+          <a:p>
+            <a:pPr algn="ctr"/>
+          </a:p>
+        </p:txBody>
+      </p:sp>
+      <p:sp>
+        <p:nvSpPr>
+          <p:cNvPr id="14" name="TextBox 13"/>
+          <p:cNvSpPr txBox="1"/>
+          <p:nvPr/>
+        </p:nvSpPr>
+        <p:spPr>
+          <a:xfrm>
+            <a:off x="777240" y="2560319"/>
+            <a:ext cx="3886200" cy="320040"/>
+          </a:xfrm>
+          <a:prstGeom prst="rect">
+            <a:avLst/>
+          </a:prstGeom>
+          <a:noFill/>
+        </p:spPr>
+        <p:txBody>
+          <a:bodyPr wrap="square">
+            <a:spAutoFit/>
+          </a:bodyPr>
+          <a:lstStyle/>
+          <a:p>
+            <a:pPr algn="l">
+              <a:defRPr sz="1500" b="0">
                 <a:solidFill>
-                  <a:srgbClr val="2C3E50"/>
+                  <a:srgbClr val="282828"/>
                 </a:solidFill>
               </a:defRPr>
             </a:pPr>
             <a:r>
-              <a:t>Ordonnanceur : Slurm</a:t>
-            </a:r>
-          </a:p>
-          <a:p>
-            <a:pPr>
-              <a:spcAft>
-                <a:spcPts val="800"/>
-              </a:spcAft>
-              <a:defRPr sz="1700">
+              <a:t>Ordonnanceur Slurm</a:t>
+            </a:r>
+          </a:p>
+        </p:txBody>
+      </p:sp>
+      <p:sp>
+        <p:nvSpPr>
+          <p:cNvPr id="15" name="TextBox 14"/>
+          <p:cNvSpPr txBox="1"/>
+          <p:nvPr/>
+        </p:nvSpPr>
+        <p:spPr>
+          <a:xfrm>
+            <a:off x="4846320" y="1143000"/>
+            <a:ext cx="7315200" cy="411480"/>
+          </a:xfrm>
+          <a:prstGeom prst="rect">
+            <a:avLst/>
+          </a:prstGeom>
+          <a:noFill/>
+        </p:spPr>
+        <p:txBody>
+          <a:bodyPr wrap="square">
+            <a:spAutoFit/>
+          </a:bodyPr>
+          <a:lstStyle/>
+          <a:p>
+            <a:pPr algn="l">
+              <a:defRPr sz="2400" b="1">
                 <a:solidFill>
-                  <a:srgbClr val="2C3E50"/>
+                  <a:srgbClr val="FF6B35"/>
                 </a:solidFill>
               </a:defRPr>
             </a:pPr>
             <a:r>
-              <a:t>HPL utilise les Tensor Cores FP64 pour DGEMM</a:t>
-            </a:r>
-          </a:p>
-        </p:txBody>
-      </p:sp>
-      <p:sp>
-        <p:nvSpPr>
-          <p:cNvPr id="5" name="TextBox 4"/>
-          <p:cNvSpPr txBox="1"/>
-          <p:nvPr/>
-        </p:nvSpPr>
-        <p:spPr>
-          <a:xfrm>
-            <a:off x="6400800" y="1463040"/>
-            <a:ext cx="5029200" cy="457200"/>
-          </a:xfrm>
-          <a:prstGeom prst="rect">
-            <a:avLst/>
-          </a:prstGeom>
-          <a:noFill/>
-        </p:spPr>
-        <p:txBody>
-          <a:bodyPr wrap="square">
-            <a:spAutoFit/>
-          </a:bodyPr>
-          <a:lstStyle/>
-          <a:p>
-            <a:pPr algn="l">
-              <a:defRPr sz="2200" b="1">
-                <a:solidFill>
-                  <a:srgbClr val="1B3A5C"/>
-                </a:solidFill>
-              </a:defRPr>
-            </a:pPr>
-            <a:r>
               <a:t>GPUs testés</a:t>
             </a:r>
           </a:p>
@@ -3492,15 +3888,15 @@
       </p:sp>
       <p:graphicFrame>
         <p:nvGraphicFramePr>
-          <p:cNvPr id="6" name="Table 5"/>
+          <p:cNvPr id="16" name="Table 15"/>
           <p:cNvGraphicFramePr>
             <a:graphicFrameLocks noGrp="1"/>
           </p:cNvGraphicFramePr>
           <p:nvPr/>
         </p:nvGraphicFramePr>
         <p:xfrm>
-          <a:off x="6400800" y="2011680"/>
-          <a:ext cx="5029200" cy="2743200"/>
+          <a:off x="4846320" y="1600200"/>
+          <a:ext cx="3931920" cy="2286000"/>
         </p:xfrm>
         <a:graphic>
           <a:graphicData uri="http://schemas.openxmlformats.org/drawingml/2006/table">
@@ -3509,18 +3905,18 @@
                 <a:tableStyleId>{5C22544A-7EE6-4342-B048-85BDC9FD1C3A}</a:tableStyleId>
               </a:tblPr>
               <a:tblGrid>
-                <a:gridCol w="1676400"/>
-                <a:gridCol w="1676400"/>
-                <a:gridCol w="1676400"/>
+                <a:gridCol w="1310640"/>
+                <a:gridCol w="1310640"/>
+                <a:gridCol w="1310640"/>
               </a:tblGrid>
-              <a:tr h="548640">
-                <a:tc>
-                  <a:txBody>
-                    <a:bodyPr/>
-                    <a:lstStyle/>
-                    <a:p>
-                      <a:pPr algn="ctr">
-                        <a:defRPr sz="1400" b="1">
+              <a:tr h="381000">
+                <a:tc>
+                  <a:txBody>
+                    <a:bodyPr/>
+                    <a:lstStyle/>
+                    <a:p>
+                      <a:pPr algn="ctr">
+                        <a:defRPr sz="1300" b="1">
                           <a:solidFill>
                             <a:srgbClr val="FFFFFF"/>
                           </a:solidFill>
@@ -3530,7 +3926,7 @@
                   </a:txBody>
                   <a:tcPr>
                     <a:solidFill>
-                      <a:srgbClr val="1B3A5C"/>
+                      <a:srgbClr val="143440"/>
                     </a:solidFill>
                   </a:tcPr>
                 </a:tc>
@@ -3540,20 +3936,20 @@
                     <a:lstStyle/>
                     <a:p>
                       <a:pPr algn="ctr">
-                        <a:defRPr sz="1400" b="1">
+                        <a:defRPr sz="1300" b="1">
                           <a:solidFill>
                             <a:srgbClr val="FFFFFF"/>
                           </a:solidFill>
                         </a:defRPr>
                       </a:pPr>
                       <a:r>
-                        <a:t>A100 (Ampere)</a:t>
+                        <a:t>A100</a:t>
                       </a:r>
                     </a:p>
                   </a:txBody>
                   <a:tcPr>
                     <a:solidFill>
-                      <a:srgbClr val="1B3A5C"/>
+                      <a:srgbClr val="143440"/>
                     </a:solidFill>
                   </a:tcPr>
                 </a:tc>
@@ -3563,88 +3959,104 @@
                     <a:lstStyle/>
                     <a:p>
                       <a:pPr algn="ctr">
-                        <a:defRPr sz="1400" b="1">
+                        <a:defRPr sz="1300" b="1">
                           <a:solidFill>
                             <a:srgbClr val="FFFFFF"/>
                           </a:solidFill>
                         </a:defRPr>
                       </a:pPr>
                       <a:r>
-                        <a:t>H100 (Hopper)</a:t>
+                        <a:t>H100</a:t>
                       </a:r>
                     </a:p>
                   </a:txBody>
                   <a:tcPr>
                     <a:solidFill>
-                      <a:srgbClr val="1B3A5C"/>
+                      <a:srgbClr val="143440"/>
                     </a:solidFill>
                   </a:tcPr>
                 </a:tc>
               </a:tr>
-              <a:tr h="548640">
-                <a:tc>
-                  <a:txBody>
-                    <a:bodyPr/>
-                    <a:lstStyle/>
-                    <a:p>
-                      <a:pPr algn="ctr">
-                        <a:defRPr sz="1400"/>
+              <a:tr h="381000">
+                <a:tc>
+                  <a:txBody>
+                    <a:bodyPr/>
+                    <a:lstStyle/>
+                    <a:p>
+                      <a:pPr algn="ctr">
+                        <a:defRPr sz="1300">
+                          <a:solidFill>
+                            <a:srgbClr val="282828"/>
+                          </a:solidFill>
+                        </a:defRPr>
+                      </a:pPr>
+                      <a:r>
+                        <a:t>Architecture</a:t>
+                      </a:r>
+                    </a:p>
+                  </a:txBody>
+                  <a:tcPr/>
+                </a:tc>
+                <a:tc>
+                  <a:txBody>
+                    <a:bodyPr/>
+                    <a:lstStyle/>
+                    <a:p>
+                      <a:pPr algn="ctr">
+                        <a:defRPr sz="1300">
+                          <a:solidFill>
+                            <a:srgbClr val="282828"/>
+                          </a:solidFill>
+                        </a:defRPr>
+                      </a:pPr>
+                      <a:r>
+                        <a:t>Ampere</a:t>
+                      </a:r>
+                    </a:p>
+                  </a:txBody>
+                  <a:tcPr/>
+                </a:tc>
+                <a:tc>
+                  <a:txBody>
+                    <a:bodyPr/>
+                    <a:lstStyle/>
+                    <a:p>
+                      <a:pPr algn="ctr">
+                        <a:defRPr sz="1300">
+                          <a:solidFill>
+                            <a:srgbClr val="282828"/>
+                          </a:solidFill>
+                        </a:defRPr>
+                      </a:pPr>
+                      <a:r>
+                        <a:t>Hopper</a:t>
+                      </a:r>
+                    </a:p>
+                  </a:txBody>
+                  <a:tcPr/>
+                </a:tc>
+              </a:tr>
+              <a:tr h="381000">
+                <a:tc>
+                  <a:txBody>
+                    <a:bodyPr/>
+                    <a:lstStyle/>
+                    <a:p>
+                      <a:pPr algn="ctr">
+                        <a:defRPr sz="1300">
+                          <a:solidFill>
+                            <a:srgbClr val="282828"/>
+                          </a:solidFill>
+                        </a:defRPr>
                       </a:pPr>
                       <a:r>
                         <a:t>Partition</a:t>
-                      </a:r>
-                    </a:p>
-                  </a:txBody>
-                  <a:tcPr/>
-                </a:tc>
-                <a:tc>
-                  <a:txBody>
-                    <a:bodyPr/>
-                    <a:lstStyle/>
-                    <a:p>
-                      <a:pPr algn="ctr">
-                        <a:defRPr sz="1400"/>
-                      </a:pPr>
-                      <a:r>
-                        <a:t>gpu</a:t>
-                      </a:r>
-                    </a:p>
-                  </a:txBody>
-                  <a:tcPr/>
-                </a:tc>
-                <a:tc>
-                  <a:txBody>
-                    <a:bodyPr/>
-                    <a:lstStyle/>
-                    <a:p>
-                      <a:pPr algn="ctr">
-                        <a:defRPr sz="1400"/>
-                      </a:pPr>
-                      <a:r>
-                        <a:t>gpu_h100</a:t>
-                      </a:r>
-                    </a:p>
-                  </a:txBody>
-                  <a:tcPr/>
-                </a:tc>
-              </a:tr>
-              <a:tr h="548640">
-                <a:tc>
-                  <a:txBody>
-                    <a:bodyPr/>
-                    <a:lstStyle/>
-                    <a:p>
-                      <a:pPr algn="ctr">
-                        <a:defRPr sz="1400"/>
-                      </a:pPr>
-                      <a:r>
-                        <a:t>Variante</a:t>
                       </a:r>
                     </a:p>
                   </a:txBody>
                   <a:tcPr>
                     <a:solidFill>
-                      <a:srgbClr val="F2F3F4"/>
+                      <a:srgbClr val="F0EEEB"/>
                     </a:solidFill>
                   </a:tcPr>
                 </a:tc>
@@ -3654,16 +4066,20 @@
                     <a:lstStyle/>
                     <a:p>
                       <a:pPr algn="ctr">
-                        <a:defRPr sz="1400"/>
-                      </a:pPr>
-                      <a:r>
-                        <a:t>SXM / 80 Go HBM2e</a:t>
+                        <a:defRPr sz="1300">
+                          <a:solidFill>
+                            <a:srgbClr val="282828"/>
+                          </a:solidFill>
+                        </a:defRPr>
+                      </a:pPr>
+                      <a:r>
+                        <a:t>gpu</a:t>
                       </a:r>
                     </a:p>
                   </a:txBody>
                   <a:tcPr>
                     <a:solidFill>
-                      <a:srgbClr val="F2F3F4"/>
+                      <a:srgbClr val="F0EEEB"/>
                     </a:solidFill>
                   </a:tcPr>
                 </a:tc>
@@ -3673,84 +4089,104 @@
                     <a:lstStyle/>
                     <a:p>
                       <a:pPr algn="ctr">
-                        <a:defRPr sz="1400"/>
-                      </a:pPr>
-                      <a:r>
-                        <a:t>PCIe / 80 Go HBM3</a:t>
+                        <a:defRPr sz="1300">
+                          <a:solidFill>
+                            <a:srgbClr val="282828"/>
+                          </a:solidFill>
+                        </a:defRPr>
+                      </a:pPr>
+                      <a:r>
+                        <a:t>gpu_h100</a:t>
                       </a:r>
                     </a:p>
                   </a:txBody>
                   <a:tcPr>
                     <a:solidFill>
-                      <a:srgbClr val="F2F3F4"/>
+                      <a:srgbClr val="F0EEEB"/>
                     </a:solidFill>
                   </a:tcPr>
                 </a:tc>
               </a:tr>
-              <a:tr h="548640">
-                <a:tc>
-                  <a:txBody>
-                    <a:bodyPr/>
-                    <a:lstStyle/>
-                    <a:p>
-                      <a:pPr algn="ctr">
-                        <a:defRPr sz="1400"/>
+              <a:tr h="381000">
+                <a:tc>
+                  <a:txBody>
+                    <a:bodyPr/>
+                    <a:lstStyle/>
+                    <a:p>
+                      <a:pPr algn="ctr">
+                        <a:defRPr sz="1300">
+                          <a:solidFill>
+                            <a:srgbClr val="282828"/>
+                          </a:solidFill>
+                        </a:defRPr>
+                      </a:pPr>
+                      <a:r>
+                        <a:t>Mémoire</a:t>
+                      </a:r>
+                    </a:p>
+                  </a:txBody>
+                  <a:tcPr/>
+                </a:tc>
+                <a:tc>
+                  <a:txBody>
+                    <a:bodyPr/>
+                    <a:lstStyle/>
+                    <a:p>
+                      <a:pPr algn="ctr">
+                        <a:defRPr sz="1300">
+                          <a:solidFill>
+                            <a:srgbClr val="282828"/>
+                          </a:solidFill>
+                        </a:defRPr>
+                      </a:pPr>
+                      <a:r>
+                        <a:t>80 Go HBM2e</a:t>
+                      </a:r>
+                    </a:p>
+                  </a:txBody>
+                  <a:tcPr/>
+                </a:tc>
+                <a:tc>
+                  <a:txBody>
+                    <a:bodyPr/>
+                    <a:lstStyle/>
+                    <a:p>
+                      <a:pPr algn="ctr">
+                        <a:defRPr sz="1300">
+                          <a:solidFill>
+                            <a:srgbClr val="282828"/>
+                          </a:solidFill>
+                        </a:defRPr>
+                      </a:pPr>
+                      <a:r>
+                        <a:t>80 Go HBM3</a:t>
+                      </a:r>
+                    </a:p>
+                  </a:txBody>
+                  <a:tcPr/>
+                </a:tc>
+              </a:tr>
+              <a:tr h="381000">
+                <a:tc>
+                  <a:txBody>
+                    <a:bodyPr/>
+                    <a:lstStyle/>
+                    <a:p>
+                      <a:pPr algn="ctr">
+                        <a:defRPr sz="1300">
+                          <a:solidFill>
+                            <a:srgbClr val="282828"/>
+                          </a:solidFill>
+                        </a:defRPr>
                       </a:pPr>
                       <a:r>
                         <a:t>Cœurs CUDA</a:t>
-                      </a:r>
-                    </a:p>
-                  </a:txBody>
-                  <a:tcPr/>
-                </a:tc>
-                <a:tc>
-                  <a:txBody>
-                    <a:bodyPr/>
-                    <a:lstStyle/>
-                    <a:p>
-                      <a:pPr algn="ctr">
-                        <a:defRPr sz="1400"/>
-                      </a:pPr>
-                      <a:r>
-                        <a:t>6 912</a:t>
-                      </a:r>
-                    </a:p>
-                  </a:txBody>
-                  <a:tcPr/>
-                </a:tc>
-                <a:tc>
-                  <a:txBody>
-                    <a:bodyPr/>
-                    <a:lstStyle/>
-                    <a:p>
-                      <a:pPr algn="ctr">
-                        <a:defRPr sz="1400"/>
-                      </a:pPr>
-                      <a:r>
-                        <a:t>16 896</a:t>
-                      </a:r>
-                    </a:p>
-                  </a:txBody>
-                  <a:tcPr/>
-                </a:tc>
-              </a:tr>
-              <a:tr h="548640">
-                <a:tc>
-                  <a:txBody>
-                    <a:bodyPr/>
-                    <a:lstStyle/>
-                    <a:p>
-                      <a:pPr algn="ctr">
-                        <a:defRPr sz="1400"/>
-                      </a:pPr>
-                      <a:r>
-                        <a:t>Peak FP64</a:t>
                       </a:r>
                     </a:p>
                   </a:txBody>
                   <a:tcPr>
                     <a:solidFill>
-                      <a:srgbClr val="F2F3F4"/>
+                      <a:srgbClr val="F0EEEB"/>
                     </a:solidFill>
                   </a:tcPr>
                 </a:tc>
@@ -3760,16 +4196,20 @@
                     <a:lstStyle/>
                     <a:p>
                       <a:pPr algn="ctr">
-                        <a:defRPr sz="1400"/>
-                      </a:pPr>
-                      <a:r>
-                        <a:t>19,5 TFLOPS</a:t>
+                        <a:defRPr sz="1300">
+                          <a:solidFill>
+                            <a:srgbClr val="282828"/>
+                          </a:solidFill>
+                        </a:defRPr>
+                      </a:pPr>
+                      <a:r>
+                        <a:t>6 912</a:t>
                       </a:r>
                     </a:p>
                   </a:txBody>
                   <a:tcPr>
                     <a:solidFill>
-                      <a:srgbClr val="F2F3F4"/>
+                      <a:srgbClr val="F0EEEB"/>
                     </a:solidFill>
                   </a:tcPr>
                 </a:tc>
@@ -3779,18 +4219,81 @@
                     <a:lstStyle/>
                     <a:p>
                       <a:pPr algn="ctr">
-                        <a:defRPr sz="1400"/>
-                      </a:pPr>
-                      <a:r>
-                        <a:t>54 TFLOPS</a:t>
+                        <a:defRPr sz="1300">
+                          <a:solidFill>
+                            <a:srgbClr val="282828"/>
+                          </a:solidFill>
+                        </a:defRPr>
+                      </a:pPr>
+                      <a:r>
+                        <a:t>16 896</a:t>
                       </a:r>
                     </a:p>
                   </a:txBody>
                   <a:tcPr>
                     <a:solidFill>
-                      <a:srgbClr val="F2F3F4"/>
+                      <a:srgbClr val="F0EEEB"/>
                     </a:solidFill>
                   </a:tcPr>
+                </a:tc>
+              </a:tr>
+              <a:tr h="381000">
+                <a:tc>
+                  <a:txBody>
+                    <a:bodyPr/>
+                    <a:lstStyle/>
+                    <a:p>
+                      <a:pPr algn="ctr">
+                        <a:defRPr sz="1300">
+                          <a:solidFill>
+                            <a:srgbClr val="282828"/>
+                          </a:solidFill>
+                        </a:defRPr>
+                      </a:pPr>
+                      <a:r>
+                        <a:t>Peak FP64</a:t>
+                      </a:r>
+                    </a:p>
+                  </a:txBody>
+                  <a:tcPr/>
+                </a:tc>
+                <a:tc>
+                  <a:txBody>
+                    <a:bodyPr/>
+                    <a:lstStyle/>
+                    <a:p>
+                      <a:pPr algn="ctr">
+                        <a:defRPr sz="1300">
+                          <a:solidFill>
+                            <a:srgbClr val="282828"/>
+                          </a:solidFill>
+                        </a:defRPr>
+                      </a:pPr>
+                      <a:r>
+                        <a:t>19,5 TFLOPS</a:t>
+                      </a:r>
+                    </a:p>
+                  </a:txBody>
+                  <a:tcPr/>
+                </a:tc>
+                <a:tc>
+                  <a:txBody>
+                    <a:bodyPr/>
+                    <a:lstStyle/>
+                    <a:p>
+                      <a:pPr algn="ctr">
+                        <a:defRPr sz="1300">
+                          <a:solidFill>
+                            <a:srgbClr val="282828"/>
+                          </a:solidFill>
+                        </a:defRPr>
+                      </a:pPr>
+                      <a:r>
+                        <a:t>54 TFLOPS</a:t>
+                      </a:r>
+                    </a:p>
+                  </a:txBody>
+                  <a:tcPr/>
                 </a:tc>
               </a:tr>
             </a:tbl>
@@ -3799,14 +4302,14 @@
       </p:graphicFrame>
       <p:sp>
         <p:nvSpPr>
-          <p:cNvPr id="7" name="TextBox 6"/>
+          <p:cNvPr id="17" name="TextBox 16"/>
           <p:cNvSpPr txBox="1"/>
           <p:nvPr/>
         </p:nvSpPr>
         <p:spPr>
           <a:xfrm>
-            <a:off x="731520" y="4754880"/>
-            <a:ext cx="10058400" cy="457200"/>
+            <a:off x="548640" y="4251960"/>
+            <a:ext cx="7315200" cy="411480"/>
           </a:xfrm>
           <a:prstGeom prst="rect">
             <a:avLst/>
@@ -3820,9 +4323,9 @@
           <a:lstStyle/>
           <a:p>
             <a:pPr algn="l">
-              <a:defRPr sz="2200" b="1">
+              <a:defRPr sz="2400" b="1">
                 <a:solidFill>
-                  <a:srgbClr val="1B3A5C"/>
+                  <a:srgbClr val="FF6B35"/>
                 </a:solidFill>
               </a:defRPr>
             </a:pPr>
@@ -3834,14 +4337,57 @@
       </p:sp>
       <p:sp>
         <p:nvSpPr>
-          <p:cNvPr id="8" name="TextBox 7"/>
+          <p:cNvPr id="18" name="Rounded Rectangle 17"/>
+          <p:cNvSpPr/>
+          <p:nvPr/>
+        </p:nvSpPr>
+        <p:spPr>
+          <a:xfrm>
+            <a:off x="548640" y="4754880"/>
+            <a:ext cx="109728" cy="109728"/>
+          </a:xfrm>
+          <a:prstGeom prst="roundRect">
+            <a:avLst/>
+          </a:prstGeom>
+          <a:solidFill>
+            <a:srgbClr val="FF6B35"/>
+          </a:solidFill>
+          <a:ln>
+            <a:noFill/>
+          </a:ln>
+        </p:spPr>
+        <p:style>
+          <a:lnRef idx="1">
+            <a:schemeClr val="accent1"/>
+          </a:lnRef>
+          <a:fillRef idx="3">
+            <a:schemeClr val="accent1"/>
+          </a:fillRef>
+          <a:effectRef idx="2">
+            <a:schemeClr val="accent1"/>
+          </a:effectRef>
+          <a:fontRef idx="minor">
+            <a:schemeClr val="lt1"/>
+          </a:fontRef>
+        </p:style>
+        <p:txBody>
+          <a:bodyPr rtlCol="0" anchor="ctr"/>
+          <a:lstStyle/>
+          <a:p>
+            <a:pPr algn="ctr"/>
+          </a:p>
+        </p:txBody>
+      </p:sp>
+      <p:sp>
+        <p:nvSpPr>
+          <p:cNvPr id="19" name="TextBox 18"/>
           <p:cNvSpPr txBox="1"/>
           <p:nvPr/>
         </p:nvSpPr>
         <p:spPr>
           <a:xfrm>
-            <a:off x="731520" y="5303520"/>
-            <a:ext cx="10058400" cy="1371600"/>
+            <a:off x="777240" y="4709160"/>
+            <a:ext cx="7543800" cy="320040"/>
           </a:xfrm>
           <a:prstGeom prst="rect">
             <a:avLst/>
@@ -3854,33 +4400,171 @@
           </a:bodyPr>
           <a:lstStyle/>
           <a:p>
-            <a:pPr>
-              <a:spcAft>
-                <a:spcPts val="800"/>
-              </a:spcAft>
-              <a:defRPr sz="1700">
+            <a:pPr algn="l">
+              <a:defRPr sz="1500" b="0">
                 <a:solidFill>
-                  <a:srgbClr val="2C3E50"/>
+                  <a:srgbClr val="282828"/>
                 </a:solidFill>
               </a:defRPr>
             </a:pPr>
             <a:r>
-              <a:t>NB = 576 (blocs larges pour saturer les cœurs GPU — vs NB = 128-256 sur CPU)</a:t>
-            </a:r>
-          </a:p>
-          <a:p>
-            <a:pPr>
-              <a:spcAft>
-                <a:spcPts val="800"/>
-              </a:spcAft>
-              <a:defRPr sz="1700">
+              <a:t>NB = 576 (blocs larges pour saturer les cœurs GPU)</a:t>
+            </a:r>
+          </a:p>
+        </p:txBody>
+      </p:sp>
+      <p:sp>
+        <p:nvSpPr>
+          <p:cNvPr id="20" name="Rounded Rectangle 19"/>
+          <p:cNvSpPr/>
+          <p:nvPr/>
+        </p:nvSpPr>
+        <p:spPr>
+          <a:xfrm>
+            <a:off x="548640" y="5074920"/>
+            <a:ext cx="109728" cy="109728"/>
+          </a:xfrm>
+          <a:prstGeom prst="roundRect">
+            <a:avLst/>
+          </a:prstGeom>
+          <a:solidFill>
+            <a:srgbClr val="FF6B35"/>
+          </a:solidFill>
+          <a:ln>
+            <a:noFill/>
+          </a:ln>
+        </p:spPr>
+        <p:style>
+          <a:lnRef idx="1">
+            <a:schemeClr val="accent1"/>
+          </a:lnRef>
+          <a:fillRef idx="3">
+            <a:schemeClr val="accent1"/>
+          </a:fillRef>
+          <a:effectRef idx="2">
+            <a:schemeClr val="accent1"/>
+          </a:effectRef>
+          <a:fontRef idx="minor">
+            <a:schemeClr val="lt1"/>
+          </a:fontRef>
+        </p:style>
+        <p:txBody>
+          <a:bodyPr rtlCol="0" anchor="ctr"/>
+          <a:lstStyle/>
+          <a:p>
+            <a:pPr algn="ctr"/>
+          </a:p>
+        </p:txBody>
+      </p:sp>
+      <p:sp>
+        <p:nvSpPr>
+          <p:cNvPr id="21" name="TextBox 20"/>
+          <p:cNvSpPr txBox="1"/>
+          <p:nvPr/>
+        </p:nvSpPr>
+        <p:spPr>
+          <a:xfrm>
+            <a:off x="777240" y="5029200"/>
+            <a:ext cx="7543800" cy="320040"/>
+          </a:xfrm>
+          <a:prstGeom prst="rect">
+            <a:avLst/>
+          </a:prstGeom>
+          <a:noFill/>
+        </p:spPr>
+        <p:txBody>
+          <a:bodyPr wrap="square">
+            <a:spAutoFit/>
+          </a:bodyPr>
+          <a:lstStyle/>
+          <a:p>
+            <a:pPr algn="l">
+              <a:defRPr sz="1500" b="0">
                 <a:solidFill>
-                  <a:srgbClr val="2C3E50"/>
+                  <a:srgbClr val="282828"/>
                 </a:solidFill>
               </a:defRPr>
             </a:pPr>
             <a:r>
-              <a:t>P × Q = 2 × 1  (1 processus MPI par GPU)   |   BCAST = 6 (broadcast MPI)</a:t>
+              <a:t>P × Q = 2 × 1 (1 processus MPI par GPU)</a:t>
+            </a:r>
+          </a:p>
+        </p:txBody>
+      </p:sp>
+      <p:sp>
+        <p:nvSpPr>
+          <p:cNvPr id="22" name="Rounded Rectangle 21"/>
+          <p:cNvSpPr/>
+          <p:nvPr/>
+        </p:nvSpPr>
+        <p:spPr>
+          <a:xfrm>
+            <a:off x="548640" y="5394960"/>
+            <a:ext cx="109728" cy="109728"/>
+          </a:xfrm>
+          <a:prstGeom prst="roundRect">
+            <a:avLst/>
+          </a:prstGeom>
+          <a:solidFill>
+            <a:srgbClr val="FF6B35"/>
+          </a:solidFill>
+          <a:ln>
+            <a:noFill/>
+          </a:ln>
+        </p:spPr>
+        <p:style>
+          <a:lnRef idx="1">
+            <a:schemeClr val="accent1"/>
+          </a:lnRef>
+          <a:fillRef idx="3">
+            <a:schemeClr val="accent1"/>
+          </a:fillRef>
+          <a:effectRef idx="2">
+            <a:schemeClr val="accent1"/>
+          </a:effectRef>
+          <a:fontRef idx="minor">
+            <a:schemeClr val="lt1"/>
+          </a:fontRef>
+        </p:style>
+        <p:txBody>
+          <a:bodyPr rtlCol="0" anchor="ctr"/>
+          <a:lstStyle/>
+          <a:p>
+            <a:pPr algn="ctr"/>
+          </a:p>
+        </p:txBody>
+      </p:sp>
+      <p:sp>
+        <p:nvSpPr>
+          <p:cNvPr id="23" name="TextBox 22"/>
+          <p:cNvSpPr txBox="1"/>
+          <p:nvPr/>
+        </p:nvSpPr>
+        <p:spPr>
+          <a:xfrm>
+            <a:off x="777240" y="5349240"/>
+            <a:ext cx="7543800" cy="320040"/>
+          </a:xfrm>
+          <a:prstGeom prst="rect">
+            <a:avLst/>
+          </a:prstGeom>
+          <a:noFill/>
+        </p:spPr>
+        <p:txBody>
+          <a:bodyPr wrap="square">
+            <a:spAutoFit/>
+          </a:bodyPr>
+          <a:lstStyle/>
+          <a:p>
+            <a:pPr algn="l">
+              <a:defRPr sz="1500" b="0">
+                <a:solidFill>
+                  <a:srgbClr val="282828"/>
+                </a:solidFill>
+              </a:defRPr>
+            </a:pPr>
+            <a:r>
+              <a:t>BCAST = 6 (broadcast MPI)</a:t>
             </a:r>
           </a:p>
         </p:txBody>
@@ -3896,14 +4580,6 @@
 <file path=ppt/slides/slide3.xml><?xml version="1.0" encoding="utf-8"?>
 <p:sld xmlns:a="http://schemas.openxmlformats.org/drawingml/2006/main" xmlns:p="http://schemas.openxmlformats.org/presentationml/2006/main" xmlns:r="http://schemas.openxmlformats.org/officeDocument/2006/relationships">
   <p:cSld>
-    <p:bg>
-      <p:bgPr>
-        <a:solidFill>
-          <a:srgbClr val="FFFFFF"/>
-        </a:solidFill>
-        <a:effectLst/>
-      </p:bgPr>
-    </p:bg>
     <p:spTree>
       <p:nvGrpSpPr>
         <p:cNvPr id="1" name=""/>
@@ -3920,13 +4596,13 @@
         <p:spPr>
           <a:xfrm>
             <a:off x="0" y="0"/>
-            <a:ext cx="12191695" cy="1188720"/>
+            <a:ext cx="9144000" cy="6858000"/>
           </a:xfrm>
           <a:prstGeom prst="rect">
             <a:avLst/>
           </a:prstGeom>
           <a:solidFill>
-            <a:srgbClr val="1B3A5C"/>
+            <a:srgbClr val="FAF8F5"/>
           </a:solidFill>
           <a:ln>
             <a:noFill/>
@@ -3947,43 +4623,32 @@
           </a:fontRef>
         </p:style>
         <p:txBody>
-          <a:bodyPr rtlCol="0" anchor="ctr" wrap="square" lIns="731520"/>
-          <a:lstStyle/>
-          <a:p>
-            <a:pPr algn="l">
-              <a:defRPr sz="3200" b="1">
-                <a:solidFill>
-                  <a:srgbClr val="FFFFFF"/>
-                </a:solidFill>
-              </a:defRPr>
-            </a:pPr>
-            <a:r>
-              <a:t>Étapes d'exécution sur GPU</a:t>
-            </a:r>
-          </a:p>
-        </p:txBody>
-      </p:sp>
-      <p:sp>
-        <p:nvSpPr>
-          <p:cNvPr id="3" name="Rounded Rectangle 2"/>
+          <a:bodyPr rtlCol="0" anchor="ctr"/>
+          <a:lstStyle/>
+          <a:p>
+            <a:pPr algn="ctr"/>
+          </a:p>
+        </p:txBody>
+      </p:sp>
+      <p:sp>
+        <p:nvSpPr>
+          <p:cNvPr id="3" name="Rectangle 2"/>
           <p:cNvSpPr/>
           <p:nvPr/>
         </p:nvSpPr>
         <p:spPr>
           <a:xfrm>
-            <a:off x="457200" y="1463040"/>
-            <a:ext cx="2560320" cy="4754880"/>
-          </a:xfrm>
-          <a:prstGeom prst="roundRect">
+            <a:off x="0" y="0"/>
+            <a:ext cx="73152" cy="6858000"/>
+          </a:xfrm>
+          <a:prstGeom prst="rect">
             <a:avLst/>
           </a:prstGeom>
           <a:solidFill>
-            <a:srgbClr val="F2F3F4"/>
+            <a:srgbClr val="FF6B35"/>
           </a:solidFill>
-          <a:ln w="19050">
-            <a:solidFill>
-              <a:srgbClr val="2E86C1"/>
-            </a:solidFill>
+          <a:ln>
+            <a:noFill/>
           </a:ln>
         </p:spPr>
         <p:style>
@@ -4016,8 +4681,8 @@
         </p:nvSpPr>
         <p:spPr>
           <a:xfrm>
-            <a:off x="548640" y="1554480"/>
-            <a:ext cx="2377440" cy="457200"/>
+            <a:off x="548640" y="137160"/>
+            <a:ext cx="7772400" cy="640080"/>
           </a:xfrm>
           <a:prstGeom prst="rect">
             <a:avLst/>
@@ -4030,29 +4695,117 @@
           </a:bodyPr>
           <a:lstStyle/>
           <a:p>
-            <a:pPr algn="ctr">
-              <a:defRPr sz="2000" b="1">
+            <a:pPr algn="l">
+              <a:defRPr sz="4200" b="1">
                 <a:solidFill>
-                  <a:srgbClr val="1B3A5C"/>
+                  <a:srgbClr val="143440"/>
                 </a:solidFill>
               </a:defRPr>
             </a:pPr>
             <a:r>
-              <a:t>1. HPL.dat</a:t>
-            </a:r>
-          </a:p>
-        </p:txBody>
-      </p:sp>
-      <p:sp>
-        <p:nvSpPr>
-          <p:cNvPr id="5" name="TextBox 4"/>
+              <a:t>Étapes d'exécution sur GPU</a:t>
+            </a:r>
+          </a:p>
+        </p:txBody>
+      </p:sp>
+      <p:sp>
+        <p:nvSpPr>
+          <p:cNvPr id="5" name="Rectangle 4"/>
+          <p:cNvSpPr/>
+          <p:nvPr/>
+        </p:nvSpPr>
+        <p:spPr>
+          <a:xfrm>
+            <a:off x="0" y="868680"/>
+            <a:ext cx="2286000" cy="137160"/>
+          </a:xfrm>
+          <a:prstGeom prst="rect">
+            <a:avLst/>
+          </a:prstGeom>
+          <a:solidFill>
+            <a:srgbClr val="FF6B35"/>
+          </a:solidFill>
+          <a:ln>
+            <a:noFill/>
+          </a:ln>
+        </p:spPr>
+        <p:style>
+          <a:lnRef idx="1">
+            <a:schemeClr val="accent1"/>
+          </a:lnRef>
+          <a:fillRef idx="3">
+            <a:schemeClr val="accent1"/>
+          </a:fillRef>
+          <a:effectRef idx="2">
+            <a:schemeClr val="accent1"/>
+          </a:effectRef>
+          <a:fontRef idx="minor">
+            <a:schemeClr val="lt1"/>
+          </a:fontRef>
+        </p:style>
+        <p:txBody>
+          <a:bodyPr rtlCol="0" anchor="ctr"/>
+          <a:lstStyle/>
+          <a:p>
+            <a:pPr algn="ctr"/>
+          </a:p>
+        </p:txBody>
+      </p:sp>
+      <p:sp>
+        <p:nvSpPr>
+          <p:cNvPr id="6" name="Rounded Rectangle 5"/>
+          <p:cNvSpPr/>
+          <p:nvPr/>
+        </p:nvSpPr>
+        <p:spPr>
+          <a:xfrm>
+            <a:off x="365760" y="1188720"/>
+            <a:ext cx="4023360" cy="2560320"/>
+          </a:xfrm>
+          <a:prstGeom prst="roundRect">
+            <a:avLst/>
+          </a:prstGeom>
+          <a:solidFill>
+            <a:srgbClr val="F0EEEB"/>
+          </a:solidFill>
+          <a:ln w="19050">
+            <a:solidFill>
+              <a:srgbClr val="FF6B35"/>
+            </a:solidFill>
+          </a:ln>
+        </p:spPr>
+        <p:style>
+          <a:lnRef idx="1">
+            <a:schemeClr val="accent1"/>
+          </a:lnRef>
+          <a:fillRef idx="3">
+            <a:schemeClr val="accent1"/>
+          </a:fillRef>
+          <a:effectRef idx="2">
+            <a:schemeClr val="accent1"/>
+          </a:effectRef>
+          <a:fontRef idx="minor">
+            <a:schemeClr val="lt1"/>
+          </a:fontRef>
+        </p:style>
+        <p:txBody>
+          <a:bodyPr rtlCol="0" anchor="ctr"/>
+          <a:lstStyle/>
+          <a:p>
+            <a:pPr algn="ctr"/>
+          </a:p>
+        </p:txBody>
+      </p:sp>
+      <p:sp>
+        <p:nvSpPr>
+          <p:cNvPr id="7" name="TextBox 6"/>
           <p:cNvSpPr txBox="1"/>
           <p:nvPr/>
         </p:nvSpPr>
         <p:spPr>
           <a:xfrm>
-            <a:off x="548640" y="2103120"/>
-            <a:ext cx="2377440" cy="914400"/>
+            <a:off x="502920" y="1280160"/>
+            <a:ext cx="1828800" cy="365760"/>
           </a:xfrm>
           <a:prstGeom prst="rect">
             <a:avLst/>
@@ -4065,26 +4818,61 @@
           </a:bodyPr>
           <a:lstStyle/>
           <a:p>
-            <a:pPr algn="ctr">
-              <a:defRPr sz="1400" b="0">
+            <a:pPr algn="l">
+              <a:defRPr sz="1800" b="1">
                 <a:solidFill>
-                  <a:srgbClr val="2C3E50"/>
+                  <a:srgbClr val="143440"/>
                 </a:solidFill>
               </a:defRPr>
             </a:pPr>
             <a:r>
-              <a:t>Création du fichier de</a:t>
+              <a:t>1. HPL.dat</a:t>
+            </a:r>
+          </a:p>
+        </p:txBody>
+      </p:sp>
+      <p:sp>
+        <p:nvSpPr>
+          <p:cNvPr id="8" name="TextBox 7"/>
+          <p:cNvSpPr txBox="1"/>
+          <p:nvPr/>
+        </p:nvSpPr>
+        <p:spPr>
+          <a:xfrm>
+            <a:off x="502920" y="1645920"/>
+            <a:ext cx="1828800" cy="640080"/>
+          </a:xfrm>
+          <a:prstGeom prst="rect">
+            <a:avLst/>
+          </a:prstGeom>
+          <a:noFill/>
+        </p:spPr>
+        <p:txBody>
+          <a:bodyPr wrap="square">
+            <a:spAutoFit/>
+          </a:bodyPr>
+          <a:lstStyle/>
+          <a:p>
+            <a:pPr algn="l">
+              <a:defRPr sz="1200" b="0">
+                <a:solidFill>
+                  <a:srgbClr val="282828"/>
+                </a:solidFill>
+              </a:defRPr>
+            </a:pPr>
+            <a:r>
+              <a:t>Création du fichier de configuration</a:t>
             </a:r>
             <a:br/>
             <a:r>
-              <a:t>configuration (N, NB, P×Q)</a:t>
+              <a:t>(N, NB, P×Q)</a:t>
             </a:r>
           </a:p>
         </p:txBody>
       </p:sp>
       <p:pic>
         <p:nvPicPr>
-          <p:cNvPr id="6" name="Picture 5" descr="Step1.png"/>
+          <p:cNvPr id="9" name="Picture 8" descr="Step1.png"/>
           <p:cNvPicPr>
             <a:picLocks noChangeAspect="1"/>
           </p:cNvPicPr>
@@ -4098,8 +4886,8 @@
         </p:blipFill>
         <p:spPr>
           <a:xfrm>
-            <a:off x="594360" y="3108960"/>
-            <a:ext cx="2286000" cy="933189"/>
+            <a:off x="2377440" y="1325880"/>
+            <a:ext cx="1828800" cy="746551"/>
           </a:xfrm>
           <a:prstGeom prst="rect">
             <a:avLst/>
@@ -4108,24 +4896,24 @@
       </p:pic>
       <p:sp>
         <p:nvSpPr>
-          <p:cNvPr id="7" name="Rounded Rectangle 6"/>
+          <p:cNvPr id="10" name="Rounded Rectangle 9"/>
           <p:cNvSpPr/>
           <p:nvPr/>
         </p:nvSpPr>
         <p:spPr>
           <a:xfrm>
-            <a:off x="3383280" y="1463040"/>
-            <a:ext cx="2560320" cy="4754880"/>
+            <a:off x="4480560" y="1188720"/>
+            <a:ext cx="4023360" cy="2560320"/>
           </a:xfrm>
           <a:prstGeom prst="roundRect">
             <a:avLst/>
           </a:prstGeom>
           <a:solidFill>
-            <a:srgbClr val="F2F3F4"/>
+            <a:srgbClr val="F0EEEB"/>
           </a:solidFill>
           <a:ln w="19050">
             <a:solidFill>
-              <a:srgbClr val="2E86C1"/>
+              <a:srgbClr val="FF6B35"/>
             </a:solidFill>
           </a:ln>
         </p:spPr>
@@ -4153,14 +4941,14 @@
       </p:sp>
       <p:sp>
         <p:nvSpPr>
-          <p:cNvPr id="8" name="TextBox 7"/>
+          <p:cNvPr id="11" name="TextBox 10"/>
           <p:cNvSpPr txBox="1"/>
           <p:nvPr/>
         </p:nvSpPr>
         <p:spPr>
           <a:xfrm>
-            <a:off x="3474720" y="1554480"/>
-            <a:ext cx="2377440" cy="457200"/>
+            <a:off x="4617720" y="1280160"/>
+            <a:ext cx="1828800" cy="365760"/>
           </a:xfrm>
           <a:prstGeom prst="rect">
             <a:avLst/>
@@ -4173,10 +4961,10 @@
           </a:bodyPr>
           <a:lstStyle/>
           <a:p>
-            <a:pPr algn="ctr">
-              <a:defRPr sz="2000" b="1">
+            <a:pPr algn="l">
+              <a:defRPr sz="1800" b="1">
                 <a:solidFill>
-                  <a:srgbClr val="1B3A5C"/>
+                  <a:srgbClr val="143440"/>
                 </a:solidFill>
               </a:defRPr>
             </a:pPr>
@@ -4188,14 +4976,14 @@
       </p:sp>
       <p:sp>
         <p:nvSpPr>
-          <p:cNvPr id="9" name="TextBox 8"/>
+          <p:cNvPr id="12" name="TextBox 11"/>
           <p:cNvSpPr txBox="1"/>
           <p:nvPr/>
         </p:nvSpPr>
         <p:spPr>
           <a:xfrm>
-            <a:off x="3474720" y="2103120"/>
-            <a:ext cx="2377440" cy="914400"/>
+            <a:off x="4617720" y="1645920"/>
+            <a:ext cx="1828800" cy="640080"/>
           </a:xfrm>
           <a:prstGeom prst="rect">
             <a:avLst/>
@@ -4208,26 +4996,26 @@
           </a:bodyPr>
           <a:lstStyle/>
           <a:p>
-            <a:pPr algn="ctr">
-              <a:defRPr sz="1400" b="0">
+            <a:pPr algn="l">
+              <a:defRPr sz="1200" b="0">
                 <a:solidFill>
-                  <a:srgbClr val="2C3E50"/>
+                  <a:srgbClr val="282828"/>
                 </a:solidFill>
               </a:defRPr>
             </a:pPr>
             <a:r>
-              <a:t>Lancement du conteneur</a:t>
+              <a:t>Lancement du conteneur avec</a:t>
             </a:r>
             <a:br/>
             <a:r>
-              <a:t>avec bind du répertoire</a:t>
+              <a:t>bind du répertoire</a:t>
             </a:r>
           </a:p>
         </p:txBody>
       </p:sp>
       <p:pic>
         <p:nvPicPr>
-          <p:cNvPr id="10" name="Picture 9" descr="Step2.png"/>
+          <p:cNvPr id="13" name="Picture 12" descr="Step2.png"/>
           <p:cNvPicPr>
             <a:picLocks noChangeAspect="1"/>
           </p:cNvPicPr>
@@ -4241,8 +5029,8 @@
         </p:blipFill>
         <p:spPr>
           <a:xfrm>
-            <a:off x="3520440" y="3108960"/>
-            <a:ext cx="2286000" cy="287113"/>
+            <a:off x="6492240" y="1325880"/>
+            <a:ext cx="1828800" cy="229690"/>
           </a:xfrm>
           <a:prstGeom prst="rect">
             <a:avLst/>
@@ -4251,24 +5039,24 @@
       </p:pic>
       <p:sp>
         <p:nvSpPr>
-          <p:cNvPr id="11" name="Rounded Rectangle 10"/>
+          <p:cNvPr id="14" name="Rounded Rectangle 13"/>
           <p:cNvSpPr/>
           <p:nvPr/>
         </p:nvSpPr>
         <p:spPr>
           <a:xfrm>
-            <a:off x="6309360" y="1463040"/>
-            <a:ext cx="2560320" cy="4754880"/>
+            <a:off x="365760" y="3931920"/>
+            <a:ext cx="4023360" cy="2560320"/>
           </a:xfrm>
           <a:prstGeom prst="roundRect">
             <a:avLst/>
           </a:prstGeom>
           <a:solidFill>
-            <a:srgbClr val="F2F3F4"/>
+            <a:srgbClr val="F0EEEB"/>
           </a:solidFill>
           <a:ln w="19050">
             <a:solidFill>
-              <a:srgbClr val="2E86C1"/>
+              <a:srgbClr val="FF6B35"/>
             </a:solidFill>
           </a:ln>
         </p:spPr>
@@ -4296,14 +5084,14 @@
       </p:sp>
       <p:sp>
         <p:nvSpPr>
-          <p:cNvPr id="12" name="TextBox 11"/>
+          <p:cNvPr id="15" name="TextBox 14"/>
           <p:cNvSpPr txBox="1"/>
           <p:nvPr/>
         </p:nvSpPr>
         <p:spPr>
           <a:xfrm>
-            <a:off x="6400800" y="1554480"/>
-            <a:ext cx="2377440" cy="457200"/>
+            <a:off x="502920" y="4023360"/>
+            <a:ext cx="1828800" cy="365760"/>
           </a:xfrm>
           <a:prstGeom prst="rect">
             <a:avLst/>
@@ -4316,10 +5104,10 @@
           </a:bodyPr>
           <a:lstStyle/>
           <a:p>
-            <a:pPr algn="ctr">
-              <a:defRPr sz="2000" b="1">
+            <a:pPr algn="l">
+              <a:defRPr sz="1800" b="1">
                 <a:solidFill>
-                  <a:srgbClr val="1B3A5C"/>
+                  <a:srgbClr val="143440"/>
                 </a:solidFill>
               </a:defRPr>
             </a:pPr>
@@ -4331,14 +5119,14 @@
       </p:sp>
       <p:sp>
         <p:nvSpPr>
-          <p:cNvPr id="13" name="TextBox 12"/>
+          <p:cNvPr id="16" name="TextBox 15"/>
           <p:cNvSpPr txBox="1"/>
           <p:nvPr/>
         </p:nvSpPr>
         <p:spPr>
           <a:xfrm>
-            <a:off x="6400800" y="2103120"/>
-            <a:ext cx="2377440" cy="914400"/>
+            <a:off x="502920" y="4389120"/>
+            <a:ext cx="1828800" cy="640080"/>
           </a:xfrm>
           <a:prstGeom prst="rect">
             <a:avLst/>
@@ -4351,10 +5139,10 @@
           </a:bodyPr>
           <a:lstStyle/>
           <a:p>
-            <a:pPr algn="ctr">
-              <a:defRPr sz="1400" b="0">
+            <a:pPr algn="l">
+              <a:defRPr sz="1200" b="0">
                 <a:solidFill>
-                  <a:srgbClr val="2C3E50"/>
+                  <a:srgbClr val="282828"/>
                 </a:solidFill>
               </a:defRPr>
             </a:pPr>
@@ -4370,7 +5158,7 @@
       </p:sp>
       <p:pic>
         <p:nvPicPr>
-          <p:cNvPr id="14" name="Picture 13" descr="Step3.png"/>
+          <p:cNvPr id="17" name="Picture 16" descr="Step3.png"/>
           <p:cNvPicPr>
             <a:picLocks noChangeAspect="1"/>
           </p:cNvPicPr>
@@ -4384,8 +5172,8 @@
         </p:blipFill>
         <p:spPr>
           <a:xfrm>
-            <a:off x="6446520" y="3108960"/>
-            <a:ext cx="2286000" cy="324184"/>
+            <a:off x="2377440" y="4069080"/>
+            <a:ext cx="1828800" cy="259347"/>
           </a:xfrm>
           <a:prstGeom prst="rect">
             <a:avLst/>
@@ -4394,24 +5182,24 @@
       </p:pic>
       <p:sp>
         <p:nvSpPr>
-          <p:cNvPr id="15" name="Rounded Rectangle 14"/>
+          <p:cNvPr id="18" name="Rounded Rectangle 17"/>
           <p:cNvSpPr/>
           <p:nvPr/>
         </p:nvSpPr>
         <p:spPr>
           <a:xfrm>
-            <a:off x="9235440" y="1463040"/>
-            <a:ext cx="2560320" cy="4754880"/>
+            <a:off x="4480560" y="3931920"/>
+            <a:ext cx="4023360" cy="2560320"/>
           </a:xfrm>
           <a:prstGeom prst="roundRect">
             <a:avLst/>
           </a:prstGeom>
           <a:solidFill>
-            <a:srgbClr val="F2F3F4"/>
+            <a:srgbClr val="F0EEEB"/>
           </a:solidFill>
           <a:ln w="19050">
             <a:solidFill>
-              <a:srgbClr val="2E86C1"/>
+              <a:srgbClr val="FF6B35"/>
             </a:solidFill>
           </a:ln>
         </p:spPr>
@@ -4439,14 +5227,14 @@
       </p:sp>
       <p:sp>
         <p:nvSpPr>
-          <p:cNvPr id="16" name="TextBox 15"/>
+          <p:cNvPr id="19" name="TextBox 18"/>
           <p:cNvSpPr txBox="1"/>
           <p:nvPr/>
         </p:nvSpPr>
         <p:spPr>
           <a:xfrm>
-            <a:off x="9326880" y="1554480"/>
-            <a:ext cx="2377440" cy="457200"/>
+            <a:off x="4617720" y="4023360"/>
+            <a:ext cx="1828800" cy="365760"/>
           </a:xfrm>
           <a:prstGeom prst="rect">
             <a:avLst/>
@@ -4459,10 +5247,10 @@
           </a:bodyPr>
           <a:lstStyle/>
           <a:p>
-            <a:pPr algn="ctr">
-              <a:defRPr sz="2000" b="1">
+            <a:pPr algn="l">
+              <a:defRPr sz="1800" b="1">
                 <a:solidFill>
-                  <a:srgbClr val="1B3A5C"/>
+                  <a:srgbClr val="143440"/>
                 </a:solidFill>
               </a:defRPr>
             </a:pPr>
@@ -4474,14 +5262,14 @@
       </p:sp>
       <p:sp>
         <p:nvSpPr>
-          <p:cNvPr id="17" name="TextBox 16"/>
+          <p:cNvPr id="20" name="TextBox 19"/>
           <p:cNvSpPr txBox="1"/>
           <p:nvPr/>
         </p:nvSpPr>
         <p:spPr>
           <a:xfrm>
-            <a:off x="9326880" y="2103120"/>
-            <a:ext cx="2377440" cy="914400"/>
+            <a:off x="4617720" y="4389120"/>
+            <a:ext cx="1828800" cy="640080"/>
           </a:xfrm>
           <a:prstGeom prst="rect">
             <a:avLst/>
@@ -4494,10 +5282,10 @@
           </a:bodyPr>
           <a:lstStyle/>
           <a:p>
-            <a:pPr algn="ctr">
-              <a:defRPr sz="1400" b="0">
+            <a:pPr algn="l">
+              <a:defRPr sz="1200" b="0">
                 <a:solidFill>
-                  <a:srgbClr val="2C3E50"/>
+                  <a:srgbClr val="282828"/>
                 </a:solidFill>
               </a:defRPr>
             </a:pPr>
@@ -4513,7 +5301,7 @@
       </p:sp>
       <p:pic>
         <p:nvPicPr>
-          <p:cNvPr id="18" name="Picture 17" descr="Step4.png"/>
+          <p:cNvPr id="21" name="Picture 20" descr="Step4.png"/>
           <p:cNvPicPr>
             <a:picLocks noChangeAspect="1"/>
           </p:cNvPicPr>
@@ -4527,8 +5315,8 @@
         </p:blipFill>
         <p:spPr>
           <a:xfrm>
-            <a:off x="9372600" y="3108960"/>
-            <a:ext cx="2286000" cy="339538"/>
+            <a:off x="6492240" y="4069080"/>
+            <a:ext cx="1828800" cy="271631"/>
           </a:xfrm>
           <a:prstGeom prst="rect">
             <a:avLst/>
@@ -4546,14 +5334,6 @@
 <file path=ppt/slides/slide4.xml><?xml version="1.0" encoding="utf-8"?>
 <p:sld xmlns:a="http://schemas.openxmlformats.org/drawingml/2006/main" xmlns:p="http://schemas.openxmlformats.org/presentationml/2006/main" xmlns:r="http://schemas.openxmlformats.org/officeDocument/2006/relationships">
   <p:cSld>
-    <p:bg>
-      <p:bgPr>
-        <a:solidFill>
-          <a:srgbClr val="FFFFFF"/>
-        </a:solidFill>
-        <a:effectLst/>
-      </p:bgPr>
-    </p:bg>
     <p:spTree>
       <p:nvGrpSpPr>
         <p:cNvPr id="1" name=""/>
@@ -4570,13 +5350,13 @@
         <p:spPr>
           <a:xfrm>
             <a:off x="0" y="0"/>
-            <a:ext cx="12191695" cy="1188720"/>
+            <a:ext cx="9144000" cy="6858000"/>
           </a:xfrm>
           <a:prstGeom prst="rect">
             <a:avLst/>
           </a:prstGeom>
           <a:solidFill>
-            <a:srgbClr val="1B3A5C"/>
+            <a:srgbClr val="FAF8F5"/>
           </a:solidFill>
           <a:ln>
             <a:noFill/>
@@ -4597,33 +5377,145 @@
           </a:fontRef>
         </p:style>
         <p:txBody>
-          <a:bodyPr rtlCol="0" anchor="ctr" wrap="square" lIns="731520"/>
+          <a:bodyPr rtlCol="0" anchor="ctr"/>
+          <a:lstStyle/>
+          <a:p>
+            <a:pPr algn="ctr"/>
+          </a:p>
+        </p:txBody>
+      </p:sp>
+      <p:sp>
+        <p:nvSpPr>
+          <p:cNvPr id="3" name="Rectangle 2"/>
+          <p:cNvSpPr/>
+          <p:nvPr/>
+        </p:nvSpPr>
+        <p:spPr>
+          <a:xfrm>
+            <a:off x="0" y="0"/>
+            <a:ext cx="73152" cy="6858000"/>
+          </a:xfrm>
+          <a:prstGeom prst="rect">
+            <a:avLst/>
+          </a:prstGeom>
+          <a:solidFill>
+            <a:srgbClr val="FF6B35"/>
+          </a:solidFill>
+          <a:ln>
+            <a:noFill/>
+          </a:ln>
+        </p:spPr>
+        <p:style>
+          <a:lnRef idx="1">
+            <a:schemeClr val="accent1"/>
+          </a:lnRef>
+          <a:fillRef idx="3">
+            <a:schemeClr val="accent1"/>
+          </a:fillRef>
+          <a:effectRef idx="2">
+            <a:schemeClr val="accent1"/>
+          </a:effectRef>
+          <a:fontRef idx="minor">
+            <a:schemeClr val="lt1"/>
+          </a:fontRef>
+        </p:style>
+        <p:txBody>
+          <a:bodyPr rtlCol="0" anchor="ctr"/>
+          <a:lstStyle/>
+          <a:p>
+            <a:pPr algn="ctr"/>
+          </a:p>
+        </p:txBody>
+      </p:sp>
+      <p:sp>
+        <p:nvSpPr>
+          <p:cNvPr id="4" name="TextBox 3"/>
+          <p:cNvSpPr txBox="1"/>
+          <p:nvPr/>
+        </p:nvSpPr>
+        <p:spPr>
+          <a:xfrm>
+            <a:off x="548640" y="137160"/>
+            <a:ext cx="7772400" cy="640080"/>
+          </a:xfrm>
+          <a:prstGeom prst="rect">
+            <a:avLst/>
+          </a:prstGeom>
+          <a:noFill/>
+        </p:spPr>
+        <p:txBody>
+          <a:bodyPr wrap="square">
+            <a:spAutoFit/>
+          </a:bodyPr>
           <a:lstStyle/>
           <a:p>
             <a:pPr algn="l">
-              <a:defRPr sz="3200" b="1">
+              <a:defRPr sz="4200" b="1">
                 <a:solidFill>
-                  <a:srgbClr val="FFFFFF"/>
+                  <a:srgbClr val="143440"/>
                 </a:solidFill>
               </a:defRPr>
             </a:pPr>
             <a:r>
-              <a:t>Résultats : GPU A100 (Ampere)</a:t>
-            </a:r>
+              <a:t>Résultats : GPU A100</a:t>
+            </a:r>
+          </a:p>
+        </p:txBody>
+      </p:sp>
+      <p:sp>
+        <p:nvSpPr>
+          <p:cNvPr id="5" name="Rectangle 4"/>
+          <p:cNvSpPr/>
+          <p:nvPr/>
+        </p:nvSpPr>
+        <p:spPr>
+          <a:xfrm>
+            <a:off x="0" y="868680"/>
+            <a:ext cx="2286000" cy="137160"/>
+          </a:xfrm>
+          <a:prstGeom prst="rect">
+            <a:avLst/>
+          </a:prstGeom>
+          <a:solidFill>
+            <a:srgbClr val="FF6B35"/>
+          </a:solidFill>
+          <a:ln>
+            <a:noFill/>
+          </a:ln>
+        </p:spPr>
+        <p:style>
+          <a:lnRef idx="1">
+            <a:schemeClr val="accent1"/>
+          </a:lnRef>
+          <a:fillRef idx="3">
+            <a:schemeClr val="accent1"/>
+          </a:fillRef>
+          <a:effectRef idx="2">
+            <a:schemeClr val="accent1"/>
+          </a:effectRef>
+          <a:fontRef idx="minor">
+            <a:schemeClr val="lt1"/>
+          </a:fontRef>
+        </p:style>
+        <p:txBody>
+          <a:bodyPr rtlCol="0" anchor="ctr"/>
+          <a:lstStyle/>
+          <a:p>
+            <a:pPr algn="ctr"/>
           </a:p>
         </p:txBody>
       </p:sp>
       <p:graphicFrame>
         <p:nvGraphicFramePr>
-          <p:cNvPr id="3" name="Table 2"/>
+          <p:cNvPr id="6" name="Table 5"/>
           <p:cNvGraphicFramePr>
             <a:graphicFrameLocks noGrp="1"/>
           </p:cNvGraphicFramePr>
           <p:nvPr/>
         </p:nvGraphicFramePr>
         <p:xfrm>
-          <a:off x="457200" y="1463040"/>
-          <a:ext cx="5486400" cy="3200400"/>
+          <a:off x="365760" y="1143000"/>
+          <a:ext cx="4114800" cy="2560320"/>
         </p:xfrm>
         <a:graphic>
           <a:graphicData uri="http://schemas.openxmlformats.org/drawingml/2006/table">
@@ -4632,19 +5524,19 @@
                 <a:tableStyleId>{5C22544A-7EE6-4342-B048-85BDC9FD1C3A}</a:tableStyleId>
               </a:tblPr>
               <a:tblGrid>
-                <a:gridCol w="1371600"/>
-                <a:gridCol w="1371600"/>
-                <a:gridCol w="1371600"/>
-                <a:gridCol w="1371600"/>
+                <a:gridCol w="1028700"/>
+                <a:gridCol w="1028700"/>
+                <a:gridCol w="1028700"/>
+                <a:gridCol w="1028700"/>
               </a:tblGrid>
-              <a:tr h="533400">
-                <a:tc>
-                  <a:txBody>
-                    <a:bodyPr/>
-                    <a:lstStyle/>
-                    <a:p>
-                      <a:pPr algn="ctr">
-                        <a:defRPr sz="1400" b="1">
+              <a:tr h="426720">
+                <a:tc>
+                  <a:txBody>
+                    <a:bodyPr/>
+                    <a:lstStyle/>
+                    <a:p>
+                      <a:pPr algn="ctr">
+                        <a:defRPr sz="1300" b="1">
                           <a:solidFill>
                             <a:srgbClr val="FFFFFF"/>
                           </a:solidFill>
@@ -4657,7 +5549,7 @@
                   </a:txBody>
                   <a:tcPr>
                     <a:solidFill>
-                      <a:srgbClr val="1B3A5C"/>
+                      <a:srgbClr val="143440"/>
                     </a:solidFill>
                   </a:tcPr>
                 </a:tc>
@@ -4667,7 +5559,7 @@
                     <a:lstStyle/>
                     <a:p>
                       <a:pPr algn="ctr">
-                        <a:defRPr sz="1400" b="1">
+                        <a:defRPr sz="1300" b="1">
                           <a:solidFill>
                             <a:srgbClr val="FFFFFF"/>
                           </a:solidFill>
@@ -4680,7 +5572,7 @@
                   </a:txBody>
                   <a:tcPr>
                     <a:solidFill>
-                      <a:srgbClr val="1B3A5C"/>
+                      <a:srgbClr val="143440"/>
                     </a:solidFill>
                   </a:tcPr>
                 </a:tc>
@@ -4690,7 +5582,7 @@
                     <a:lstStyle/>
                     <a:p>
                       <a:pPr algn="ctr">
-                        <a:defRPr sz="1400" b="1">
+                        <a:defRPr sz="1300" b="1">
                           <a:solidFill>
                             <a:srgbClr val="FFFFFF"/>
                           </a:solidFill>
@@ -4703,7 +5595,7 @@
                   </a:txBody>
                   <a:tcPr>
                     <a:solidFill>
-                      <a:srgbClr val="1B3A5C"/>
+                      <a:srgbClr val="143440"/>
                     </a:solidFill>
                   </a:tcPr>
                 </a:tc>
@@ -4713,7 +5605,7 @@
                     <a:lstStyle/>
                     <a:p>
                       <a:pPr algn="ctr">
-                        <a:defRPr sz="1400" b="1">
+                        <a:defRPr sz="1300" b="1">
                           <a:solidFill>
                             <a:srgbClr val="FFFFFF"/>
                           </a:solidFill>
@@ -4726,19 +5618,23 @@
                   </a:txBody>
                   <a:tcPr>
                     <a:solidFill>
-                      <a:srgbClr val="1B3A5C"/>
+                      <a:srgbClr val="143440"/>
                     </a:solidFill>
                   </a:tcPr>
                 </a:tc>
               </a:tr>
-              <a:tr h="533400">
-                <a:tc>
-                  <a:txBody>
-                    <a:bodyPr/>
-                    <a:lstStyle/>
-                    <a:p>
-                      <a:pPr algn="ctr">
-                        <a:defRPr sz="1400"/>
+              <a:tr h="426720">
+                <a:tc>
+                  <a:txBody>
+                    <a:bodyPr/>
+                    <a:lstStyle/>
+                    <a:p>
+                      <a:pPr algn="ctr">
+                        <a:defRPr sz="1300">
+                          <a:solidFill>
+                            <a:srgbClr val="282828"/>
+                          </a:solidFill>
+                        </a:defRPr>
                       </a:pPr>
                       <a:r>
                         <a:t>20 000</a:t>
@@ -4753,7 +5649,11 @@
                     <a:lstStyle/>
                     <a:p>
                       <a:pPr algn="ctr">
-                        <a:defRPr sz="1400"/>
+                        <a:defRPr sz="1300">
+                          <a:solidFill>
+                            <a:srgbClr val="282828"/>
+                          </a:solidFill>
+                        </a:defRPr>
                       </a:pPr>
                       <a:r>
                         <a:t>9 731</a:t>
@@ -4768,7 +5668,11 @@
                     <a:lstStyle/>
                     <a:p>
                       <a:pPr algn="ctr">
-                        <a:defRPr sz="1400"/>
+                        <a:defRPr sz="1300">
+                          <a:solidFill>
+                            <a:srgbClr val="282828"/>
+                          </a:solidFill>
+                        </a:defRPr>
                       </a:pPr>
                       <a:r>
                         <a:t>9 106</a:t>
@@ -4783,7 +5687,11 @@
                     <a:lstStyle/>
                     <a:p>
                       <a:pPr algn="ctr">
-                        <a:defRPr sz="1400"/>
+                        <a:defRPr sz="1300">
+                          <a:solidFill>
+                            <a:srgbClr val="282828"/>
+                          </a:solidFill>
+                        </a:defRPr>
                       </a:pPr>
                       <a:r>
                         <a:t>0,94x</a:t>
@@ -4793,14 +5701,18 @@
                   <a:tcPr/>
                 </a:tc>
               </a:tr>
-              <a:tr h="533400">
-                <a:tc>
-                  <a:txBody>
-                    <a:bodyPr/>
-                    <a:lstStyle/>
-                    <a:p>
-                      <a:pPr algn="ctr">
-                        <a:defRPr sz="1400"/>
+              <a:tr h="426720">
+                <a:tc>
+                  <a:txBody>
+                    <a:bodyPr/>
+                    <a:lstStyle/>
+                    <a:p>
+                      <a:pPr algn="ctr">
+                        <a:defRPr sz="1300">
+                          <a:solidFill>
+                            <a:srgbClr val="282828"/>
+                          </a:solidFill>
+                        </a:defRPr>
                       </a:pPr>
                       <a:r>
                         <a:t>40 000</a:t>
@@ -4809,7 +5721,7 @@
                   </a:txBody>
                   <a:tcPr>
                     <a:solidFill>
-                      <a:srgbClr val="F2F3F4"/>
+                      <a:srgbClr val="F0EEEB"/>
                     </a:solidFill>
                   </a:tcPr>
                 </a:tc>
@@ -4819,7 +5731,11 @@
                     <a:lstStyle/>
                     <a:p>
                       <a:pPr algn="ctr">
-                        <a:defRPr sz="1400"/>
+                        <a:defRPr sz="1300">
+                          <a:solidFill>
+                            <a:srgbClr val="282828"/>
+                          </a:solidFill>
+                        </a:defRPr>
                       </a:pPr>
                       <a:r>
                         <a:t>15 890</a:t>
@@ -4828,7 +5744,7 @@
                   </a:txBody>
                   <a:tcPr>
                     <a:solidFill>
-                      <a:srgbClr val="F2F3F4"/>
+                      <a:srgbClr val="F0EEEB"/>
                     </a:solidFill>
                   </a:tcPr>
                 </a:tc>
@@ -4838,7 +5754,11 @@
                     <a:lstStyle/>
                     <a:p>
                       <a:pPr algn="ctr">
-                        <a:defRPr sz="1400"/>
+                        <a:defRPr sz="1300">
+                          <a:solidFill>
+                            <a:srgbClr val="282828"/>
+                          </a:solidFill>
+                        </a:defRPr>
                       </a:pPr>
                       <a:r>
                         <a:t>25 230</a:t>
@@ -4847,7 +5767,7 @@
                   </a:txBody>
                   <a:tcPr>
                     <a:solidFill>
-                      <a:srgbClr val="F2F3F4"/>
+                      <a:srgbClr val="F0EEEB"/>
                     </a:solidFill>
                   </a:tcPr>
                 </a:tc>
@@ -4857,7 +5777,11 @@
                     <a:lstStyle/>
                     <a:p>
                       <a:pPr algn="ctr">
-                        <a:defRPr sz="1400"/>
+                        <a:defRPr sz="1300">
+                          <a:solidFill>
+                            <a:srgbClr val="282828"/>
+                          </a:solidFill>
+                        </a:defRPr>
                       </a:pPr>
                       <a:r>
                         <a:t>1,59x</a:t>
@@ -4866,19 +5790,23 @@
                   </a:txBody>
                   <a:tcPr>
                     <a:solidFill>
-                      <a:srgbClr val="F2F3F4"/>
+                      <a:srgbClr val="F0EEEB"/>
                     </a:solidFill>
                   </a:tcPr>
                 </a:tc>
               </a:tr>
-              <a:tr h="533400">
-                <a:tc>
-                  <a:txBody>
-                    <a:bodyPr/>
-                    <a:lstStyle/>
-                    <a:p>
-                      <a:pPr algn="ctr">
-                        <a:defRPr sz="1400"/>
+              <a:tr h="426720">
+                <a:tc>
+                  <a:txBody>
+                    <a:bodyPr/>
+                    <a:lstStyle/>
+                    <a:p>
+                      <a:pPr algn="ctr">
+                        <a:defRPr sz="1300">
+                          <a:solidFill>
+                            <a:srgbClr val="282828"/>
+                          </a:solidFill>
+                        </a:defRPr>
                       </a:pPr>
                       <a:r>
                         <a:t>60 000</a:t>
@@ -4893,7 +5821,11 @@
                     <a:lstStyle/>
                     <a:p>
                       <a:pPr algn="ctr">
-                        <a:defRPr sz="1400"/>
+                        <a:defRPr sz="1300">
+                          <a:solidFill>
+                            <a:srgbClr val="282828"/>
+                          </a:solidFill>
+                        </a:defRPr>
                       </a:pPr>
                       <a:r>
                         <a:t>17 150</a:t>
@@ -4908,7 +5840,11 @@
                     <a:lstStyle/>
                     <a:p>
                       <a:pPr algn="ctr">
-                        <a:defRPr sz="1400"/>
+                        <a:defRPr sz="1300">
+                          <a:solidFill>
+                            <a:srgbClr val="282828"/>
+                          </a:solidFill>
+                        </a:defRPr>
                       </a:pPr>
                       <a:r>
                         <a:t>31 430</a:t>
@@ -4923,7 +5859,11 @@
                     <a:lstStyle/>
                     <a:p>
                       <a:pPr algn="ctr">
-                        <a:defRPr sz="1400"/>
+                        <a:defRPr sz="1300">
+                          <a:solidFill>
+                            <a:srgbClr val="282828"/>
+                          </a:solidFill>
+                        </a:defRPr>
                       </a:pPr>
                       <a:r>
                         <a:t>1,83x</a:t>
@@ -4933,14 +5873,18 @@
                   <a:tcPr/>
                 </a:tc>
               </a:tr>
-              <a:tr h="533400">
-                <a:tc>
-                  <a:txBody>
-                    <a:bodyPr/>
-                    <a:lstStyle/>
-                    <a:p>
-                      <a:pPr algn="ctr">
-                        <a:defRPr sz="1400"/>
+              <a:tr h="426720">
+                <a:tc>
+                  <a:txBody>
+                    <a:bodyPr/>
+                    <a:lstStyle/>
+                    <a:p>
+                      <a:pPr algn="ctr">
+                        <a:defRPr sz="1300">
+                          <a:solidFill>
+                            <a:srgbClr val="282828"/>
+                          </a:solidFill>
+                        </a:defRPr>
                       </a:pPr>
                       <a:r>
                         <a:t>80 000</a:t>
@@ -4949,7 +5893,7 @@
                   </a:txBody>
                   <a:tcPr>
                     <a:solidFill>
-                      <a:srgbClr val="F2F3F4"/>
+                      <a:srgbClr val="F0EEEB"/>
                     </a:solidFill>
                   </a:tcPr>
                 </a:tc>
@@ -4959,7 +5903,11 @@
                     <a:lstStyle/>
                     <a:p>
                       <a:pPr algn="ctr">
-                        <a:defRPr sz="1400"/>
+                        <a:defRPr sz="1300">
+                          <a:solidFill>
+                            <a:srgbClr val="282828"/>
+                          </a:solidFill>
+                        </a:defRPr>
                       </a:pPr>
                       <a:r>
                         <a:t>17 600</a:t>
@@ -4968,7 +5916,7 @@
                   </a:txBody>
                   <a:tcPr>
                     <a:solidFill>
-                      <a:srgbClr val="F2F3F4"/>
+                      <a:srgbClr val="F0EEEB"/>
                     </a:solidFill>
                   </a:tcPr>
                 </a:tc>
@@ -4978,7 +5926,11 @@
                     <a:lstStyle/>
                     <a:p>
                       <a:pPr algn="ctr">
-                        <a:defRPr sz="1400"/>
+                        <a:defRPr sz="1300">
+                          <a:solidFill>
+                            <a:srgbClr val="282828"/>
+                          </a:solidFill>
+                        </a:defRPr>
                       </a:pPr>
                       <a:r>
                         <a:t>33 560</a:t>
@@ -4987,7 +5939,7 @@
                   </a:txBody>
                   <a:tcPr>
                     <a:solidFill>
-                      <a:srgbClr val="F2F3F4"/>
+                      <a:srgbClr val="F0EEEB"/>
                     </a:solidFill>
                   </a:tcPr>
                 </a:tc>
@@ -4997,7 +5949,11 @@
                     <a:lstStyle/>
                     <a:p>
                       <a:pPr algn="ctr">
-                        <a:defRPr sz="1400"/>
+                        <a:defRPr sz="1300">
+                          <a:solidFill>
+                            <a:srgbClr val="282828"/>
+                          </a:solidFill>
+                        </a:defRPr>
                       </a:pPr>
                       <a:r>
                         <a:t>1,91x</a:t>
@@ -5006,19 +5962,23 @@
                   </a:txBody>
                   <a:tcPr>
                     <a:solidFill>
-                      <a:srgbClr val="F2F3F4"/>
+                      <a:srgbClr val="F0EEEB"/>
                     </a:solidFill>
                   </a:tcPr>
                 </a:tc>
               </a:tr>
-              <a:tr h="533400">
-                <a:tc>
-                  <a:txBody>
-                    <a:bodyPr/>
-                    <a:lstStyle/>
-                    <a:p>
-                      <a:pPr algn="ctr">
-                        <a:defRPr sz="1400"/>
+              <a:tr h="426720">
+                <a:tc>
+                  <a:txBody>
+                    <a:bodyPr/>
+                    <a:lstStyle/>
+                    <a:p>
+                      <a:pPr algn="ctr">
+                        <a:defRPr sz="1300">
+                          <a:solidFill>
+                            <a:srgbClr val="282828"/>
+                          </a:solidFill>
+                        </a:defRPr>
                       </a:pPr>
                       <a:r>
                         <a:t>100 000</a:t>
@@ -5033,7 +5993,11 @@
                     <a:lstStyle/>
                     <a:p>
                       <a:pPr algn="ctr">
-                        <a:defRPr sz="1400"/>
+                        <a:defRPr sz="1300">
+                          <a:solidFill>
+                            <a:srgbClr val="282828"/>
+                          </a:solidFill>
+                        </a:defRPr>
                       </a:pPr>
                       <a:r>
                         <a:t>17 860</a:t>
@@ -5048,7 +6012,11 @@
                     <a:lstStyle/>
                     <a:p>
                       <a:pPr algn="ctr">
-                        <a:defRPr sz="1400"/>
+                        <a:defRPr sz="1300">
+                          <a:solidFill>
+                            <a:srgbClr val="282828"/>
+                          </a:solidFill>
+                        </a:defRPr>
                       </a:pPr>
                       <a:r>
                         <a:t>34 720</a:t>
@@ -5063,10 +6031,14 @@
                     <a:lstStyle/>
                     <a:p>
                       <a:pPr algn="ctr">
-                        <a:defRPr sz="1400"/>
-                      </a:pPr>
-                      <a:r>
-                        <a:t>1,94x</a:t>
+                        <a:defRPr sz="1300">
+                          <a:solidFill>
+                            <a:srgbClr val="282828"/>
+                          </a:solidFill>
+                        </a:defRPr>
+                      </a:pPr>
+                      <a:r>
+                        <a:t>1,95x</a:t>
                       </a:r>
                     </a:p>
                   </a:txBody>
@@ -5079,7 +6051,7 @@
       </p:graphicFrame>
       <p:pic>
         <p:nvPicPr>
-          <p:cNvPr id="4" name="Picture 3" descr="hpl-a100.png"/>
+          <p:cNvPr id="7" name="Picture 6" descr="hpl-a100.png"/>
           <p:cNvPicPr>
             <a:picLocks noChangeAspect="1"/>
           </p:cNvPicPr>
@@ -5093,8 +6065,8 @@
         </p:blipFill>
         <p:spPr>
           <a:xfrm>
-            <a:off x="6217920" y="1463040"/>
-            <a:ext cx="5486400" cy="3352470"/>
+            <a:off x="4663440" y="1143000"/>
+            <a:ext cx="4206240" cy="2570227"/>
           </a:xfrm>
           <a:prstGeom prst="rect">
             <a:avLst/>
@@ -5103,25 +6075,58 @@
       </p:pic>
       <p:sp>
         <p:nvSpPr>
-          <p:cNvPr id="5" name="Rounded Rectangle 4"/>
+          <p:cNvPr id="8" name="TextBox 7"/>
+          <p:cNvSpPr txBox="1"/>
+          <p:nvPr/>
+        </p:nvSpPr>
+        <p:spPr>
+          <a:xfrm>
+            <a:off x="548640" y="3931920"/>
+            <a:ext cx="7315200" cy="411480"/>
+          </a:xfrm>
+          <a:prstGeom prst="rect">
+            <a:avLst/>
+          </a:prstGeom>
+          <a:noFill/>
+        </p:spPr>
+        <p:txBody>
+          <a:bodyPr wrap="square">
+            <a:spAutoFit/>
+          </a:bodyPr>
+          <a:lstStyle/>
+          <a:p>
+            <a:pPr algn="l">
+              <a:defRPr sz="2400" b="1">
+                <a:solidFill>
+                  <a:srgbClr val="FF6B35"/>
+                </a:solidFill>
+              </a:defRPr>
+            </a:pPr>
+            <a:r>
+              <a:t>Métriques clés</a:t>
+            </a:r>
+          </a:p>
+        </p:txBody>
+      </p:sp>
+      <p:sp>
+        <p:nvSpPr>
+          <p:cNvPr id="9" name="Rounded Rectangle 8"/>
           <p:cNvSpPr/>
           <p:nvPr/>
         </p:nvSpPr>
         <p:spPr>
           <a:xfrm>
-            <a:off x="457200" y="5029200"/>
-            <a:ext cx="10972800" cy="1371600"/>
+            <a:off x="548640" y="4480560"/>
+            <a:ext cx="109728" cy="109728"/>
           </a:xfrm>
           <a:prstGeom prst="roundRect">
             <a:avLst/>
           </a:prstGeom>
           <a:solidFill>
-            <a:srgbClr val="EBF5FB"/>
+            <a:srgbClr val="FF6B35"/>
           </a:solidFill>
           <a:ln>
-            <a:solidFill>
-              <a:srgbClr val="2E86C1"/>
-            </a:solidFill>
+            <a:noFill/>
           </a:ln>
         </p:spPr>
         <p:style>
@@ -5148,14 +6153,14 @@
       </p:sp>
       <p:sp>
         <p:nvSpPr>
-          <p:cNvPr id="6" name="TextBox 5"/>
+          <p:cNvPr id="10" name="TextBox 9"/>
           <p:cNvSpPr txBox="1"/>
           <p:nvPr/>
         </p:nvSpPr>
         <p:spPr>
           <a:xfrm>
-            <a:off x="731520" y="5120640"/>
-            <a:ext cx="10515600" cy="1188720"/>
+            <a:off x="777240" y="4434840"/>
+            <a:ext cx="7543800" cy="320040"/>
           </a:xfrm>
           <a:prstGeom prst="rect">
             <a:avLst/>
@@ -5169,26 +6174,248 @@
           <a:lstStyle/>
           <a:p>
             <a:pPr algn="l">
-              <a:defRPr sz="1700" b="1">
+              <a:defRPr sz="1500" b="0">
                 <a:solidFill>
-                  <a:srgbClr val="1B3A5C"/>
+                  <a:srgbClr val="282828"/>
                 </a:solidFill>
               </a:defRPr>
             </a:pPr>
             <a:r>
-              <a:t>Peak théorique : 19,5 TFLOPS (FP64)  |  Meilleur résultat : 17 860 GFLOPS  |  Efficacité : 91,7%</a:t>
-            </a:r>
-          </a:p>
-          <a:p>
-            <a:pPr>
-              <a:defRPr sz="1600">
+              <a:t>Peak théorique : 19,5 TFLOPS  →  Efficacité : 91,7%</a:t>
+            </a:r>
+          </a:p>
+        </p:txBody>
+      </p:sp>
+      <p:sp>
+        <p:nvSpPr>
+          <p:cNvPr id="11" name="Rounded Rectangle 10"/>
+          <p:cNvSpPr/>
+          <p:nvPr/>
+        </p:nvSpPr>
+        <p:spPr>
+          <a:xfrm>
+            <a:off x="548640" y="4828032"/>
+            <a:ext cx="109728" cy="109728"/>
+          </a:xfrm>
+          <a:prstGeom prst="roundRect">
+            <a:avLst/>
+          </a:prstGeom>
+          <a:solidFill>
+            <a:srgbClr val="FF6B35"/>
+          </a:solidFill>
+          <a:ln>
+            <a:noFill/>
+          </a:ln>
+        </p:spPr>
+        <p:style>
+          <a:lnRef idx="1">
+            <a:schemeClr val="accent1"/>
+          </a:lnRef>
+          <a:fillRef idx="3">
+            <a:schemeClr val="accent1"/>
+          </a:fillRef>
+          <a:effectRef idx="2">
+            <a:schemeClr val="accent1"/>
+          </a:effectRef>
+          <a:fontRef idx="minor">
+            <a:schemeClr val="lt1"/>
+          </a:fontRef>
+        </p:style>
+        <p:txBody>
+          <a:bodyPr rtlCol="0" anchor="ctr"/>
+          <a:lstStyle/>
+          <a:p>
+            <a:pPr algn="ctr"/>
+          </a:p>
+        </p:txBody>
+      </p:sp>
+      <p:sp>
+        <p:nvSpPr>
+          <p:cNvPr id="12" name="TextBox 11"/>
+          <p:cNvSpPr txBox="1"/>
+          <p:nvPr/>
+        </p:nvSpPr>
+        <p:spPr>
+          <a:xfrm>
+            <a:off x="777240" y="4782312"/>
+            <a:ext cx="7543800" cy="320040"/>
+          </a:xfrm>
+          <a:prstGeom prst="rect">
+            <a:avLst/>
+          </a:prstGeom>
+          <a:noFill/>
+        </p:spPr>
+        <p:txBody>
+          <a:bodyPr wrap="square">
+            <a:spAutoFit/>
+          </a:bodyPr>
+          <a:lstStyle/>
+          <a:p>
+            <a:pPr algn="l">
+              <a:defRPr sz="1500" b="0">
                 <a:solidFill>
-                  <a:srgbClr val="27AE60"/>
+                  <a:srgbClr val="282828"/>
                 </a:solidFill>
               </a:defRPr>
             </a:pPr>
             <a:r>
-              <a:t>Speedup 2 GPUs : 1,95x (efficacité parallèle 97%)  |  Tous les tests : PASSED</a:t>
+              <a:t>Speedup 2 GPUs : 1,95x  →  Efficacité parallèle : 97%</a:t>
+            </a:r>
+          </a:p>
+        </p:txBody>
+      </p:sp>
+      <p:sp>
+        <p:nvSpPr>
+          <p:cNvPr id="13" name="Rounded Rectangle 12"/>
+          <p:cNvSpPr/>
+          <p:nvPr/>
+        </p:nvSpPr>
+        <p:spPr>
+          <a:xfrm>
+            <a:off x="548640" y="5175504"/>
+            <a:ext cx="109728" cy="109728"/>
+          </a:xfrm>
+          <a:prstGeom prst="roundRect">
+            <a:avLst/>
+          </a:prstGeom>
+          <a:solidFill>
+            <a:srgbClr val="FF6B35"/>
+          </a:solidFill>
+          <a:ln>
+            <a:noFill/>
+          </a:ln>
+        </p:spPr>
+        <p:style>
+          <a:lnRef idx="1">
+            <a:schemeClr val="accent1"/>
+          </a:lnRef>
+          <a:fillRef idx="3">
+            <a:schemeClr val="accent1"/>
+          </a:fillRef>
+          <a:effectRef idx="2">
+            <a:schemeClr val="accent1"/>
+          </a:effectRef>
+          <a:fontRef idx="minor">
+            <a:schemeClr val="lt1"/>
+          </a:fontRef>
+        </p:style>
+        <p:txBody>
+          <a:bodyPr rtlCol="0" anchor="ctr"/>
+          <a:lstStyle/>
+          <a:p>
+            <a:pPr algn="ctr"/>
+          </a:p>
+        </p:txBody>
+      </p:sp>
+      <p:sp>
+        <p:nvSpPr>
+          <p:cNvPr id="14" name="TextBox 13"/>
+          <p:cNvSpPr txBox="1"/>
+          <p:nvPr/>
+        </p:nvSpPr>
+        <p:spPr>
+          <a:xfrm>
+            <a:off x="777240" y="5129784"/>
+            <a:ext cx="7543800" cy="320040"/>
+          </a:xfrm>
+          <a:prstGeom prst="rect">
+            <a:avLst/>
+          </a:prstGeom>
+          <a:noFill/>
+        </p:spPr>
+        <p:txBody>
+          <a:bodyPr wrap="square">
+            <a:spAutoFit/>
+          </a:bodyPr>
+          <a:lstStyle/>
+          <a:p>
+            <a:pPr algn="l">
+              <a:defRPr sz="1500" b="0">
+                <a:solidFill>
+                  <a:srgbClr val="282828"/>
+                </a:solidFill>
+              </a:defRPr>
+            </a:pPr>
+            <a:r>
+              <a:t>Anomalie à N=20K : 2 GPUs légèrement plus lents que 1</a:t>
+            </a:r>
+          </a:p>
+        </p:txBody>
+      </p:sp>
+      <p:sp>
+        <p:nvSpPr>
+          <p:cNvPr id="15" name="Rounded Rectangle 14"/>
+          <p:cNvSpPr/>
+          <p:nvPr/>
+        </p:nvSpPr>
+        <p:spPr>
+          <a:xfrm>
+            <a:off x="548640" y="5522976"/>
+            <a:ext cx="109728" cy="109728"/>
+          </a:xfrm>
+          <a:prstGeom prst="roundRect">
+            <a:avLst/>
+          </a:prstGeom>
+          <a:solidFill>
+            <a:srgbClr val="FF6B35"/>
+          </a:solidFill>
+          <a:ln>
+            <a:noFill/>
+          </a:ln>
+        </p:spPr>
+        <p:style>
+          <a:lnRef idx="1">
+            <a:schemeClr val="accent1"/>
+          </a:lnRef>
+          <a:fillRef idx="3">
+            <a:schemeClr val="accent1"/>
+          </a:fillRef>
+          <a:effectRef idx="2">
+            <a:schemeClr val="accent1"/>
+          </a:effectRef>
+          <a:fontRef idx="minor">
+            <a:schemeClr val="lt1"/>
+          </a:fontRef>
+        </p:style>
+        <p:txBody>
+          <a:bodyPr rtlCol="0" anchor="ctr"/>
+          <a:lstStyle/>
+          <a:p>
+            <a:pPr algn="ctr"/>
+          </a:p>
+        </p:txBody>
+      </p:sp>
+      <p:sp>
+        <p:nvSpPr>
+          <p:cNvPr id="16" name="TextBox 15"/>
+          <p:cNvSpPr txBox="1"/>
+          <p:nvPr/>
+        </p:nvSpPr>
+        <p:spPr>
+          <a:xfrm>
+            <a:off x="777240" y="5477256"/>
+            <a:ext cx="7543800" cy="320040"/>
+          </a:xfrm>
+          <a:prstGeom prst="rect">
+            <a:avLst/>
+          </a:prstGeom>
+          <a:noFill/>
+        </p:spPr>
+        <p:txBody>
+          <a:bodyPr wrap="square">
+            <a:spAutoFit/>
+          </a:bodyPr>
+          <a:lstStyle/>
+          <a:p>
+            <a:pPr algn="l">
+              <a:defRPr sz="1500" b="0">
+                <a:solidFill>
+                  <a:srgbClr val="282828"/>
+                </a:solidFill>
+              </a:defRPr>
+            </a:pPr>
+            <a:r>
+              <a:t>Tous les tests : résidu PASSED</a:t>
             </a:r>
           </a:p>
         </p:txBody>
@@ -5204,14 +6431,6 @@
 <file path=ppt/slides/slide5.xml><?xml version="1.0" encoding="utf-8"?>
 <p:sld xmlns:a="http://schemas.openxmlformats.org/drawingml/2006/main" xmlns:p="http://schemas.openxmlformats.org/presentationml/2006/main" xmlns:r="http://schemas.openxmlformats.org/officeDocument/2006/relationships">
   <p:cSld>
-    <p:bg>
-      <p:bgPr>
-        <a:solidFill>
-          <a:srgbClr val="FFFFFF"/>
-        </a:solidFill>
-        <a:effectLst/>
-      </p:bgPr>
-    </p:bg>
     <p:spTree>
       <p:nvGrpSpPr>
         <p:cNvPr id="1" name=""/>
@@ -5228,13 +6447,13 @@
         <p:spPr>
           <a:xfrm>
             <a:off x="0" y="0"/>
-            <a:ext cx="12191695" cy="1188720"/>
+            <a:ext cx="9144000" cy="6858000"/>
           </a:xfrm>
           <a:prstGeom prst="rect">
             <a:avLst/>
           </a:prstGeom>
           <a:solidFill>
-            <a:srgbClr val="1B3A5C"/>
+            <a:srgbClr val="FAF8F5"/>
           </a:solidFill>
           <a:ln>
             <a:noFill/>
@@ -5255,33 +6474,145 @@
           </a:fontRef>
         </p:style>
         <p:txBody>
-          <a:bodyPr rtlCol="0" anchor="ctr" wrap="square" lIns="731520"/>
+          <a:bodyPr rtlCol="0" anchor="ctr"/>
+          <a:lstStyle/>
+          <a:p>
+            <a:pPr algn="ctr"/>
+          </a:p>
+        </p:txBody>
+      </p:sp>
+      <p:sp>
+        <p:nvSpPr>
+          <p:cNvPr id="3" name="Rectangle 2"/>
+          <p:cNvSpPr/>
+          <p:nvPr/>
+        </p:nvSpPr>
+        <p:spPr>
+          <a:xfrm>
+            <a:off x="0" y="0"/>
+            <a:ext cx="73152" cy="6858000"/>
+          </a:xfrm>
+          <a:prstGeom prst="rect">
+            <a:avLst/>
+          </a:prstGeom>
+          <a:solidFill>
+            <a:srgbClr val="FF6B35"/>
+          </a:solidFill>
+          <a:ln>
+            <a:noFill/>
+          </a:ln>
+        </p:spPr>
+        <p:style>
+          <a:lnRef idx="1">
+            <a:schemeClr val="accent1"/>
+          </a:lnRef>
+          <a:fillRef idx="3">
+            <a:schemeClr val="accent1"/>
+          </a:fillRef>
+          <a:effectRef idx="2">
+            <a:schemeClr val="accent1"/>
+          </a:effectRef>
+          <a:fontRef idx="minor">
+            <a:schemeClr val="lt1"/>
+          </a:fontRef>
+        </p:style>
+        <p:txBody>
+          <a:bodyPr rtlCol="0" anchor="ctr"/>
+          <a:lstStyle/>
+          <a:p>
+            <a:pPr algn="ctr"/>
+          </a:p>
+        </p:txBody>
+      </p:sp>
+      <p:sp>
+        <p:nvSpPr>
+          <p:cNvPr id="4" name="TextBox 3"/>
+          <p:cNvSpPr txBox="1"/>
+          <p:nvPr/>
+        </p:nvSpPr>
+        <p:spPr>
+          <a:xfrm>
+            <a:off x="548640" y="137160"/>
+            <a:ext cx="7772400" cy="640080"/>
+          </a:xfrm>
+          <a:prstGeom prst="rect">
+            <a:avLst/>
+          </a:prstGeom>
+          <a:noFill/>
+        </p:spPr>
+        <p:txBody>
+          <a:bodyPr wrap="square">
+            <a:spAutoFit/>
+          </a:bodyPr>
           <a:lstStyle/>
           <a:p>
             <a:pPr algn="l">
-              <a:defRPr sz="3200" b="1">
+              <a:defRPr sz="4200" b="1">
                 <a:solidFill>
-                  <a:srgbClr val="FFFFFF"/>
+                  <a:srgbClr val="143440"/>
                 </a:solidFill>
               </a:defRPr>
             </a:pPr>
             <a:r>
-              <a:t>Résultats : GPU H100 (Hopper)</a:t>
-            </a:r>
+              <a:t>Résultats : GPU H100</a:t>
+            </a:r>
+          </a:p>
+        </p:txBody>
+      </p:sp>
+      <p:sp>
+        <p:nvSpPr>
+          <p:cNvPr id="5" name="Rectangle 4"/>
+          <p:cNvSpPr/>
+          <p:nvPr/>
+        </p:nvSpPr>
+        <p:spPr>
+          <a:xfrm>
+            <a:off x="0" y="868680"/>
+            <a:ext cx="2286000" cy="137160"/>
+          </a:xfrm>
+          <a:prstGeom prst="rect">
+            <a:avLst/>
+          </a:prstGeom>
+          <a:solidFill>
+            <a:srgbClr val="FF6B35"/>
+          </a:solidFill>
+          <a:ln>
+            <a:noFill/>
+          </a:ln>
+        </p:spPr>
+        <p:style>
+          <a:lnRef idx="1">
+            <a:schemeClr val="accent1"/>
+          </a:lnRef>
+          <a:fillRef idx="3">
+            <a:schemeClr val="accent1"/>
+          </a:fillRef>
+          <a:effectRef idx="2">
+            <a:schemeClr val="accent1"/>
+          </a:effectRef>
+          <a:fontRef idx="minor">
+            <a:schemeClr val="lt1"/>
+          </a:fontRef>
+        </p:style>
+        <p:txBody>
+          <a:bodyPr rtlCol="0" anchor="ctr"/>
+          <a:lstStyle/>
+          <a:p>
+            <a:pPr algn="ctr"/>
           </a:p>
         </p:txBody>
       </p:sp>
       <p:graphicFrame>
         <p:nvGraphicFramePr>
-          <p:cNvPr id="3" name="Table 2"/>
+          <p:cNvPr id="6" name="Table 5"/>
           <p:cNvGraphicFramePr>
             <a:graphicFrameLocks noGrp="1"/>
           </p:cNvGraphicFramePr>
           <p:nvPr/>
         </p:nvGraphicFramePr>
         <p:xfrm>
-          <a:off x="457200" y="1463040"/>
-          <a:ext cx="5486400" cy="3200400"/>
+          <a:off x="365760" y="1143000"/>
+          <a:ext cx="4114800" cy="2560320"/>
         </p:xfrm>
         <a:graphic>
           <a:graphicData uri="http://schemas.openxmlformats.org/drawingml/2006/table">
@@ -5290,19 +6621,19 @@
                 <a:tableStyleId>{5C22544A-7EE6-4342-B048-85BDC9FD1C3A}</a:tableStyleId>
               </a:tblPr>
               <a:tblGrid>
-                <a:gridCol w="1371600"/>
-                <a:gridCol w="1371600"/>
-                <a:gridCol w="1371600"/>
-                <a:gridCol w="1371600"/>
+                <a:gridCol w="1028700"/>
+                <a:gridCol w="1028700"/>
+                <a:gridCol w="1028700"/>
+                <a:gridCol w="1028700"/>
               </a:tblGrid>
-              <a:tr h="533400">
-                <a:tc>
-                  <a:txBody>
-                    <a:bodyPr/>
-                    <a:lstStyle/>
-                    <a:p>
-                      <a:pPr algn="ctr">
-                        <a:defRPr sz="1400" b="1">
+              <a:tr h="426720">
+                <a:tc>
+                  <a:txBody>
+                    <a:bodyPr/>
+                    <a:lstStyle/>
+                    <a:p>
+                      <a:pPr algn="ctr">
+                        <a:defRPr sz="1300" b="1">
                           <a:solidFill>
                             <a:srgbClr val="FFFFFF"/>
                           </a:solidFill>
@@ -5315,7 +6646,7 @@
                   </a:txBody>
                   <a:tcPr>
                     <a:solidFill>
-                      <a:srgbClr val="1B3A5C"/>
+                      <a:srgbClr val="143440"/>
                     </a:solidFill>
                   </a:tcPr>
                 </a:tc>
@@ -5325,7 +6656,7 @@
                     <a:lstStyle/>
                     <a:p>
                       <a:pPr algn="ctr">
-                        <a:defRPr sz="1400" b="1">
+                        <a:defRPr sz="1300" b="1">
                           <a:solidFill>
                             <a:srgbClr val="FFFFFF"/>
                           </a:solidFill>
@@ -5338,7 +6669,7 @@
                   </a:txBody>
                   <a:tcPr>
                     <a:solidFill>
-                      <a:srgbClr val="1B3A5C"/>
+                      <a:srgbClr val="143440"/>
                     </a:solidFill>
                   </a:tcPr>
                 </a:tc>
@@ -5348,7 +6679,7 @@
                     <a:lstStyle/>
                     <a:p>
                       <a:pPr algn="ctr">
-                        <a:defRPr sz="1400" b="1">
+                        <a:defRPr sz="1300" b="1">
                           <a:solidFill>
                             <a:srgbClr val="FFFFFF"/>
                           </a:solidFill>
@@ -5361,7 +6692,7 @@
                   </a:txBody>
                   <a:tcPr>
                     <a:solidFill>
-                      <a:srgbClr val="1B3A5C"/>
+                      <a:srgbClr val="143440"/>
                     </a:solidFill>
                   </a:tcPr>
                 </a:tc>
@@ -5371,7 +6702,7 @@
                     <a:lstStyle/>
                     <a:p>
                       <a:pPr algn="ctr">
-                        <a:defRPr sz="1400" b="1">
+                        <a:defRPr sz="1300" b="1">
                           <a:solidFill>
                             <a:srgbClr val="FFFFFF"/>
                           </a:solidFill>
@@ -5384,19 +6715,23 @@
                   </a:txBody>
                   <a:tcPr>
                     <a:solidFill>
-                      <a:srgbClr val="1B3A5C"/>
+                      <a:srgbClr val="143440"/>
                     </a:solidFill>
                   </a:tcPr>
                 </a:tc>
               </a:tr>
-              <a:tr h="533400">
-                <a:tc>
-                  <a:txBody>
-                    <a:bodyPr/>
-                    <a:lstStyle/>
-                    <a:p>
-                      <a:pPr algn="ctr">
-                        <a:defRPr sz="1400"/>
+              <a:tr h="426720">
+                <a:tc>
+                  <a:txBody>
+                    <a:bodyPr/>
+                    <a:lstStyle/>
+                    <a:p>
+                      <a:pPr algn="ctr">
+                        <a:defRPr sz="1300">
+                          <a:solidFill>
+                            <a:srgbClr val="282828"/>
+                          </a:solidFill>
+                        </a:defRPr>
                       </a:pPr>
                       <a:r>
                         <a:t>20 000</a:t>
@@ -5411,7 +6746,11 @@
                     <a:lstStyle/>
                     <a:p>
                       <a:pPr algn="ctr">
-                        <a:defRPr sz="1400"/>
+                        <a:defRPr sz="1300">
+                          <a:solidFill>
+                            <a:srgbClr val="282828"/>
+                          </a:solidFill>
+                        </a:defRPr>
                       </a:pPr>
                       <a:r>
                         <a:t>16 130</a:t>
@@ -5426,7 +6765,11 @@
                     <a:lstStyle/>
                     <a:p>
                       <a:pPr algn="ctr">
-                        <a:defRPr sz="1400"/>
+                        <a:defRPr sz="1300">
+                          <a:solidFill>
+                            <a:srgbClr val="282828"/>
+                          </a:solidFill>
+                        </a:defRPr>
                       </a:pPr>
                       <a:r>
                         <a:t>11 510</a:t>
@@ -5441,7 +6784,11 @@
                     <a:lstStyle/>
                     <a:p>
                       <a:pPr algn="ctr">
-                        <a:defRPr sz="1400"/>
+                        <a:defRPr sz="1300">
+                          <a:solidFill>
+                            <a:srgbClr val="282828"/>
+                          </a:solidFill>
+                        </a:defRPr>
                       </a:pPr>
                       <a:r>
                         <a:t>0,71x</a:t>
@@ -5451,14 +6798,18 @@
                   <a:tcPr/>
                 </a:tc>
               </a:tr>
-              <a:tr h="533400">
-                <a:tc>
-                  <a:txBody>
-                    <a:bodyPr/>
-                    <a:lstStyle/>
-                    <a:p>
-                      <a:pPr algn="ctr">
-                        <a:defRPr sz="1400"/>
+              <a:tr h="426720">
+                <a:tc>
+                  <a:txBody>
+                    <a:bodyPr/>
+                    <a:lstStyle/>
+                    <a:p>
+                      <a:pPr algn="ctr">
+                        <a:defRPr sz="1300">
+                          <a:solidFill>
+                            <a:srgbClr val="282828"/>
+                          </a:solidFill>
+                        </a:defRPr>
                       </a:pPr>
                       <a:r>
                         <a:t>40 000</a:t>
@@ -5467,7 +6818,7 @@
                   </a:txBody>
                   <a:tcPr>
                     <a:solidFill>
-                      <a:srgbClr val="F2F3F4"/>
+                      <a:srgbClr val="F0EEEB"/>
                     </a:solidFill>
                   </a:tcPr>
                 </a:tc>
@@ -5477,7 +6828,11 @@
                     <a:lstStyle/>
                     <a:p>
                       <a:pPr algn="ctr">
-                        <a:defRPr sz="1400"/>
+                        <a:defRPr sz="1300">
+                          <a:solidFill>
+                            <a:srgbClr val="282828"/>
+                          </a:solidFill>
+                        </a:defRPr>
                       </a:pPr>
                       <a:r>
                         <a:t>35 760</a:t>
@@ -5486,7 +6841,7 @@
                   </a:txBody>
                   <a:tcPr>
                     <a:solidFill>
-                      <a:srgbClr val="F2F3F4"/>
+                      <a:srgbClr val="F0EEEB"/>
                     </a:solidFill>
                   </a:tcPr>
                 </a:tc>
@@ -5496,7 +6851,11 @@
                     <a:lstStyle/>
                     <a:p>
                       <a:pPr algn="ctr">
-                        <a:defRPr sz="1400"/>
+                        <a:defRPr sz="1300">
+                          <a:solidFill>
+                            <a:srgbClr val="282828"/>
+                          </a:solidFill>
+                        </a:defRPr>
                       </a:pPr>
                       <a:r>
                         <a:t>41 460</a:t>
@@ -5505,7 +6864,7 @@
                   </a:txBody>
                   <a:tcPr>
                     <a:solidFill>
-                      <a:srgbClr val="F2F3F4"/>
+                      <a:srgbClr val="F0EEEB"/>
                     </a:solidFill>
                   </a:tcPr>
                 </a:tc>
@@ -5515,7 +6874,11 @@
                     <a:lstStyle/>
                     <a:p>
                       <a:pPr algn="ctr">
-                        <a:defRPr sz="1400"/>
+                        <a:defRPr sz="1300">
+                          <a:solidFill>
+                            <a:srgbClr val="282828"/>
+                          </a:solidFill>
+                        </a:defRPr>
                       </a:pPr>
                       <a:r>
                         <a:t>1,16x</a:t>
@@ -5524,19 +6887,23 @@
                   </a:txBody>
                   <a:tcPr>
                     <a:solidFill>
-                      <a:srgbClr val="F2F3F4"/>
+                      <a:srgbClr val="F0EEEB"/>
                     </a:solidFill>
                   </a:tcPr>
                 </a:tc>
               </a:tr>
-              <a:tr h="533400">
-                <a:tc>
-                  <a:txBody>
-                    <a:bodyPr/>
-                    <a:lstStyle/>
-                    <a:p>
-                      <a:pPr algn="ctr">
-                        <a:defRPr sz="1400"/>
+              <a:tr h="426720">
+                <a:tc>
+                  <a:txBody>
+                    <a:bodyPr/>
+                    <a:lstStyle/>
+                    <a:p>
+                      <a:pPr algn="ctr">
+                        <a:defRPr sz="1300">
+                          <a:solidFill>
+                            <a:srgbClr val="282828"/>
+                          </a:solidFill>
+                        </a:defRPr>
                       </a:pPr>
                       <a:r>
                         <a:t>60 000</a:t>
@@ -5551,7 +6918,11 @@
                     <a:lstStyle/>
                     <a:p>
                       <a:pPr algn="ctr">
-                        <a:defRPr sz="1400"/>
+                        <a:defRPr sz="1300">
+                          <a:solidFill>
+                            <a:srgbClr val="282828"/>
+                          </a:solidFill>
+                        </a:defRPr>
                       </a:pPr>
                       <a:r>
                         <a:t>41 760</a:t>
@@ -5566,7 +6937,11 @@
                     <a:lstStyle/>
                     <a:p>
                       <a:pPr algn="ctr">
-                        <a:defRPr sz="1400"/>
+                        <a:defRPr sz="1300">
+                          <a:solidFill>
+                            <a:srgbClr val="282828"/>
+                          </a:solidFill>
+                        </a:defRPr>
                       </a:pPr>
                       <a:r>
                         <a:t>64 700</a:t>
@@ -5581,7 +6956,11 @@
                     <a:lstStyle/>
                     <a:p>
                       <a:pPr algn="ctr">
-                        <a:defRPr sz="1400"/>
+                        <a:defRPr sz="1300">
+                          <a:solidFill>
+                            <a:srgbClr val="282828"/>
+                          </a:solidFill>
+                        </a:defRPr>
                       </a:pPr>
                       <a:r>
                         <a:t>1,55x</a:t>
@@ -5591,14 +6970,18 @@
                   <a:tcPr/>
                 </a:tc>
               </a:tr>
-              <a:tr h="533400">
-                <a:tc>
-                  <a:txBody>
-                    <a:bodyPr/>
-                    <a:lstStyle/>
-                    <a:p>
-                      <a:pPr algn="ctr">
-                        <a:defRPr sz="1400"/>
+              <a:tr h="426720">
+                <a:tc>
+                  <a:txBody>
+                    <a:bodyPr/>
+                    <a:lstStyle/>
+                    <a:p>
+                      <a:pPr algn="ctr">
+                        <a:defRPr sz="1300">
+                          <a:solidFill>
+                            <a:srgbClr val="282828"/>
+                          </a:solidFill>
+                        </a:defRPr>
                       </a:pPr>
                       <a:r>
                         <a:t>80 000</a:t>
@@ -5607,7 +6990,7 @@
                   </a:txBody>
                   <a:tcPr>
                     <a:solidFill>
-                      <a:srgbClr val="F2F3F4"/>
+                      <a:srgbClr val="F0EEEB"/>
                     </a:solidFill>
                   </a:tcPr>
                 </a:tc>
@@ -5617,7 +7000,11 @@
                     <a:lstStyle/>
                     <a:p>
                       <a:pPr algn="ctr">
-                        <a:defRPr sz="1400"/>
+                        <a:defRPr sz="1300">
+                          <a:solidFill>
+                            <a:srgbClr val="282828"/>
+                          </a:solidFill>
+                        </a:defRPr>
                       </a:pPr>
                       <a:r>
                         <a:t>44 130</a:t>
@@ -5626,7 +7013,7 @@
                   </a:txBody>
                   <a:tcPr>
                     <a:solidFill>
-                      <a:srgbClr val="F2F3F4"/>
+                      <a:srgbClr val="F0EEEB"/>
                     </a:solidFill>
                   </a:tcPr>
                 </a:tc>
@@ -5636,7 +7023,11 @@
                     <a:lstStyle/>
                     <a:p>
                       <a:pPr algn="ctr">
-                        <a:defRPr sz="1400"/>
+                        <a:defRPr sz="1300">
+                          <a:solidFill>
+                            <a:srgbClr val="282828"/>
+                          </a:solidFill>
+                        </a:defRPr>
                       </a:pPr>
                       <a:r>
                         <a:t>76 730</a:t>
@@ -5645,7 +7036,7 @@
                   </a:txBody>
                   <a:tcPr>
                     <a:solidFill>
-                      <a:srgbClr val="F2F3F4"/>
+                      <a:srgbClr val="F0EEEB"/>
                     </a:solidFill>
                   </a:tcPr>
                 </a:tc>
@@ -5655,7 +7046,11 @@
                     <a:lstStyle/>
                     <a:p>
                       <a:pPr algn="ctr">
-                        <a:defRPr sz="1400"/>
+                        <a:defRPr sz="1300">
+                          <a:solidFill>
+                            <a:srgbClr val="282828"/>
+                          </a:solidFill>
+                        </a:defRPr>
                       </a:pPr>
                       <a:r>
                         <a:t>1,74x</a:t>
@@ -5664,19 +7059,23 @@
                   </a:txBody>
                   <a:tcPr>
                     <a:solidFill>
-                      <a:srgbClr val="F2F3F4"/>
+                      <a:srgbClr val="F0EEEB"/>
                     </a:solidFill>
                   </a:tcPr>
                 </a:tc>
               </a:tr>
-              <a:tr h="533400">
-                <a:tc>
-                  <a:txBody>
-                    <a:bodyPr/>
-                    <a:lstStyle/>
-                    <a:p>
-                      <a:pPr algn="ctr">
-                        <a:defRPr sz="1400"/>
+              <a:tr h="426720">
+                <a:tc>
+                  <a:txBody>
+                    <a:bodyPr/>
+                    <a:lstStyle/>
+                    <a:p>
+                      <a:pPr algn="ctr">
+                        <a:defRPr sz="1300">
+                          <a:solidFill>
+                            <a:srgbClr val="282828"/>
+                          </a:solidFill>
+                        </a:defRPr>
                       </a:pPr>
                       <a:r>
                         <a:t>100 000</a:t>
@@ -5691,7 +7090,11 @@
                     <a:lstStyle/>
                     <a:p>
                       <a:pPr algn="ctr">
-                        <a:defRPr sz="1400"/>
+                        <a:defRPr sz="1300">
+                          <a:solidFill>
+                            <a:srgbClr val="282828"/>
+                          </a:solidFill>
+                        </a:defRPr>
                       </a:pPr>
                       <a:r>
                         <a:t>45 110</a:t>
@@ -5706,7 +7109,11 @@
                     <a:lstStyle/>
                     <a:p>
                       <a:pPr algn="ctr">
-                        <a:defRPr sz="1400"/>
+                        <a:defRPr sz="1300">
+                          <a:solidFill>
+                            <a:srgbClr val="282828"/>
+                          </a:solidFill>
+                        </a:defRPr>
                       </a:pPr>
                       <a:r>
                         <a:t>81 970</a:t>
@@ -5721,7 +7128,11 @@
                     <a:lstStyle/>
                     <a:p>
                       <a:pPr algn="ctr">
-                        <a:defRPr sz="1400"/>
+                        <a:defRPr sz="1300">
+                          <a:solidFill>
+                            <a:srgbClr val="282828"/>
+                          </a:solidFill>
+                        </a:defRPr>
                       </a:pPr>
                       <a:r>
                         <a:t>1,82x</a:t>
@@ -5737,7 +7148,7 @@
       </p:graphicFrame>
       <p:pic>
         <p:nvPicPr>
-          <p:cNvPr id="4" name="Picture 3" descr="hpl-h100.png"/>
+          <p:cNvPr id="7" name="Picture 6" descr="hpl-h100.png"/>
           <p:cNvPicPr>
             <a:picLocks noChangeAspect="1"/>
           </p:cNvPicPr>
@@ -5751,8 +7162,8 @@
         </p:blipFill>
         <p:spPr>
           <a:xfrm>
-            <a:off x="6217920" y="1463040"/>
-            <a:ext cx="5486400" cy="3367062"/>
+            <a:off x="4663440" y="1143000"/>
+            <a:ext cx="4206240" cy="2581414"/>
           </a:xfrm>
           <a:prstGeom prst="rect">
             <a:avLst/>
@@ -5761,25 +7172,58 @@
       </p:pic>
       <p:sp>
         <p:nvSpPr>
-          <p:cNvPr id="5" name="Rounded Rectangle 4"/>
+          <p:cNvPr id="8" name="TextBox 7"/>
+          <p:cNvSpPr txBox="1"/>
+          <p:nvPr/>
+        </p:nvSpPr>
+        <p:spPr>
+          <a:xfrm>
+            <a:off x="548640" y="3931920"/>
+            <a:ext cx="7315200" cy="411480"/>
+          </a:xfrm>
+          <a:prstGeom prst="rect">
+            <a:avLst/>
+          </a:prstGeom>
+          <a:noFill/>
+        </p:spPr>
+        <p:txBody>
+          <a:bodyPr wrap="square">
+            <a:spAutoFit/>
+          </a:bodyPr>
+          <a:lstStyle/>
+          <a:p>
+            <a:pPr algn="l">
+              <a:defRPr sz="2400" b="1">
+                <a:solidFill>
+                  <a:srgbClr val="FF6B35"/>
+                </a:solidFill>
+              </a:defRPr>
+            </a:pPr>
+            <a:r>
+              <a:t>Métriques clés</a:t>
+            </a:r>
+          </a:p>
+        </p:txBody>
+      </p:sp>
+      <p:sp>
+        <p:nvSpPr>
+          <p:cNvPr id="9" name="Rounded Rectangle 8"/>
           <p:cNvSpPr/>
           <p:nvPr/>
         </p:nvSpPr>
         <p:spPr>
           <a:xfrm>
-            <a:off x="457200" y="5029200"/>
-            <a:ext cx="10972800" cy="1371600"/>
+            <a:off x="548640" y="4480560"/>
+            <a:ext cx="109728" cy="109728"/>
           </a:xfrm>
           <a:prstGeom prst="roundRect">
             <a:avLst/>
           </a:prstGeom>
           <a:solidFill>
-            <a:srgbClr val="FDEDEC"/>
+            <a:srgbClr val="FF6B35"/>
           </a:solidFill>
           <a:ln>
-            <a:solidFill>
-              <a:srgbClr val="E74C3C"/>
-            </a:solidFill>
+            <a:noFill/>
           </a:ln>
         </p:spPr>
         <p:style>
@@ -5806,14 +7250,14 @@
       </p:sp>
       <p:sp>
         <p:nvSpPr>
-          <p:cNvPr id="6" name="TextBox 5"/>
+          <p:cNvPr id="10" name="TextBox 9"/>
           <p:cNvSpPr txBox="1"/>
           <p:nvPr/>
         </p:nvSpPr>
         <p:spPr>
           <a:xfrm>
-            <a:off x="731520" y="5120640"/>
-            <a:ext cx="10515600" cy="1188720"/>
+            <a:off x="777240" y="4434840"/>
+            <a:ext cx="7543800" cy="320040"/>
           </a:xfrm>
           <a:prstGeom prst="rect">
             <a:avLst/>
@@ -5827,26 +7271,248 @@
           <a:lstStyle/>
           <a:p>
             <a:pPr algn="l">
-              <a:defRPr sz="1700" b="1">
+              <a:defRPr sz="1500" b="0">
                 <a:solidFill>
-                  <a:srgbClr val="1B3A5C"/>
+                  <a:srgbClr val="282828"/>
                 </a:solidFill>
               </a:defRPr>
             </a:pPr>
             <a:r>
-              <a:t>Peak théorique : 54 TFLOPS (FP64)  |  Meilleur résultat : 45 110 GFLOPS  |  Efficacité : 83,4%</a:t>
-            </a:r>
-          </a:p>
-          <a:p>
-            <a:pPr>
-              <a:defRPr sz="1600">
+              <a:t>Peak théorique : 54 TFLOPS  →  Efficacité : 83,4%</a:t>
+            </a:r>
+          </a:p>
+        </p:txBody>
+      </p:sp>
+      <p:sp>
+        <p:nvSpPr>
+          <p:cNvPr id="11" name="Rounded Rectangle 10"/>
+          <p:cNvSpPr/>
+          <p:nvPr/>
+        </p:nvSpPr>
+        <p:spPr>
+          <a:xfrm>
+            <a:off x="548640" y="4828032"/>
+            <a:ext cx="109728" cy="109728"/>
+          </a:xfrm>
+          <a:prstGeom prst="roundRect">
+            <a:avLst/>
+          </a:prstGeom>
+          <a:solidFill>
+            <a:srgbClr val="FF6B35"/>
+          </a:solidFill>
+          <a:ln>
+            <a:noFill/>
+          </a:ln>
+        </p:spPr>
+        <p:style>
+          <a:lnRef idx="1">
+            <a:schemeClr val="accent1"/>
+          </a:lnRef>
+          <a:fillRef idx="3">
+            <a:schemeClr val="accent1"/>
+          </a:fillRef>
+          <a:effectRef idx="2">
+            <a:schemeClr val="accent1"/>
+          </a:effectRef>
+          <a:fontRef idx="minor">
+            <a:schemeClr val="lt1"/>
+          </a:fontRef>
+        </p:style>
+        <p:txBody>
+          <a:bodyPr rtlCol="0" anchor="ctr"/>
+          <a:lstStyle/>
+          <a:p>
+            <a:pPr algn="ctr"/>
+          </a:p>
+        </p:txBody>
+      </p:sp>
+      <p:sp>
+        <p:nvSpPr>
+          <p:cNvPr id="12" name="TextBox 11"/>
+          <p:cNvSpPr txBox="1"/>
+          <p:nvPr/>
+        </p:nvSpPr>
+        <p:spPr>
+          <a:xfrm>
+            <a:off x="777240" y="4782312"/>
+            <a:ext cx="7543800" cy="320040"/>
+          </a:xfrm>
+          <a:prstGeom prst="rect">
+            <a:avLst/>
+          </a:prstGeom>
+          <a:noFill/>
+        </p:spPr>
+        <p:txBody>
+          <a:bodyPr wrap="square">
+            <a:spAutoFit/>
+          </a:bodyPr>
+          <a:lstStyle/>
+          <a:p>
+            <a:pPr algn="l">
+              <a:defRPr sz="1500" b="0">
                 <a:solidFill>
-                  <a:srgbClr val="E74C3C"/>
+                  <a:srgbClr val="282828"/>
                 </a:solidFill>
               </a:defRPr>
             </a:pPr>
             <a:r>
-              <a:t>Speedup 2 GPUs : 1,82x (efficacité parallèle 91%)  |  Anomalie N=20K : 2 GPUs 28,6% plus lents que 1 !</a:t>
+              <a:t>Speedup 2 GPUs : 1,82x  →  Efficacité parallèle : 91%</a:t>
+            </a:r>
+          </a:p>
+        </p:txBody>
+      </p:sp>
+      <p:sp>
+        <p:nvSpPr>
+          <p:cNvPr id="13" name="Rounded Rectangle 12"/>
+          <p:cNvSpPr/>
+          <p:nvPr/>
+        </p:nvSpPr>
+        <p:spPr>
+          <a:xfrm>
+            <a:off x="548640" y="5175504"/>
+            <a:ext cx="109728" cy="109728"/>
+          </a:xfrm>
+          <a:prstGeom prst="roundRect">
+            <a:avLst/>
+          </a:prstGeom>
+          <a:solidFill>
+            <a:srgbClr val="FF6B35"/>
+          </a:solidFill>
+          <a:ln>
+            <a:noFill/>
+          </a:ln>
+        </p:spPr>
+        <p:style>
+          <a:lnRef idx="1">
+            <a:schemeClr val="accent1"/>
+          </a:lnRef>
+          <a:fillRef idx="3">
+            <a:schemeClr val="accent1"/>
+          </a:fillRef>
+          <a:effectRef idx="2">
+            <a:schemeClr val="accent1"/>
+          </a:effectRef>
+          <a:fontRef idx="minor">
+            <a:schemeClr val="lt1"/>
+          </a:fontRef>
+        </p:style>
+        <p:txBody>
+          <a:bodyPr rtlCol="0" anchor="ctr"/>
+          <a:lstStyle/>
+          <a:p>
+            <a:pPr algn="ctr"/>
+          </a:p>
+        </p:txBody>
+      </p:sp>
+      <p:sp>
+        <p:nvSpPr>
+          <p:cNvPr id="14" name="TextBox 13"/>
+          <p:cNvSpPr txBox="1"/>
+          <p:nvPr/>
+        </p:nvSpPr>
+        <p:spPr>
+          <a:xfrm>
+            <a:off x="777240" y="5129784"/>
+            <a:ext cx="7543800" cy="320040"/>
+          </a:xfrm>
+          <a:prstGeom prst="rect">
+            <a:avLst/>
+          </a:prstGeom>
+          <a:noFill/>
+        </p:spPr>
+        <p:txBody>
+          <a:bodyPr wrap="square">
+            <a:spAutoFit/>
+          </a:bodyPr>
+          <a:lstStyle/>
+          <a:p>
+            <a:pPr algn="l">
+              <a:defRPr sz="1500" b="0">
+                <a:solidFill>
+                  <a:srgbClr val="282828"/>
+                </a:solidFill>
+              </a:defRPr>
+            </a:pPr>
+            <a:r>
+              <a:t>Anomalie à N=20K : 2 GPUs 28,6% PLUS LENTS que 1 !</a:t>
+            </a:r>
+          </a:p>
+        </p:txBody>
+      </p:sp>
+      <p:sp>
+        <p:nvSpPr>
+          <p:cNvPr id="15" name="Rounded Rectangle 14"/>
+          <p:cNvSpPr/>
+          <p:nvPr/>
+        </p:nvSpPr>
+        <p:spPr>
+          <a:xfrm>
+            <a:off x="548640" y="5522976"/>
+            <a:ext cx="109728" cy="109728"/>
+          </a:xfrm>
+          <a:prstGeom prst="roundRect">
+            <a:avLst/>
+          </a:prstGeom>
+          <a:solidFill>
+            <a:srgbClr val="FF6B35"/>
+          </a:solidFill>
+          <a:ln>
+            <a:noFill/>
+          </a:ln>
+        </p:spPr>
+        <p:style>
+          <a:lnRef idx="1">
+            <a:schemeClr val="accent1"/>
+          </a:lnRef>
+          <a:fillRef idx="3">
+            <a:schemeClr val="accent1"/>
+          </a:fillRef>
+          <a:effectRef idx="2">
+            <a:schemeClr val="accent1"/>
+          </a:effectRef>
+          <a:fontRef idx="minor">
+            <a:schemeClr val="lt1"/>
+          </a:fontRef>
+        </p:style>
+        <p:txBody>
+          <a:bodyPr rtlCol="0" anchor="ctr"/>
+          <a:lstStyle/>
+          <a:p>
+            <a:pPr algn="ctr"/>
+          </a:p>
+        </p:txBody>
+      </p:sp>
+      <p:sp>
+        <p:nvSpPr>
+          <p:cNvPr id="16" name="TextBox 15"/>
+          <p:cNvSpPr txBox="1"/>
+          <p:nvPr/>
+        </p:nvSpPr>
+        <p:spPr>
+          <a:xfrm>
+            <a:off x="777240" y="5477256"/>
+            <a:ext cx="7543800" cy="320040"/>
+          </a:xfrm>
+          <a:prstGeom prst="rect">
+            <a:avLst/>
+          </a:prstGeom>
+          <a:noFill/>
+        </p:spPr>
+        <p:txBody>
+          <a:bodyPr wrap="square">
+            <a:spAutoFit/>
+          </a:bodyPr>
+          <a:lstStyle/>
+          <a:p>
+            <a:pPr algn="l">
+              <a:defRPr sz="1500" b="0">
+                <a:solidFill>
+                  <a:srgbClr val="282828"/>
+                </a:solidFill>
+              </a:defRPr>
+            </a:pPr>
+            <a:r>
+              <a:t>Tous les tests : résidu PASSED</a:t>
             </a:r>
           </a:p>
         </p:txBody>
@@ -5862,14 +7528,6 @@
 <file path=ppt/slides/slide6.xml><?xml version="1.0" encoding="utf-8"?>
 <p:sld xmlns:a="http://schemas.openxmlformats.org/drawingml/2006/main" xmlns:p="http://schemas.openxmlformats.org/presentationml/2006/main" xmlns:r="http://schemas.openxmlformats.org/officeDocument/2006/relationships">
   <p:cSld>
-    <p:bg>
-      <p:bgPr>
-        <a:solidFill>
-          <a:srgbClr val="FFFFFF"/>
-        </a:solidFill>
-        <a:effectLst/>
-      </p:bgPr>
-    </p:bg>
     <p:spTree>
       <p:nvGrpSpPr>
         <p:cNvPr id="1" name=""/>
@@ -5886,13 +7544,13 @@
         <p:spPr>
           <a:xfrm>
             <a:off x="0" y="0"/>
-            <a:ext cx="12191695" cy="1188720"/>
+            <a:ext cx="9144000" cy="6858000"/>
           </a:xfrm>
           <a:prstGeom prst="rect">
             <a:avLst/>
           </a:prstGeom>
           <a:solidFill>
-            <a:srgbClr val="1B3A5C"/>
+            <a:srgbClr val="FAF8F5"/>
           </a:solidFill>
           <a:ln>
             <a:noFill/>
@@ -5913,33 +7571,145 @@
           </a:fontRef>
         </p:style>
         <p:txBody>
-          <a:bodyPr rtlCol="0" anchor="ctr" wrap="square" lIns="731520"/>
+          <a:bodyPr rtlCol="0" anchor="ctr"/>
+          <a:lstStyle/>
+          <a:p>
+            <a:pPr algn="ctr"/>
+          </a:p>
+        </p:txBody>
+      </p:sp>
+      <p:sp>
+        <p:nvSpPr>
+          <p:cNvPr id="3" name="Rectangle 2"/>
+          <p:cNvSpPr/>
+          <p:nvPr/>
+        </p:nvSpPr>
+        <p:spPr>
+          <a:xfrm>
+            <a:off x="0" y="0"/>
+            <a:ext cx="73152" cy="6858000"/>
+          </a:xfrm>
+          <a:prstGeom prst="rect">
+            <a:avLst/>
+          </a:prstGeom>
+          <a:solidFill>
+            <a:srgbClr val="FF6B35"/>
+          </a:solidFill>
+          <a:ln>
+            <a:noFill/>
+          </a:ln>
+        </p:spPr>
+        <p:style>
+          <a:lnRef idx="1">
+            <a:schemeClr val="accent1"/>
+          </a:lnRef>
+          <a:fillRef idx="3">
+            <a:schemeClr val="accent1"/>
+          </a:fillRef>
+          <a:effectRef idx="2">
+            <a:schemeClr val="accent1"/>
+          </a:effectRef>
+          <a:fontRef idx="minor">
+            <a:schemeClr val="lt1"/>
+          </a:fontRef>
+        </p:style>
+        <p:txBody>
+          <a:bodyPr rtlCol="0" anchor="ctr"/>
+          <a:lstStyle/>
+          <a:p>
+            <a:pPr algn="ctr"/>
+          </a:p>
+        </p:txBody>
+      </p:sp>
+      <p:sp>
+        <p:nvSpPr>
+          <p:cNvPr id="4" name="TextBox 3"/>
+          <p:cNvSpPr txBox="1"/>
+          <p:nvPr/>
+        </p:nvSpPr>
+        <p:spPr>
+          <a:xfrm>
+            <a:off x="548640" y="137160"/>
+            <a:ext cx="7772400" cy="640080"/>
+          </a:xfrm>
+          <a:prstGeom prst="rect">
+            <a:avLst/>
+          </a:prstGeom>
+          <a:noFill/>
+        </p:spPr>
+        <p:txBody>
+          <a:bodyPr wrap="square">
+            <a:spAutoFit/>
+          </a:bodyPr>
           <a:lstStyle/>
           <a:p>
             <a:pPr algn="l">
-              <a:defRPr sz="3200" b="1">
+              <a:defRPr sz="4200" b="1">
                 <a:solidFill>
-                  <a:srgbClr val="FFFFFF"/>
+                  <a:srgbClr val="143440"/>
                 </a:solidFill>
               </a:defRPr>
             </a:pPr>
             <a:r>
-              <a:t>Anomalie : 2 GPUs plus lents qu'un seul (N = 20 000)</a:t>
-            </a:r>
+              <a:t>Anomalie multi-GPU (N = 20 000)</a:t>
+            </a:r>
+          </a:p>
+        </p:txBody>
+      </p:sp>
+      <p:sp>
+        <p:nvSpPr>
+          <p:cNvPr id="5" name="Rectangle 4"/>
+          <p:cNvSpPr/>
+          <p:nvPr/>
+        </p:nvSpPr>
+        <p:spPr>
+          <a:xfrm>
+            <a:off x="0" y="868680"/>
+            <a:ext cx="2286000" cy="137160"/>
+          </a:xfrm>
+          <a:prstGeom prst="rect">
+            <a:avLst/>
+          </a:prstGeom>
+          <a:solidFill>
+            <a:srgbClr val="FF6B35"/>
+          </a:solidFill>
+          <a:ln>
+            <a:noFill/>
+          </a:ln>
+        </p:spPr>
+        <p:style>
+          <a:lnRef idx="1">
+            <a:schemeClr val="accent1"/>
+          </a:lnRef>
+          <a:fillRef idx="3">
+            <a:schemeClr val="accent1"/>
+          </a:fillRef>
+          <a:effectRef idx="2">
+            <a:schemeClr val="accent1"/>
+          </a:effectRef>
+          <a:fontRef idx="minor">
+            <a:schemeClr val="lt1"/>
+          </a:fontRef>
+        </p:style>
+        <p:txBody>
+          <a:bodyPr rtlCol="0" anchor="ctr"/>
+          <a:lstStyle/>
+          <a:p>
+            <a:pPr algn="ctr"/>
           </a:p>
         </p:txBody>
       </p:sp>
       <p:graphicFrame>
         <p:nvGraphicFramePr>
-          <p:cNvPr id="3" name="Table 2"/>
+          <p:cNvPr id="6" name="Table 5"/>
           <p:cNvGraphicFramePr>
             <a:graphicFrameLocks noGrp="1"/>
           </p:cNvGraphicFramePr>
           <p:nvPr/>
         </p:nvGraphicFramePr>
         <p:xfrm>
-          <a:off x="457200" y="1645920"/>
-          <a:ext cx="5029200" cy="1371600"/>
+          <a:off x="365760" y="1234440"/>
+          <a:ext cx="4572000" cy="1188720"/>
         </p:xfrm>
         <a:graphic>
           <a:graphicData uri="http://schemas.openxmlformats.org/drawingml/2006/table">
@@ -5948,19 +7718,19 @@
                 <a:tableStyleId>{5C22544A-7EE6-4342-B048-85BDC9FD1C3A}</a:tableStyleId>
               </a:tblPr>
               <a:tblGrid>
-                <a:gridCol w="1257300"/>
-                <a:gridCol w="1257300"/>
-                <a:gridCol w="1257300"/>
-                <a:gridCol w="1257300"/>
+                <a:gridCol w="1143000"/>
+                <a:gridCol w="1143000"/>
+                <a:gridCol w="1143000"/>
+                <a:gridCol w="1143000"/>
               </a:tblGrid>
-              <a:tr h="457200">
-                <a:tc>
-                  <a:txBody>
-                    <a:bodyPr/>
-                    <a:lstStyle/>
-                    <a:p>
-                      <a:pPr algn="ctr">
-                        <a:defRPr sz="1400" b="1">
+              <a:tr h="396240">
+                <a:tc>
+                  <a:txBody>
+                    <a:bodyPr/>
+                    <a:lstStyle/>
+                    <a:p>
+                      <a:pPr algn="ctr">
+                        <a:defRPr sz="1300" b="1">
                           <a:solidFill>
                             <a:srgbClr val="FFFFFF"/>
                           </a:solidFill>
@@ -5973,7 +7743,7 @@
                   </a:txBody>
                   <a:tcPr>
                     <a:solidFill>
-                      <a:srgbClr val="1B3A5C"/>
+                      <a:srgbClr val="143440"/>
                     </a:solidFill>
                   </a:tcPr>
                 </a:tc>
@@ -5983,7 +7753,7 @@
                     <a:lstStyle/>
                     <a:p>
                       <a:pPr algn="ctr">
-                        <a:defRPr sz="1400" b="1">
+                        <a:defRPr sz="1300" b="1">
                           <a:solidFill>
                             <a:srgbClr val="FFFFFF"/>
                           </a:solidFill>
@@ -5996,7 +7766,7 @@
                   </a:txBody>
                   <a:tcPr>
                     <a:solidFill>
-                      <a:srgbClr val="1B3A5C"/>
+                      <a:srgbClr val="143440"/>
                     </a:solidFill>
                   </a:tcPr>
                 </a:tc>
@@ -6006,7 +7776,7 @@
                     <a:lstStyle/>
                     <a:p>
                       <a:pPr algn="ctr">
-                        <a:defRPr sz="1400" b="1">
+                        <a:defRPr sz="1300" b="1">
                           <a:solidFill>
                             <a:srgbClr val="FFFFFF"/>
                           </a:solidFill>
@@ -6019,7 +7789,7 @@
                   </a:txBody>
                   <a:tcPr>
                     <a:solidFill>
-                      <a:srgbClr val="1B3A5C"/>
+                      <a:srgbClr val="143440"/>
                     </a:solidFill>
                   </a:tcPr>
                 </a:tc>
@@ -6029,7 +7799,7 @@
                     <a:lstStyle/>
                     <a:p>
                       <a:pPr algn="ctr">
-                        <a:defRPr sz="1400" b="1">
+                        <a:defRPr sz="1300" b="1">
                           <a:solidFill>
                             <a:srgbClr val="FFFFFF"/>
                           </a:solidFill>
@@ -6042,19 +7812,23 @@
                   </a:txBody>
                   <a:tcPr>
                     <a:solidFill>
-                      <a:srgbClr val="1B3A5C"/>
+                      <a:srgbClr val="143440"/>
                     </a:solidFill>
                   </a:tcPr>
                 </a:tc>
               </a:tr>
-              <a:tr h="457200">
-                <a:tc>
-                  <a:txBody>
-                    <a:bodyPr/>
-                    <a:lstStyle/>
-                    <a:p>
-                      <a:pPr algn="ctr">
-                        <a:defRPr sz="1400"/>
+              <a:tr h="396240">
+                <a:tc>
+                  <a:txBody>
+                    <a:bodyPr/>
+                    <a:lstStyle/>
+                    <a:p>
+                      <a:pPr algn="ctr">
+                        <a:defRPr sz="1300">
+                          <a:solidFill>
+                            <a:srgbClr val="282828"/>
+                          </a:solidFill>
+                        </a:defRPr>
                       </a:pPr>
                       <a:r>
                         <a:t>A100</a:t>
@@ -6069,7 +7843,11 @@
                     <a:lstStyle/>
                     <a:p>
                       <a:pPr algn="ctr">
-                        <a:defRPr sz="1400"/>
+                        <a:defRPr sz="1300">
+                          <a:solidFill>
+                            <a:srgbClr val="282828"/>
+                          </a:solidFill>
+                        </a:defRPr>
                       </a:pPr>
                       <a:r>
                         <a:t>9 731</a:t>
@@ -6084,7 +7862,11 @@
                     <a:lstStyle/>
                     <a:p>
                       <a:pPr algn="ctr">
-                        <a:defRPr sz="1400"/>
+                        <a:defRPr sz="1300">
+                          <a:solidFill>
+                            <a:srgbClr val="282828"/>
+                          </a:solidFill>
+                        </a:defRPr>
                       </a:pPr>
                       <a:r>
                         <a:t>9 106</a:t>
@@ -6099,7 +7881,11 @@
                     <a:lstStyle/>
                     <a:p>
                       <a:pPr algn="ctr">
-                        <a:defRPr sz="1400"/>
+                        <a:defRPr sz="1300">
+                          <a:solidFill>
+                            <a:srgbClr val="282828"/>
+                          </a:solidFill>
+                        </a:defRPr>
                       </a:pPr>
                       <a:r>
                         <a:t>-6,4%</a:t>
@@ -6109,14 +7895,18 @@
                   <a:tcPr/>
                 </a:tc>
               </a:tr>
-              <a:tr h="457200">
-                <a:tc>
-                  <a:txBody>
-                    <a:bodyPr/>
-                    <a:lstStyle/>
-                    <a:p>
-                      <a:pPr algn="ctr">
-                        <a:defRPr sz="1400"/>
+              <a:tr h="396240">
+                <a:tc>
+                  <a:txBody>
+                    <a:bodyPr/>
+                    <a:lstStyle/>
+                    <a:p>
+                      <a:pPr algn="ctr">
+                        <a:defRPr sz="1300">
+                          <a:solidFill>
+                            <a:srgbClr val="282828"/>
+                          </a:solidFill>
+                        </a:defRPr>
                       </a:pPr>
                       <a:r>
                         <a:t>H100</a:t>
@@ -6125,7 +7915,7 @@
                   </a:txBody>
                   <a:tcPr>
                     <a:solidFill>
-                      <a:srgbClr val="F2F3F4"/>
+                      <a:srgbClr val="F0EEEB"/>
                     </a:solidFill>
                   </a:tcPr>
                 </a:tc>
@@ -6135,7 +7925,11 @@
                     <a:lstStyle/>
                     <a:p>
                       <a:pPr algn="ctr">
-                        <a:defRPr sz="1400"/>
+                        <a:defRPr sz="1300">
+                          <a:solidFill>
+                            <a:srgbClr val="282828"/>
+                          </a:solidFill>
+                        </a:defRPr>
                       </a:pPr>
                       <a:r>
                         <a:t>16 130</a:t>
@@ -6144,7 +7938,7 @@
                   </a:txBody>
                   <a:tcPr>
                     <a:solidFill>
-                      <a:srgbClr val="F2F3F4"/>
+                      <a:srgbClr val="F0EEEB"/>
                     </a:solidFill>
                   </a:tcPr>
                 </a:tc>
@@ -6154,7 +7948,11 @@
                     <a:lstStyle/>
                     <a:p>
                       <a:pPr algn="ctr">
-                        <a:defRPr sz="1400"/>
+                        <a:defRPr sz="1300">
+                          <a:solidFill>
+                            <a:srgbClr val="282828"/>
+                          </a:solidFill>
+                        </a:defRPr>
                       </a:pPr>
                       <a:r>
                         <a:t>11 510</a:t>
@@ -6163,7 +7961,7 @@
                   </a:txBody>
                   <a:tcPr>
                     <a:solidFill>
-                      <a:srgbClr val="F2F3F4"/>
+                      <a:srgbClr val="F0EEEB"/>
                     </a:solidFill>
                   </a:tcPr>
                 </a:tc>
@@ -6173,7 +7971,11 @@
                     <a:lstStyle/>
                     <a:p>
                       <a:pPr algn="ctr">
-                        <a:defRPr sz="1400"/>
+                        <a:defRPr sz="1300">
+                          <a:solidFill>
+                            <a:srgbClr val="282828"/>
+                          </a:solidFill>
+                        </a:defRPr>
                       </a:pPr>
                       <a:r>
                         <a:t>-28,6%</a:t>
@@ -6182,7 +7984,7 @@
                   </a:txBody>
                   <a:tcPr>
                     <a:solidFill>
-                      <a:srgbClr val="F2F3F4"/>
+                      <a:srgbClr val="F0EEEB"/>
                     </a:solidFill>
                   </a:tcPr>
                 </a:tc>
@@ -6193,14 +7995,14 @@
       </p:graphicFrame>
       <p:sp>
         <p:nvSpPr>
-          <p:cNvPr id="4" name="TextBox 3"/>
+          <p:cNvPr id="7" name="TextBox 6"/>
           <p:cNvSpPr txBox="1"/>
           <p:nvPr/>
         </p:nvSpPr>
         <p:spPr>
           <a:xfrm>
-            <a:off x="457200" y="3291840"/>
-            <a:ext cx="5029200" cy="457200"/>
+            <a:off x="548640" y="2651760"/>
+            <a:ext cx="7315200" cy="411480"/>
           </a:xfrm>
           <a:prstGeom prst="rect">
             <a:avLst/>
@@ -6214,9 +8016,9 @@
           <a:lstStyle/>
           <a:p>
             <a:pPr algn="l">
-              <a:defRPr sz="2200" b="1">
+              <a:defRPr sz="2400" b="1">
                 <a:solidFill>
-                  <a:srgbClr val="E74C3C"/>
+                  <a:srgbClr val="FF6B35"/>
                 </a:solidFill>
               </a:defRPr>
             </a:pPr>
@@ -6228,123 +8030,23 @@
       </p:sp>
       <p:sp>
         <p:nvSpPr>
-          <p:cNvPr id="5" name="TextBox 4"/>
-          <p:cNvSpPr txBox="1"/>
-          <p:nvPr/>
-        </p:nvSpPr>
-        <p:spPr>
-          <a:xfrm>
-            <a:off x="457200" y="3840480"/>
-            <a:ext cx="5303520" cy="2743200"/>
-          </a:xfrm>
-          <a:prstGeom prst="rect">
-            <a:avLst/>
-          </a:prstGeom>
-          <a:noFill/>
-        </p:spPr>
-        <p:txBody>
-          <a:bodyPr wrap="square">
-            <a:spAutoFit/>
-          </a:bodyPr>
-          <a:lstStyle/>
-          <a:p>
-            <a:pPr>
-              <a:spcAft>
-                <a:spcPts val="800"/>
-              </a:spcAft>
-              <a:defRPr sz="1700">
-                <a:solidFill>
-                  <a:srgbClr val="2C3E50"/>
-                </a:solidFill>
-              </a:defRPr>
-            </a:pPr>
-            <a:r>
-              <a:t>N = 20 000 est trop petit pour 2 GPUs</a:t>
-            </a:r>
-          </a:p>
-          <a:p>
-            <a:pPr>
-              <a:spcAft>
-                <a:spcPts val="800"/>
-              </a:spcAft>
-              <a:defRPr sz="1700">
-                <a:solidFill>
-                  <a:srgbClr val="2C3E50"/>
-                </a:solidFill>
-              </a:defRPr>
-            </a:pPr>
-            <a:r>
-              <a:t>Chaque GPU reçoit une portion de matrice insuffisante</a:t>
-            </a:r>
-          </a:p>
-          <a:p>
-            <a:pPr>
-              <a:spcAft>
-                <a:spcPts val="800"/>
-              </a:spcAft>
-              <a:defRPr sz="1700">
-                <a:solidFill>
-                  <a:srgbClr val="2C3E50"/>
-                </a:solidFill>
-              </a:defRPr>
-            </a:pPr>
-            <a:r>
-              <a:t>Le coût de communication inter-GPU &gt; le gain de calcul</a:t>
-            </a:r>
-          </a:p>
-          <a:p>
-            <a:pPr>
-              <a:spcAft>
-                <a:spcPts val="800"/>
-              </a:spcAft>
-              <a:defRPr sz="1700">
-                <a:solidFill>
-                  <a:srgbClr val="2C3E50"/>
-                </a:solidFill>
-              </a:defRPr>
-            </a:pPr>
-            <a:r>
-              <a:t>Plus prononcé sur H100 (-28,6%) : plus de cœurs à alimenter</a:t>
-            </a:r>
-          </a:p>
-          <a:p>
-            <a:pPr>
-              <a:spcAft>
-                <a:spcPts val="800"/>
-              </a:spcAft>
-              <a:defRPr sz="1700">
-                <a:solidFill>
-                  <a:srgbClr val="2C3E50"/>
-                </a:solidFill>
-              </a:defRPr>
-            </a:pPr>
-            <a:r>
-              <a:t>Seuil de rentabilité : entre N = 20K et N = 40K</a:t>
-            </a:r>
-          </a:p>
-        </p:txBody>
-      </p:sp>
-      <p:sp>
-        <p:nvSpPr>
-          <p:cNvPr id="6" name="Rounded Rectangle 5"/>
+          <p:cNvPr id="8" name="Rounded Rectangle 7"/>
           <p:cNvSpPr/>
           <p:nvPr/>
         </p:nvSpPr>
         <p:spPr>
           <a:xfrm>
-            <a:off x="6217920" y="1645920"/>
-            <a:ext cx="5303520" cy="4572000"/>
+            <a:off x="548640" y="3154680"/>
+            <a:ext cx="109728" cy="109728"/>
           </a:xfrm>
           <a:prstGeom prst="roundRect">
             <a:avLst/>
           </a:prstGeom>
           <a:solidFill>
-            <a:srgbClr val="F2F3F4"/>
+            <a:srgbClr val="FF6B35"/>
           </a:solidFill>
           <a:ln>
-            <a:solidFill>
-              <a:srgbClr val="1B3A5C"/>
-            </a:solidFill>
+            <a:noFill/>
           </a:ln>
         </p:spPr>
         <p:style>
@@ -6371,14 +8073,14 @@
       </p:sp>
       <p:sp>
         <p:nvSpPr>
-          <p:cNvPr id="7" name="TextBox 6"/>
+          <p:cNvPr id="9" name="TextBox 8"/>
           <p:cNvSpPr txBox="1"/>
           <p:nvPr/>
         </p:nvSpPr>
         <p:spPr>
           <a:xfrm>
-            <a:off x="6400800" y="1828800"/>
-            <a:ext cx="4937760" cy="457200"/>
+            <a:off x="777240" y="3108960"/>
+            <a:ext cx="4343400" cy="320040"/>
           </a:xfrm>
           <a:prstGeom prst="rect">
             <a:avLst/>
@@ -6391,29 +8093,421 @@
           </a:bodyPr>
           <a:lstStyle/>
           <a:p>
+            <a:pPr algn="l">
+              <a:defRPr sz="1400" b="0">
+                <a:solidFill>
+                  <a:srgbClr val="282828"/>
+                </a:solidFill>
+              </a:defRPr>
+            </a:pPr>
+            <a:r>
+              <a:t>N = 20 000 est trop petit pour 2 GPUs</a:t>
+            </a:r>
+          </a:p>
+        </p:txBody>
+      </p:sp>
+      <p:sp>
+        <p:nvSpPr>
+          <p:cNvPr id="10" name="Rounded Rectangle 9"/>
+          <p:cNvSpPr/>
+          <p:nvPr/>
+        </p:nvSpPr>
+        <p:spPr>
+          <a:xfrm>
+            <a:off x="548640" y="3474720"/>
+            <a:ext cx="109728" cy="109728"/>
+          </a:xfrm>
+          <a:prstGeom prst="roundRect">
+            <a:avLst/>
+          </a:prstGeom>
+          <a:solidFill>
+            <a:srgbClr val="FF6B35"/>
+          </a:solidFill>
+          <a:ln>
+            <a:noFill/>
+          </a:ln>
+        </p:spPr>
+        <p:style>
+          <a:lnRef idx="1">
+            <a:schemeClr val="accent1"/>
+          </a:lnRef>
+          <a:fillRef idx="3">
+            <a:schemeClr val="accent1"/>
+          </a:fillRef>
+          <a:effectRef idx="2">
+            <a:schemeClr val="accent1"/>
+          </a:effectRef>
+          <a:fontRef idx="minor">
+            <a:schemeClr val="lt1"/>
+          </a:fontRef>
+        </p:style>
+        <p:txBody>
+          <a:bodyPr rtlCol="0" anchor="ctr"/>
+          <a:lstStyle/>
+          <a:p>
+            <a:pPr algn="ctr"/>
+          </a:p>
+        </p:txBody>
+      </p:sp>
+      <p:sp>
+        <p:nvSpPr>
+          <p:cNvPr id="11" name="TextBox 10"/>
+          <p:cNvSpPr txBox="1"/>
+          <p:nvPr/>
+        </p:nvSpPr>
+        <p:spPr>
+          <a:xfrm>
+            <a:off x="777240" y="3429000"/>
+            <a:ext cx="4343400" cy="320040"/>
+          </a:xfrm>
+          <a:prstGeom prst="rect">
+            <a:avLst/>
+          </a:prstGeom>
+          <a:noFill/>
+        </p:spPr>
+        <p:txBody>
+          <a:bodyPr wrap="square">
+            <a:spAutoFit/>
+          </a:bodyPr>
+          <a:lstStyle/>
+          <a:p>
+            <a:pPr algn="l">
+              <a:defRPr sz="1400" b="0">
+                <a:solidFill>
+                  <a:srgbClr val="282828"/>
+                </a:solidFill>
+              </a:defRPr>
+            </a:pPr>
+            <a:r>
+              <a:t>Portion de matrice insuffisante par GPU</a:t>
+            </a:r>
+          </a:p>
+        </p:txBody>
+      </p:sp>
+      <p:sp>
+        <p:nvSpPr>
+          <p:cNvPr id="12" name="Rounded Rectangle 11"/>
+          <p:cNvSpPr/>
+          <p:nvPr/>
+        </p:nvSpPr>
+        <p:spPr>
+          <a:xfrm>
+            <a:off x="548640" y="3794760"/>
+            <a:ext cx="109728" cy="109728"/>
+          </a:xfrm>
+          <a:prstGeom prst="roundRect">
+            <a:avLst/>
+          </a:prstGeom>
+          <a:solidFill>
+            <a:srgbClr val="FF6B35"/>
+          </a:solidFill>
+          <a:ln>
+            <a:noFill/>
+          </a:ln>
+        </p:spPr>
+        <p:style>
+          <a:lnRef idx="1">
+            <a:schemeClr val="accent1"/>
+          </a:lnRef>
+          <a:fillRef idx="3">
+            <a:schemeClr val="accent1"/>
+          </a:fillRef>
+          <a:effectRef idx="2">
+            <a:schemeClr val="accent1"/>
+          </a:effectRef>
+          <a:fontRef idx="minor">
+            <a:schemeClr val="lt1"/>
+          </a:fontRef>
+        </p:style>
+        <p:txBody>
+          <a:bodyPr rtlCol="0" anchor="ctr"/>
+          <a:lstStyle/>
+          <a:p>
+            <a:pPr algn="ctr"/>
+          </a:p>
+        </p:txBody>
+      </p:sp>
+      <p:sp>
+        <p:nvSpPr>
+          <p:cNvPr id="13" name="TextBox 12"/>
+          <p:cNvSpPr txBox="1"/>
+          <p:nvPr/>
+        </p:nvSpPr>
+        <p:spPr>
+          <a:xfrm>
+            <a:off x="777240" y="3749040"/>
+            <a:ext cx="4343400" cy="320040"/>
+          </a:xfrm>
+          <a:prstGeom prst="rect">
+            <a:avLst/>
+          </a:prstGeom>
+          <a:noFill/>
+        </p:spPr>
+        <p:txBody>
+          <a:bodyPr wrap="square">
+            <a:spAutoFit/>
+          </a:bodyPr>
+          <a:lstStyle/>
+          <a:p>
+            <a:pPr algn="l">
+              <a:defRPr sz="1400" b="0">
+                <a:solidFill>
+                  <a:srgbClr val="282828"/>
+                </a:solidFill>
+              </a:defRPr>
+            </a:pPr>
+            <a:r>
+              <a:t>Coût de communication &gt; gain de calcul</a:t>
+            </a:r>
+          </a:p>
+        </p:txBody>
+      </p:sp>
+      <p:sp>
+        <p:nvSpPr>
+          <p:cNvPr id="14" name="Rounded Rectangle 13"/>
+          <p:cNvSpPr/>
+          <p:nvPr/>
+        </p:nvSpPr>
+        <p:spPr>
+          <a:xfrm>
+            <a:off x="548640" y="4114799"/>
+            <a:ext cx="109728" cy="109728"/>
+          </a:xfrm>
+          <a:prstGeom prst="roundRect">
+            <a:avLst/>
+          </a:prstGeom>
+          <a:solidFill>
+            <a:srgbClr val="FF6B35"/>
+          </a:solidFill>
+          <a:ln>
+            <a:noFill/>
+          </a:ln>
+        </p:spPr>
+        <p:style>
+          <a:lnRef idx="1">
+            <a:schemeClr val="accent1"/>
+          </a:lnRef>
+          <a:fillRef idx="3">
+            <a:schemeClr val="accent1"/>
+          </a:fillRef>
+          <a:effectRef idx="2">
+            <a:schemeClr val="accent1"/>
+          </a:effectRef>
+          <a:fontRef idx="minor">
+            <a:schemeClr val="lt1"/>
+          </a:fontRef>
+        </p:style>
+        <p:txBody>
+          <a:bodyPr rtlCol="0" anchor="ctr"/>
+          <a:lstStyle/>
+          <a:p>
+            <a:pPr algn="ctr"/>
+          </a:p>
+        </p:txBody>
+      </p:sp>
+      <p:sp>
+        <p:nvSpPr>
+          <p:cNvPr id="15" name="TextBox 14"/>
+          <p:cNvSpPr txBox="1"/>
+          <p:nvPr/>
+        </p:nvSpPr>
+        <p:spPr>
+          <a:xfrm>
+            <a:off x="777240" y="4069079"/>
+            <a:ext cx="4343400" cy="320040"/>
+          </a:xfrm>
+          <a:prstGeom prst="rect">
+            <a:avLst/>
+          </a:prstGeom>
+          <a:noFill/>
+        </p:spPr>
+        <p:txBody>
+          <a:bodyPr wrap="square">
+            <a:spAutoFit/>
+          </a:bodyPr>
+          <a:lstStyle/>
+          <a:p>
+            <a:pPr algn="l">
+              <a:defRPr sz="1400" b="0">
+                <a:solidFill>
+                  <a:srgbClr val="282828"/>
+                </a:solidFill>
+              </a:defRPr>
+            </a:pPr>
+            <a:r>
+              <a:t>Plus prononcé sur H100 : plus de cœurs</a:t>
+            </a:r>
+          </a:p>
+        </p:txBody>
+      </p:sp>
+      <p:sp>
+        <p:nvSpPr>
+          <p:cNvPr id="16" name="Rounded Rectangle 15"/>
+          <p:cNvSpPr/>
+          <p:nvPr/>
+        </p:nvSpPr>
+        <p:spPr>
+          <a:xfrm>
+            <a:off x="548640" y="4434840"/>
+            <a:ext cx="109728" cy="109728"/>
+          </a:xfrm>
+          <a:prstGeom prst="roundRect">
+            <a:avLst/>
+          </a:prstGeom>
+          <a:solidFill>
+            <a:srgbClr val="FF6B35"/>
+          </a:solidFill>
+          <a:ln>
+            <a:noFill/>
+          </a:ln>
+        </p:spPr>
+        <p:style>
+          <a:lnRef idx="1">
+            <a:schemeClr val="accent1"/>
+          </a:lnRef>
+          <a:fillRef idx="3">
+            <a:schemeClr val="accent1"/>
+          </a:fillRef>
+          <a:effectRef idx="2">
+            <a:schemeClr val="accent1"/>
+          </a:effectRef>
+          <a:fontRef idx="minor">
+            <a:schemeClr val="lt1"/>
+          </a:fontRef>
+        </p:style>
+        <p:txBody>
+          <a:bodyPr rtlCol="0" anchor="ctr"/>
+          <a:lstStyle/>
+          <a:p>
+            <a:pPr algn="ctr"/>
+          </a:p>
+        </p:txBody>
+      </p:sp>
+      <p:sp>
+        <p:nvSpPr>
+          <p:cNvPr id="17" name="TextBox 16"/>
+          <p:cNvSpPr txBox="1"/>
+          <p:nvPr/>
+        </p:nvSpPr>
+        <p:spPr>
+          <a:xfrm>
+            <a:off x="777240" y="4389120"/>
+            <a:ext cx="4343400" cy="320040"/>
+          </a:xfrm>
+          <a:prstGeom prst="rect">
+            <a:avLst/>
+          </a:prstGeom>
+          <a:noFill/>
+        </p:spPr>
+        <p:txBody>
+          <a:bodyPr wrap="square">
+            <a:spAutoFit/>
+          </a:bodyPr>
+          <a:lstStyle/>
+          <a:p>
+            <a:pPr algn="l">
+              <a:defRPr sz="1400" b="0">
+                <a:solidFill>
+                  <a:srgbClr val="282828"/>
+                </a:solidFill>
+              </a:defRPr>
+            </a:pPr>
+            <a:r>
+              <a:t>Seuil de rentabilité : N entre 20K et 40K</a:t>
+            </a:r>
+          </a:p>
+        </p:txBody>
+      </p:sp>
+      <p:sp>
+        <p:nvSpPr>
+          <p:cNvPr id="18" name="Rounded Rectangle 17"/>
+          <p:cNvSpPr/>
+          <p:nvPr/>
+        </p:nvSpPr>
+        <p:spPr>
+          <a:xfrm>
+            <a:off x="5120640" y="1234440"/>
+            <a:ext cx="3749039" cy="3931920"/>
+          </a:xfrm>
+          <a:prstGeom prst="roundRect">
+            <a:avLst/>
+          </a:prstGeom>
+          <a:solidFill>
+            <a:srgbClr val="F0EEEB"/>
+          </a:solidFill>
+          <a:ln w="19050">
+            <a:solidFill>
+              <a:srgbClr val="FF6B35"/>
+            </a:solidFill>
+          </a:ln>
+        </p:spPr>
+        <p:style>
+          <a:lnRef idx="1">
+            <a:schemeClr val="accent1"/>
+          </a:lnRef>
+          <a:fillRef idx="3">
+            <a:schemeClr val="accent1"/>
+          </a:fillRef>
+          <a:effectRef idx="2">
+            <a:schemeClr val="accent1"/>
+          </a:effectRef>
+          <a:fontRef idx="minor">
+            <a:schemeClr val="lt1"/>
+          </a:fontRef>
+        </p:style>
+        <p:txBody>
+          <a:bodyPr rtlCol="0" anchor="ctr"/>
+          <a:lstStyle/>
+          <a:p>
+            <a:pPr algn="ctr"/>
+          </a:p>
+        </p:txBody>
+      </p:sp>
+      <p:sp>
+        <p:nvSpPr>
+          <p:cNvPr id="19" name="TextBox 18"/>
+          <p:cNvSpPr txBox="1"/>
+          <p:nvPr/>
+        </p:nvSpPr>
+        <p:spPr>
+          <a:xfrm>
+            <a:off x="5303520" y="1371600"/>
+            <a:ext cx="3383280" cy="365760"/>
+          </a:xfrm>
+          <a:prstGeom prst="rect">
+            <a:avLst/>
+          </a:prstGeom>
+          <a:noFill/>
+        </p:spPr>
+        <p:txBody>
+          <a:bodyPr wrap="square">
+            <a:spAutoFit/>
+          </a:bodyPr>
+          <a:lstStyle/>
+          <a:p>
             <a:pPr algn="ctr">
               <a:defRPr sz="2000" b="1">
                 <a:solidFill>
-                  <a:srgbClr val="1B3A5C"/>
+                  <a:srgbClr val="143440"/>
                 </a:solidFill>
               </a:defRPr>
             </a:pPr>
             <a:r>
-              <a:t>Analogie</a:t>
-            </a:r>
-          </a:p>
-        </p:txBody>
-      </p:sp>
-      <p:sp>
-        <p:nvSpPr>
-          <p:cNvPr id="8" name="TextBox 7"/>
+              <a:t>Explication</a:t>
+            </a:r>
+          </a:p>
+        </p:txBody>
+      </p:sp>
+      <p:sp>
+        <p:nvSpPr>
+          <p:cNvPr id="20" name="TextBox 19"/>
           <p:cNvSpPr txBox="1"/>
           <p:nvPr/>
         </p:nvSpPr>
         <p:spPr>
           <a:xfrm>
-            <a:off x="6583680" y="2377440"/>
-            <a:ext cx="4572000" cy="3657600"/>
+            <a:off x="5303520" y="1828800"/>
+            <a:ext cx="3383280" cy="3200400"/>
           </a:xfrm>
           <a:prstGeom prst="rect">
             <a:avLst/>
@@ -6427,9 +8521,9 @@
           <a:lstStyle/>
           <a:p>
             <a:pPr algn="l">
-              <a:defRPr sz="1500" b="0">
+              <a:defRPr sz="1300" b="0">
                 <a:solidFill>
-                  <a:srgbClr val="2C3E50"/>
+                  <a:srgbClr val="282828"/>
                 </a:solidFill>
               </a:defRPr>
             </a:pPr>
@@ -6442,11 +8536,7 @@
             </a:r>
             <a:br/>
             <a:r>
-              <a:t>  = plus de temps à se coordonner</a:t>
-            </a:r>
-            <a:br/>
-            <a:r>
-              <a:t>    qu'à cuisiner</a:t>
+              <a:t>  = coordination &gt; cuisine</a:t>
             </a:r>
             <a:br/>
             <a:br/>
@@ -6459,20 +8549,20 @@
             </a:r>
             <a:br/>
             <a:r>
-              <a:t>  = chacun est occupé à cuisiner,</a:t>
-            </a:r>
-            <a:br/>
-            <a:r>
-              <a:t>    la coordination est négligeable</a:t>
+              <a:t>  = coordination négligeable</a:t>
             </a:r>
             <a:br/>
             <a:br/>
             <a:r>
-              <a:t>Calcul : O(N³)    Communication : O(N²)</a:t>
+              <a:t>Calcul : O(N³)</a:t>
             </a:r>
             <a:br/>
             <a:r>
-              <a:t>Grand N → calcul domine → meilleure efficacité</a:t>
+              <a:t>Communication : O(N²)</a:t>
+            </a:r>
+            <a:br/>
+            <a:r>
+              <a:t>Grand N → calcul domine</a:t>
             </a:r>
           </a:p>
         </p:txBody>
@@ -6488,14 +8578,6 @@
 <file path=ppt/slides/slide7.xml><?xml version="1.0" encoding="utf-8"?>
 <p:sld xmlns:a="http://schemas.openxmlformats.org/drawingml/2006/main" xmlns:p="http://schemas.openxmlformats.org/presentationml/2006/main" xmlns:r="http://schemas.openxmlformats.org/officeDocument/2006/relationships">
   <p:cSld>
-    <p:bg>
-      <p:bgPr>
-        <a:solidFill>
-          <a:srgbClr val="FFFFFF"/>
-        </a:solidFill>
-        <a:effectLst/>
-      </p:bgPr>
-    </p:bg>
     <p:spTree>
       <p:nvGrpSpPr>
         <p:cNvPr id="1" name=""/>
@@ -6512,13 +8594,13 @@
         <p:spPr>
           <a:xfrm>
             <a:off x="0" y="0"/>
-            <a:ext cx="12191695" cy="1188720"/>
+            <a:ext cx="9144000" cy="6858000"/>
           </a:xfrm>
           <a:prstGeom prst="rect">
             <a:avLst/>
           </a:prstGeom>
           <a:solidFill>
-            <a:srgbClr val="1B3A5C"/>
+            <a:srgbClr val="FAF8F5"/>
           </a:solidFill>
           <a:ln>
             <a:noFill/>
@@ -6539,25 +8621,137 @@
           </a:fontRef>
         </p:style>
         <p:txBody>
-          <a:bodyPr rtlCol="0" anchor="ctr" wrap="square" lIns="731520"/>
+          <a:bodyPr rtlCol="0" anchor="ctr"/>
+          <a:lstStyle/>
+          <a:p>
+            <a:pPr algn="ctr"/>
+          </a:p>
+        </p:txBody>
+      </p:sp>
+      <p:sp>
+        <p:nvSpPr>
+          <p:cNvPr id="3" name="Rectangle 2"/>
+          <p:cNvSpPr/>
+          <p:nvPr/>
+        </p:nvSpPr>
+        <p:spPr>
+          <a:xfrm>
+            <a:off x="0" y="0"/>
+            <a:ext cx="73152" cy="6858000"/>
+          </a:xfrm>
+          <a:prstGeom prst="rect">
+            <a:avLst/>
+          </a:prstGeom>
+          <a:solidFill>
+            <a:srgbClr val="FF6B35"/>
+          </a:solidFill>
+          <a:ln>
+            <a:noFill/>
+          </a:ln>
+        </p:spPr>
+        <p:style>
+          <a:lnRef idx="1">
+            <a:schemeClr val="accent1"/>
+          </a:lnRef>
+          <a:fillRef idx="3">
+            <a:schemeClr val="accent1"/>
+          </a:fillRef>
+          <a:effectRef idx="2">
+            <a:schemeClr val="accent1"/>
+          </a:effectRef>
+          <a:fontRef idx="minor">
+            <a:schemeClr val="lt1"/>
+          </a:fontRef>
+        </p:style>
+        <p:txBody>
+          <a:bodyPr rtlCol="0" anchor="ctr"/>
+          <a:lstStyle/>
+          <a:p>
+            <a:pPr algn="ctr"/>
+          </a:p>
+        </p:txBody>
+      </p:sp>
+      <p:sp>
+        <p:nvSpPr>
+          <p:cNvPr id="4" name="TextBox 3"/>
+          <p:cNvSpPr txBox="1"/>
+          <p:nvPr/>
+        </p:nvSpPr>
+        <p:spPr>
+          <a:xfrm>
+            <a:off x="548640" y="137160"/>
+            <a:ext cx="7772400" cy="640080"/>
+          </a:xfrm>
+          <a:prstGeom prst="rect">
+            <a:avLst/>
+          </a:prstGeom>
+          <a:noFill/>
+        </p:spPr>
+        <p:txBody>
+          <a:bodyPr wrap="square">
+            <a:spAutoFit/>
+          </a:bodyPr>
           <a:lstStyle/>
           <a:p>
             <a:pPr algn="l">
-              <a:defRPr sz="3200" b="1">
+              <a:defRPr sz="4200" b="1">
                 <a:solidFill>
-                  <a:srgbClr val="FFFFFF"/>
+                  <a:srgbClr val="143440"/>
                 </a:solidFill>
               </a:defRPr>
             </a:pPr>
             <a:r>
-              <a:t>Comparaison architecturale : A100 vs H100</a:t>
-            </a:r>
+              <a:t>Comparaison A100 vs H100</a:t>
+            </a:r>
+          </a:p>
+        </p:txBody>
+      </p:sp>
+      <p:sp>
+        <p:nvSpPr>
+          <p:cNvPr id="5" name="Rectangle 4"/>
+          <p:cNvSpPr/>
+          <p:nvPr/>
+        </p:nvSpPr>
+        <p:spPr>
+          <a:xfrm>
+            <a:off x="0" y="868680"/>
+            <a:ext cx="2286000" cy="137160"/>
+          </a:xfrm>
+          <a:prstGeom prst="rect">
+            <a:avLst/>
+          </a:prstGeom>
+          <a:solidFill>
+            <a:srgbClr val="FF6B35"/>
+          </a:solidFill>
+          <a:ln>
+            <a:noFill/>
+          </a:ln>
+        </p:spPr>
+        <p:style>
+          <a:lnRef idx="1">
+            <a:schemeClr val="accent1"/>
+          </a:lnRef>
+          <a:fillRef idx="3">
+            <a:schemeClr val="accent1"/>
+          </a:fillRef>
+          <a:effectRef idx="2">
+            <a:schemeClr val="accent1"/>
+          </a:effectRef>
+          <a:fontRef idx="minor">
+            <a:schemeClr val="lt1"/>
+          </a:fontRef>
+        </p:style>
+        <p:txBody>
+          <a:bodyPr rtlCol="0" anchor="ctr"/>
+          <a:lstStyle/>
+          <a:p>
+            <a:pPr algn="ctr"/>
           </a:p>
         </p:txBody>
       </p:sp>
       <p:pic>
         <p:nvPicPr>
-          <p:cNvPr id="3" name="Picture 2" descr="a100-h100-hpl.png"/>
+          <p:cNvPr id="6" name="Picture 5" descr="a100-h100-hpl.png"/>
           <p:cNvPicPr>
             <a:picLocks noChangeAspect="1"/>
           </p:cNvPicPr>
@@ -6571,8 +8765,8 @@
         </p:blipFill>
         <p:spPr>
           <a:xfrm>
-            <a:off x="274320" y="1371600"/>
-            <a:ext cx="5943600" cy="3451426"/>
+            <a:off x="274320" y="1143000"/>
+            <a:ext cx="4754880" cy="2761141"/>
           </a:xfrm>
           <a:prstGeom prst="rect">
             <a:avLst/>
@@ -6581,15 +8775,15 @@
       </p:pic>
       <p:graphicFrame>
         <p:nvGraphicFramePr>
-          <p:cNvPr id="4" name="Table 3"/>
+          <p:cNvPr id="7" name="Table 6"/>
           <p:cNvGraphicFramePr>
             <a:graphicFrameLocks noGrp="1"/>
           </p:cNvGraphicFramePr>
           <p:nvPr/>
         </p:nvGraphicFramePr>
         <p:xfrm>
-          <a:off x="6400800" y="1371600"/>
-          <a:ext cx="5303520" cy="2926080"/>
+          <a:off x="5120640" y="1143000"/>
+          <a:ext cx="3749039" cy="2560320"/>
         </p:xfrm>
         <a:graphic>
           <a:graphicData uri="http://schemas.openxmlformats.org/drawingml/2006/table">
@@ -6598,19 +8792,19 @@
                 <a:tableStyleId>{5C22544A-7EE6-4342-B048-85BDC9FD1C3A}</a:tableStyleId>
               </a:tblPr>
               <a:tblGrid>
-                <a:gridCol w="1325880"/>
-                <a:gridCol w="1325880"/>
-                <a:gridCol w="1325880"/>
-                <a:gridCol w="1325880"/>
+                <a:gridCol w="937259"/>
+                <a:gridCol w="937259"/>
+                <a:gridCol w="937259"/>
+                <a:gridCol w="937262"/>
               </a:tblGrid>
-              <a:tr h="487680">
-                <a:tc>
-                  <a:txBody>
-                    <a:bodyPr/>
-                    <a:lstStyle/>
-                    <a:p>
-                      <a:pPr algn="ctr">
-                        <a:defRPr sz="1400" b="1">
+              <a:tr h="426720">
+                <a:tc>
+                  <a:txBody>
+                    <a:bodyPr/>
+                    <a:lstStyle/>
+                    <a:p>
+                      <a:pPr algn="ctr">
+                        <a:defRPr sz="1300" b="1">
                           <a:solidFill>
                             <a:srgbClr val="FFFFFF"/>
                           </a:solidFill>
@@ -6623,7 +8817,7 @@
                   </a:txBody>
                   <a:tcPr>
                     <a:solidFill>
-                      <a:srgbClr val="1B3A5C"/>
+                      <a:srgbClr val="143440"/>
                     </a:solidFill>
                   </a:tcPr>
                 </a:tc>
@@ -6633,7 +8827,7 @@
                     <a:lstStyle/>
                     <a:p>
                       <a:pPr algn="ctr">
-                        <a:defRPr sz="1400" b="1">
+                        <a:defRPr sz="1300" b="1">
                           <a:solidFill>
                             <a:srgbClr val="FFFFFF"/>
                           </a:solidFill>
@@ -6646,7 +8840,7 @@
                   </a:txBody>
                   <a:tcPr>
                     <a:solidFill>
-                      <a:srgbClr val="1B3A5C"/>
+                      <a:srgbClr val="143440"/>
                     </a:solidFill>
                   </a:tcPr>
                 </a:tc>
@@ -6656,7 +8850,7 @@
                     <a:lstStyle/>
                     <a:p>
                       <a:pPr algn="ctr">
-                        <a:defRPr sz="1400" b="1">
+                        <a:defRPr sz="1300" b="1">
                           <a:solidFill>
                             <a:srgbClr val="FFFFFF"/>
                           </a:solidFill>
@@ -6669,7 +8863,7 @@
                   </a:txBody>
                   <a:tcPr>
                     <a:solidFill>
-                      <a:srgbClr val="1B3A5C"/>
+                      <a:srgbClr val="143440"/>
                     </a:solidFill>
                   </a:tcPr>
                 </a:tc>
@@ -6679,7 +8873,7 @@
                     <a:lstStyle/>
                     <a:p>
                       <a:pPr algn="ctr">
-                        <a:defRPr sz="1400" b="1">
+                        <a:defRPr sz="1300" b="1">
                           <a:solidFill>
                             <a:srgbClr val="FFFFFF"/>
                           </a:solidFill>
@@ -6692,19 +8886,23 @@
                   </a:txBody>
                   <a:tcPr>
                     <a:solidFill>
-                      <a:srgbClr val="1B3A5C"/>
+                      <a:srgbClr val="143440"/>
                     </a:solidFill>
                   </a:tcPr>
                 </a:tc>
               </a:tr>
-              <a:tr h="487680">
-                <a:tc>
-                  <a:txBody>
-                    <a:bodyPr/>
-                    <a:lstStyle/>
-                    <a:p>
-                      <a:pPr algn="ctr">
-                        <a:defRPr sz="1400"/>
+              <a:tr h="426720">
+                <a:tc>
+                  <a:txBody>
+                    <a:bodyPr/>
+                    <a:lstStyle/>
+                    <a:p>
+                      <a:pPr algn="ctr">
+                        <a:defRPr sz="1300">
+                          <a:solidFill>
+                            <a:srgbClr val="282828"/>
+                          </a:solidFill>
+                        </a:defRPr>
                       </a:pPr>
                       <a:r>
                         <a:t>20K</a:t>
@@ -6719,7 +8917,11 @@
                     <a:lstStyle/>
                     <a:p>
                       <a:pPr algn="ctr">
-                        <a:defRPr sz="1400"/>
+                        <a:defRPr sz="1300">
+                          <a:solidFill>
+                            <a:srgbClr val="282828"/>
+                          </a:solidFill>
+                        </a:defRPr>
                       </a:pPr>
                       <a:r>
                         <a:t>9 731</a:t>
@@ -6734,7 +8936,11 @@
                     <a:lstStyle/>
                     <a:p>
                       <a:pPr algn="ctr">
-                        <a:defRPr sz="1400"/>
+                        <a:defRPr sz="1300">
+                          <a:solidFill>
+                            <a:srgbClr val="282828"/>
+                          </a:solidFill>
+                        </a:defRPr>
                       </a:pPr>
                       <a:r>
                         <a:t>16 130</a:t>
@@ -6749,7 +8955,11 @@
                     <a:lstStyle/>
                     <a:p>
                       <a:pPr algn="ctr">
-                        <a:defRPr sz="1400"/>
+                        <a:defRPr sz="1300">
+                          <a:solidFill>
+                            <a:srgbClr val="282828"/>
+                          </a:solidFill>
+                        </a:defRPr>
                       </a:pPr>
                       <a:r>
                         <a:t>1,66x</a:t>
@@ -6759,14 +8969,18 @@
                   <a:tcPr/>
                 </a:tc>
               </a:tr>
-              <a:tr h="487680">
-                <a:tc>
-                  <a:txBody>
-                    <a:bodyPr/>
-                    <a:lstStyle/>
-                    <a:p>
-                      <a:pPr algn="ctr">
-                        <a:defRPr sz="1400"/>
+              <a:tr h="426720">
+                <a:tc>
+                  <a:txBody>
+                    <a:bodyPr/>
+                    <a:lstStyle/>
+                    <a:p>
+                      <a:pPr algn="ctr">
+                        <a:defRPr sz="1300">
+                          <a:solidFill>
+                            <a:srgbClr val="282828"/>
+                          </a:solidFill>
+                        </a:defRPr>
                       </a:pPr>
                       <a:r>
                         <a:t>40K</a:t>
@@ -6775,7 +8989,7 @@
                   </a:txBody>
                   <a:tcPr>
                     <a:solidFill>
-                      <a:srgbClr val="F2F3F4"/>
+                      <a:srgbClr val="F0EEEB"/>
                     </a:solidFill>
                   </a:tcPr>
                 </a:tc>
@@ -6785,7 +8999,11 @@
                     <a:lstStyle/>
                     <a:p>
                       <a:pPr algn="ctr">
-                        <a:defRPr sz="1400"/>
+                        <a:defRPr sz="1300">
+                          <a:solidFill>
+                            <a:srgbClr val="282828"/>
+                          </a:solidFill>
+                        </a:defRPr>
                       </a:pPr>
                       <a:r>
                         <a:t>15 890</a:t>
@@ -6794,7 +9012,7 @@
                   </a:txBody>
                   <a:tcPr>
                     <a:solidFill>
-                      <a:srgbClr val="F2F3F4"/>
+                      <a:srgbClr val="F0EEEB"/>
                     </a:solidFill>
                   </a:tcPr>
                 </a:tc>
@@ -6804,7 +9022,11 @@
                     <a:lstStyle/>
                     <a:p>
                       <a:pPr algn="ctr">
-                        <a:defRPr sz="1400"/>
+                        <a:defRPr sz="1300">
+                          <a:solidFill>
+                            <a:srgbClr val="282828"/>
+                          </a:solidFill>
+                        </a:defRPr>
                       </a:pPr>
                       <a:r>
                         <a:t>35 760</a:t>
@@ -6813,7 +9035,7 @@
                   </a:txBody>
                   <a:tcPr>
                     <a:solidFill>
-                      <a:srgbClr val="F2F3F4"/>
+                      <a:srgbClr val="F0EEEB"/>
                     </a:solidFill>
                   </a:tcPr>
                 </a:tc>
@@ -6823,7 +9045,11 @@
                     <a:lstStyle/>
                     <a:p>
                       <a:pPr algn="ctr">
-                        <a:defRPr sz="1400"/>
+                        <a:defRPr sz="1300">
+                          <a:solidFill>
+                            <a:srgbClr val="282828"/>
+                          </a:solidFill>
+                        </a:defRPr>
                       </a:pPr>
                       <a:r>
                         <a:t>2,25x</a:t>
@@ -6832,19 +9058,23 @@
                   </a:txBody>
                   <a:tcPr>
                     <a:solidFill>
-                      <a:srgbClr val="F2F3F4"/>
+                      <a:srgbClr val="F0EEEB"/>
                     </a:solidFill>
                   </a:tcPr>
                 </a:tc>
               </a:tr>
-              <a:tr h="487680">
-                <a:tc>
-                  <a:txBody>
-                    <a:bodyPr/>
-                    <a:lstStyle/>
-                    <a:p>
-                      <a:pPr algn="ctr">
-                        <a:defRPr sz="1400"/>
+              <a:tr h="426720">
+                <a:tc>
+                  <a:txBody>
+                    <a:bodyPr/>
+                    <a:lstStyle/>
+                    <a:p>
+                      <a:pPr algn="ctr">
+                        <a:defRPr sz="1300">
+                          <a:solidFill>
+                            <a:srgbClr val="282828"/>
+                          </a:solidFill>
+                        </a:defRPr>
                       </a:pPr>
                       <a:r>
                         <a:t>60K</a:t>
@@ -6859,7 +9089,11 @@
                     <a:lstStyle/>
                     <a:p>
                       <a:pPr algn="ctr">
-                        <a:defRPr sz="1400"/>
+                        <a:defRPr sz="1300">
+                          <a:solidFill>
+                            <a:srgbClr val="282828"/>
+                          </a:solidFill>
+                        </a:defRPr>
                       </a:pPr>
                       <a:r>
                         <a:t>17 150</a:t>
@@ -6874,7 +9108,11 @@
                     <a:lstStyle/>
                     <a:p>
                       <a:pPr algn="ctr">
-                        <a:defRPr sz="1400"/>
+                        <a:defRPr sz="1300">
+                          <a:solidFill>
+                            <a:srgbClr val="282828"/>
+                          </a:solidFill>
+                        </a:defRPr>
                       </a:pPr>
                       <a:r>
                         <a:t>41 760</a:t>
@@ -6889,7 +9127,11 @@
                     <a:lstStyle/>
                     <a:p>
                       <a:pPr algn="ctr">
-                        <a:defRPr sz="1400"/>
+                        <a:defRPr sz="1300">
+                          <a:solidFill>
+                            <a:srgbClr val="282828"/>
+                          </a:solidFill>
+                        </a:defRPr>
                       </a:pPr>
                       <a:r>
                         <a:t>2,43x</a:t>
@@ -6899,14 +9141,18 @@
                   <a:tcPr/>
                 </a:tc>
               </a:tr>
-              <a:tr h="487680">
-                <a:tc>
-                  <a:txBody>
-                    <a:bodyPr/>
-                    <a:lstStyle/>
-                    <a:p>
-                      <a:pPr algn="ctr">
-                        <a:defRPr sz="1400"/>
+              <a:tr h="426720">
+                <a:tc>
+                  <a:txBody>
+                    <a:bodyPr/>
+                    <a:lstStyle/>
+                    <a:p>
+                      <a:pPr algn="ctr">
+                        <a:defRPr sz="1300">
+                          <a:solidFill>
+                            <a:srgbClr val="282828"/>
+                          </a:solidFill>
+                        </a:defRPr>
                       </a:pPr>
                       <a:r>
                         <a:t>80K</a:t>
@@ -6915,7 +9161,7 @@
                   </a:txBody>
                   <a:tcPr>
                     <a:solidFill>
-                      <a:srgbClr val="F2F3F4"/>
+                      <a:srgbClr val="F0EEEB"/>
                     </a:solidFill>
                   </a:tcPr>
                 </a:tc>
@@ -6925,7 +9171,11 @@
                     <a:lstStyle/>
                     <a:p>
                       <a:pPr algn="ctr">
-                        <a:defRPr sz="1400"/>
+                        <a:defRPr sz="1300">
+                          <a:solidFill>
+                            <a:srgbClr val="282828"/>
+                          </a:solidFill>
+                        </a:defRPr>
                       </a:pPr>
                       <a:r>
                         <a:t>17 600</a:t>
@@ -6934,7 +9184,7 @@
                   </a:txBody>
                   <a:tcPr>
                     <a:solidFill>
-                      <a:srgbClr val="F2F3F4"/>
+                      <a:srgbClr val="F0EEEB"/>
                     </a:solidFill>
                   </a:tcPr>
                 </a:tc>
@@ -6944,7 +9194,11 @@
                     <a:lstStyle/>
                     <a:p>
                       <a:pPr algn="ctr">
-                        <a:defRPr sz="1400"/>
+                        <a:defRPr sz="1300">
+                          <a:solidFill>
+                            <a:srgbClr val="282828"/>
+                          </a:solidFill>
+                        </a:defRPr>
                       </a:pPr>
                       <a:r>
                         <a:t>44 130</a:t>
@@ -6953,7 +9207,7 @@
                   </a:txBody>
                   <a:tcPr>
                     <a:solidFill>
-                      <a:srgbClr val="F2F3F4"/>
+                      <a:srgbClr val="F0EEEB"/>
                     </a:solidFill>
                   </a:tcPr>
                 </a:tc>
@@ -6963,7 +9217,11 @@
                     <a:lstStyle/>
                     <a:p>
                       <a:pPr algn="ctr">
-                        <a:defRPr sz="1400"/>
+                        <a:defRPr sz="1300">
+                          <a:solidFill>
+                            <a:srgbClr val="282828"/>
+                          </a:solidFill>
+                        </a:defRPr>
                       </a:pPr>
                       <a:r>
                         <a:t>2,51x</a:t>
@@ -6972,19 +9230,23 @@
                   </a:txBody>
                   <a:tcPr>
                     <a:solidFill>
-                      <a:srgbClr val="F2F3F4"/>
+                      <a:srgbClr val="F0EEEB"/>
                     </a:solidFill>
                   </a:tcPr>
                 </a:tc>
               </a:tr>
-              <a:tr h="487680">
-                <a:tc>
-                  <a:txBody>
-                    <a:bodyPr/>
-                    <a:lstStyle/>
-                    <a:p>
-                      <a:pPr algn="ctr">
-                        <a:defRPr sz="1400"/>
+              <a:tr h="426720">
+                <a:tc>
+                  <a:txBody>
+                    <a:bodyPr/>
+                    <a:lstStyle/>
+                    <a:p>
+                      <a:pPr algn="ctr">
+                        <a:defRPr sz="1300">
+                          <a:solidFill>
+                            <a:srgbClr val="282828"/>
+                          </a:solidFill>
+                        </a:defRPr>
                       </a:pPr>
                       <a:r>
                         <a:t>100K</a:t>
@@ -6999,7 +9261,11 @@
                     <a:lstStyle/>
                     <a:p>
                       <a:pPr algn="ctr">
-                        <a:defRPr sz="1400"/>
+                        <a:defRPr sz="1300">
+                          <a:solidFill>
+                            <a:srgbClr val="282828"/>
+                          </a:solidFill>
+                        </a:defRPr>
                       </a:pPr>
                       <a:r>
                         <a:t>17 860</a:t>
@@ -7014,7 +9280,11 @@
                     <a:lstStyle/>
                     <a:p>
                       <a:pPr algn="ctr">
-                        <a:defRPr sz="1400"/>
+                        <a:defRPr sz="1300">
+                          <a:solidFill>
+                            <a:srgbClr val="282828"/>
+                          </a:solidFill>
+                        </a:defRPr>
                       </a:pPr>
                       <a:r>
                         <a:t>45 110</a:t>
@@ -7029,7 +9299,11 @@
                     <a:lstStyle/>
                     <a:p>
                       <a:pPr algn="ctr">
-                        <a:defRPr sz="1400"/>
+                        <a:defRPr sz="1300">
+                          <a:solidFill>
+                            <a:srgbClr val="282828"/>
+                          </a:solidFill>
+                        </a:defRPr>
                       </a:pPr>
                       <a:r>
                         <a:t>2,53x</a:t>
@@ -7045,24 +9319,24 @@
       </p:graphicFrame>
       <p:sp>
         <p:nvSpPr>
-          <p:cNvPr id="5" name="Rounded Rectangle 4"/>
+          <p:cNvPr id="8" name="Rounded Rectangle 7"/>
           <p:cNvSpPr/>
           <p:nvPr/>
         </p:nvSpPr>
         <p:spPr>
           <a:xfrm>
-            <a:off x="6400800" y="4572000"/>
-            <a:ext cx="5303520" cy="1828800"/>
+            <a:off x="5120640" y="3931920"/>
+            <a:ext cx="3749039" cy="2286000"/>
           </a:xfrm>
           <a:prstGeom prst="roundRect">
             <a:avLst/>
           </a:prstGeom>
           <a:solidFill>
-            <a:srgbClr val="EBF5FB"/>
+            <a:srgbClr val="F0EEEB"/>
           </a:solidFill>
-          <a:ln>
+          <a:ln w="19050">
             <a:solidFill>
-              <a:srgbClr val="2E86C1"/>
+              <a:srgbClr val="FF6B35"/>
             </a:solidFill>
           </a:ln>
         </p:spPr>
@@ -7090,14 +9364,14 @@
       </p:sp>
       <p:sp>
         <p:nvSpPr>
-          <p:cNvPr id="6" name="TextBox 5"/>
+          <p:cNvPr id="9" name="TextBox 8"/>
           <p:cNvSpPr txBox="1"/>
           <p:nvPr/>
         </p:nvSpPr>
         <p:spPr>
           <a:xfrm>
-            <a:off x="6583680" y="4663440"/>
-            <a:ext cx="4937760" cy="1645920"/>
+            <a:off x="5303520" y="4069080"/>
+            <a:ext cx="3383280" cy="2011680"/>
           </a:xfrm>
           <a:prstGeom prst="rect">
             <a:avLst/>
@@ -7111,27 +9385,36 @@
           <a:lstStyle/>
           <a:p>
             <a:pPr algn="l">
-              <a:defRPr sz="1600" b="0">
+              <a:defRPr sz="1400" b="0">
                 <a:solidFill>
-                  <a:srgbClr val="1B3A5C"/>
+                  <a:srgbClr val="143440"/>
                 </a:solidFill>
               </a:defRPr>
             </a:pPr>
             <a:r>
-              <a:t>Ratio théorique : Peak H100 / Peak A100</a:t>
+              <a:t>Ratio théorique :</a:t>
             </a:r>
             <a:br/>
             <a:r>
-              <a:t>= 54 / 19,5 = 2,77x</a:t>
+              <a:t>  54 / 19,5 = 2,77x</a:t>
             </a:r>
             <a:br/>
             <a:br/>
             <a:r>
-              <a:t>Ratio mesuré (N=100K) : 2,53x</a:t>
+              <a:t>Ratio mesuré (N=100K) :</a:t>
             </a:r>
             <a:br/>
             <a:r>
-              <a:t>Écart : ~9% → lié à la différence d'efficacité (83% vs 92%)</a:t>
+              <a:t>  2,53x</a:t>
+            </a:r>
+            <a:br/>
+            <a:br/>
+            <a:r>
+              <a:t>Écart ~9% → dû à la différence</a:t>
+            </a:r>
+            <a:br/>
+            <a:r>
+              <a:t>d'efficacité (83% vs 92%)</a:t>
             </a:r>
           </a:p>
         </p:txBody>
@@ -7147,14 +9430,6 @@
 <file path=ppt/slides/slide8.xml><?xml version="1.0" encoding="utf-8"?>
 <p:sld xmlns:a="http://schemas.openxmlformats.org/drawingml/2006/main" xmlns:p="http://schemas.openxmlformats.org/presentationml/2006/main" xmlns:r="http://schemas.openxmlformats.org/officeDocument/2006/relationships">
   <p:cSld>
-    <p:bg>
-      <p:bgPr>
-        <a:solidFill>
-          <a:srgbClr val="FFFFFF"/>
-        </a:solidFill>
-        <a:effectLst/>
-      </p:bgPr>
-    </p:bg>
     <p:spTree>
       <p:nvGrpSpPr>
         <p:cNvPr id="1" name=""/>
@@ -7171,13 +9446,13 @@
         <p:spPr>
           <a:xfrm>
             <a:off x="0" y="0"/>
-            <a:ext cx="12191695" cy="1188720"/>
+            <a:ext cx="9144000" cy="6858000"/>
           </a:xfrm>
           <a:prstGeom prst="rect">
             <a:avLst/>
           </a:prstGeom>
           <a:solidFill>
-            <a:srgbClr val="1B3A5C"/>
+            <a:srgbClr val="FAF8F5"/>
           </a:solidFill>
           <a:ln>
             <a:noFill/>
@@ -7198,13 +9473,82 @@
           </a:fontRef>
         </p:style>
         <p:txBody>
-          <a:bodyPr rtlCol="0" anchor="ctr" wrap="square" lIns="731520"/>
+          <a:bodyPr rtlCol="0" anchor="ctr"/>
+          <a:lstStyle/>
+          <a:p>
+            <a:pPr algn="ctr"/>
+          </a:p>
+        </p:txBody>
+      </p:sp>
+      <p:sp>
+        <p:nvSpPr>
+          <p:cNvPr id="3" name="Rectangle 2"/>
+          <p:cNvSpPr/>
+          <p:nvPr/>
+        </p:nvSpPr>
+        <p:spPr>
+          <a:xfrm>
+            <a:off x="0" y="0"/>
+            <a:ext cx="73152" cy="6858000"/>
+          </a:xfrm>
+          <a:prstGeom prst="rect">
+            <a:avLst/>
+          </a:prstGeom>
+          <a:solidFill>
+            <a:srgbClr val="FF6B35"/>
+          </a:solidFill>
+          <a:ln>
+            <a:noFill/>
+          </a:ln>
+        </p:spPr>
+        <p:style>
+          <a:lnRef idx="1">
+            <a:schemeClr val="accent1"/>
+          </a:lnRef>
+          <a:fillRef idx="3">
+            <a:schemeClr val="accent1"/>
+          </a:fillRef>
+          <a:effectRef idx="2">
+            <a:schemeClr val="accent1"/>
+          </a:effectRef>
+          <a:fontRef idx="minor">
+            <a:schemeClr val="lt1"/>
+          </a:fontRef>
+        </p:style>
+        <p:txBody>
+          <a:bodyPr rtlCol="0" anchor="ctr"/>
+          <a:lstStyle/>
+          <a:p>
+            <a:pPr algn="ctr"/>
+          </a:p>
+        </p:txBody>
+      </p:sp>
+      <p:sp>
+        <p:nvSpPr>
+          <p:cNvPr id="4" name="TextBox 3"/>
+          <p:cNvSpPr txBox="1"/>
+          <p:nvPr/>
+        </p:nvSpPr>
+        <p:spPr>
+          <a:xfrm>
+            <a:off x="548640" y="137160"/>
+            <a:ext cx="7772400" cy="640080"/>
+          </a:xfrm>
+          <a:prstGeom prst="rect">
+            <a:avLst/>
+          </a:prstGeom>
+          <a:noFill/>
+        </p:spPr>
+        <p:txBody>
+          <a:bodyPr wrap="square">
+            <a:spAutoFit/>
+          </a:bodyPr>
           <a:lstStyle/>
           <a:p>
             <a:pPr algn="l">
-              <a:defRPr sz="3200" b="1">
+              <a:defRPr sz="4200" b="1">
                 <a:solidFill>
-                  <a:srgbClr val="FFFFFF"/>
+                  <a:srgbClr val="143440"/>
                 </a:solidFill>
               </a:defRPr>
             </a:pPr>
@@ -7214,17 +9558,60 @@
           </a:p>
         </p:txBody>
       </p:sp>
+      <p:sp>
+        <p:nvSpPr>
+          <p:cNvPr id="5" name="Rectangle 4"/>
+          <p:cNvSpPr/>
+          <p:nvPr/>
+        </p:nvSpPr>
+        <p:spPr>
+          <a:xfrm>
+            <a:off x="0" y="868680"/>
+            <a:ext cx="2286000" cy="137160"/>
+          </a:xfrm>
+          <a:prstGeom prst="rect">
+            <a:avLst/>
+          </a:prstGeom>
+          <a:solidFill>
+            <a:srgbClr val="FF6B35"/>
+          </a:solidFill>
+          <a:ln>
+            <a:noFill/>
+          </a:ln>
+        </p:spPr>
+        <p:style>
+          <a:lnRef idx="1">
+            <a:schemeClr val="accent1"/>
+          </a:lnRef>
+          <a:fillRef idx="3">
+            <a:schemeClr val="accent1"/>
+          </a:fillRef>
+          <a:effectRef idx="2">
+            <a:schemeClr val="accent1"/>
+          </a:effectRef>
+          <a:fontRef idx="minor">
+            <a:schemeClr val="lt1"/>
+          </a:fontRef>
+        </p:style>
+        <p:txBody>
+          <a:bodyPr rtlCol="0" anchor="ctr"/>
+          <a:lstStyle/>
+          <a:p>
+            <a:pPr algn="ctr"/>
+          </a:p>
+        </p:txBody>
+      </p:sp>
       <p:graphicFrame>
         <p:nvGraphicFramePr>
-          <p:cNvPr id="3" name="Table 2"/>
+          <p:cNvPr id="6" name="Table 5"/>
           <p:cNvGraphicFramePr>
             <a:graphicFrameLocks noGrp="1"/>
           </p:cNvGraphicFramePr>
           <p:nvPr/>
         </p:nvGraphicFramePr>
         <p:xfrm>
-          <a:off x="457200" y="1463040"/>
-          <a:ext cx="6400800" cy="2743200"/>
+          <a:off x="365760" y="1143000"/>
+          <a:ext cx="8412480" cy="2286000"/>
         </p:xfrm>
         <a:graphic>
           <a:graphicData uri="http://schemas.openxmlformats.org/drawingml/2006/table">
@@ -7233,19 +9620,19 @@
                 <a:tableStyleId>{5C22544A-7EE6-4342-B048-85BDC9FD1C3A}</a:tableStyleId>
               </a:tblPr>
               <a:tblGrid>
-                <a:gridCol w="1600200"/>
-                <a:gridCol w="1600200"/>
-                <a:gridCol w="1600200"/>
-                <a:gridCol w="1600200"/>
+                <a:gridCol w="2103120"/>
+                <a:gridCol w="2103120"/>
+                <a:gridCol w="2103120"/>
+                <a:gridCol w="2103120"/>
               </a:tblGrid>
-              <a:tr h="548640">
-                <a:tc>
-                  <a:txBody>
-                    <a:bodyPr/>
-                    <a:lstStyle/>
-                    <a:p>
-                      <a:pPr algn="ctr">
-                        <a:defRPr sz="1400" b="1">
+              <a:tr h="457200">
+                <a:tc>
+                  <a:txBody>
+                    <a:bodyPr/>
+                    <a:lstStyle/>
+                    <a:p>
+                      <a:pPr algn="ctr">
+                        <a:defRPr sz="1300" b="1">
                           <a:solidFill>
                             <a:srgbClr val="FFFFFF"/>
                           </a:solidFill>
@@ -7258,7 +9645,7 @@
                   </a:txBody>
                   <a:tcPr>
                     <a:solidFill>
-                      <a:srgbClr val="1B3A5C"/>
+                      <a:srgbClr val="143440"/>
                     </a:solidFill>
                   </a:tcPr>
                 </a:tc>
@@ -7268,20 +9655,20 @@
                     <a:lstStyle/>
                     <a:p>
                       <a:pPr algn="ctr">
-                        <a:defRPr sz="1400" b="1">
+                        <a:defRPr sz="1300" b="1">
                           <a:solidFill>
                             <a:srgbClr val="FFFFFF"/>
                           </a:solidFill>
                         </a:defRPr>
                       </a:pPr>
                       <a:r>
-                        <a:t>Peak TC (TFLOPS)</a:t>
+                        <a:t>Peak (TFLOPS)</a:t>
                       </a:r>
                     </a:p>
                   </a:txBody>
                   <a:tcPr>
                     <a:solidFill>
-                      <a:srgbClr val="1B3A5C"/>
+                      <a:srgbClr val="143440"/>
                     </a:solidFill>
                   </a:tcPr>
                 </a:tc>
@@ -7291,7 +9678,7 @@
                     <a:lstStyle/>
                     <a:p>
                       <a:pPr algn="ctr">
-                        <a:defRPr sz="1400" b="1">
+                        <a:defRPr sz="1300" b="1">
                           <a:solidFill>
                             <a:srgbClr val="FFFFFF"/>
                           </a:solidFill>
@@ -7304,7 +9691,7 @@
                   </a:txBody>
                   <a:tcPr>
                     <a:solidFill>
-                      <a:srgbClr val="1B3A5C"/>
+                      <a:srgbClr val="143440"/>
                     </a:solidFill>
                   </a:tcPr>
                 </a:tc>
@@ -7314,7 +9701,7 @@
                     <a:lstStyle/>
                     <a:p>
                       <a:pPr algn="ctr">
-                        <a:defRPr sz="1400" b="1">
+                        <a:defRPr sz="1300" b="1">
                           <a:solidFill>
                             <a:srgbClr val="FFFFFF"/>
                           </a:solidFill>
@@ -7327,19 +9714,23 @@
                   </a:txBody>
                   <a:tcPr>
                     <a:solidFill>
-                      <a:srgbClr val="1B3A5C"/>
+                      <a:srgbClr val="143440"/>
                     </a:solidFill>
                   </a:tcPr>
                 </a:tc>
               </a:tr>
-              <a:tr h="548640">
-                <a:tc>
-                  <a:txBody>
-                    <a:bodyPr/>
-                    <a:lstStyle/>
-                    <a:p>
-                      <a:pPr algn="ctr">
-                        <a:defRPr sz="1400"/>
+              <a:tr h="457200">
+                <a:tc>
+                  <a:txBody>
+                    <a:bodyPr/>
+                    <a:lstStyle/>
+                    <a:p>
+                      <a:pPr algn="ctr">
+                        <a:defRPr sz="1300">
+                          <a:solidFill>
+                            <a:srgbClr val="282828"/>
+                          </a:solidFill>
+                        </a:defRPr>
                       </a:pPr>
                       <a:r>
                         <a:t>A100 (1 GPU)</a:t>
@@ -7354,7 +9745,11 @@
                     <a:lstStyle/>
                     <a:p>
                       <a:pPr algn="ctr">
-                        <a:defRPr sz="1400"/>
+                        <a:defRPr sz="1300">
+                          <a:solidFill>
+                            <a:srgbClr val="282828"/>
+                          </a:solidFill>
+                        </a:defRPr>
                       </a:pPr>
                       <a:r>
                         <a:t>19,5</a:t>
@@ -7369,7 +9764,11 @@
                     <a:lstStyle/>
                     <a:p>
                       <a:pPr algn="ctr">
-                        <a:defRPr sz="1400"/>
+                        <a:defRPr sz="1300">
+                          <a:solidFill>
+                            <a:srgbClr val="282828"/>
+                          </a:solidFill>
+                        </a:defRPr>
                       </a:pPr>
                       <a:r>
                         <a:t>17 860</a:t>
@@ -7384,7 +9783,11 @@
                     <a:lstStyle/>
                     <a:p>
                       <a:pPr algn="ctr">
-                        <a:defRPr sz="1400"/>
+                        <a:defRPr sz="1300">
+                          <a:solidFill>
+                            <a:srgbClr val="282828"/>
+                          </a:solidFill>
+                        </a:defRPr>
                       </a:pPr>
                       <a:r>
                         <a:t>91,7%</a:t>
@@ -7394,14 +9797,18 @@
                   <a:tcPr/>
                 </a:tc>
               </a:tr>
-              <a:tr h="548640">
-                <a:tc>
-                  <a:txBody>
-                    <a:bodyPr/>
-                    <a:lstStyle/>
-                    <a:p>
-                      <a:pPr algn="ctr">
-                        <a:defRPr sz="1400"/>
+              <a:tr h="457200">
+                <a:tc>
+                  <a:txBody>
+                    <a:bodyPr/>
+                    <a:lstStyle/>
+                    <a:p>
+                      <a:pPr algn="ctr">
+                        <a:defRPr sz="1300">
+                          <a:solidFill>
+                            <a:srgbClr val="282828"/>
+                          </a:solidFill>
+                        </a:defRPr>
                       </a:pPr>
                       <a:r>
                         <a:t>H100 (1 GPU)</a:t>
@@ -7410,7 +9817,7 @@
                   </a:txBody>
                   <a:tcPr>
                     <a:solidFill>
-                      <a:srgbClr val="F2F3F4"/>
+                      <a:srgbClr val="F0EEEB"/>
                     </a:solidFill>
                   </a:tcPr>
                 </a:tc>
@@ -7420,7 +9827,11 @@
                     <a:lstStyle/>
                     <a:p>
                       <a:pPr algn="ctr">
-                        <a:defRPr sz="1400"/>
+                        <a:defRPr sz="1300">
+                          <a:solidFill>
+                            <a:srgbClr val="282828"/>
+                          </a:solidFill>
+                        </a:defRPr>
                       </a:pPr>
                       <a:r>
                         <a:t>54,0</a:t>
@@ -7429,7 +9840,7 @@
                   </a:txBody>
                   <a:tcPr>
                     <a:solidFill>
-                      <a:srgbClr val="F2F3F4"/>
+                      <a:srgbClr val="F0EEEB"/>
                     </a:solidFill>
                   </a:tcPr>
                 </a:tc>
@@ -7439,7 +9850,11 @@
                     <a:lstStyle/>
                     <a:p>
                       <a:pPr algn="ctr">
-                        <a:defRPr sz="1400"/>
+                        <a:defRPr sz="1300">
+                          <a:solidFill>
+                            <a:srgbClr val="282828"/>
+                          </a:solidFill>
+                        </a:defRPr>
                       </a:pPr>
                       <a:r>
                         <a:t>45 110</a:t>
@@ -7448,7 +9863,7 @@
                   </a:txBody>
                   <a:tcPr>
                     <a:solidFill>
-                      <a:srgbClr val="F2F3F4"/>
+                      <a:srgbClr val="F0EEEB"/>
                     </a:solidFill>
                   </a:tcPr>
                 </a:tc>
@@ -7458,7 +9873,11 @@
                     <a:lstStyle/>
                     <a:p>
                       <a:pPr algn="ctr">
-                        <a:defRPr sz="1400"/>
+                        <a:defRPr sz="1300">
+                          <a:solidFill>
+                            <a:srgbClr val="282828"/>
+                          </a:solidFill>
+                        </a:defRPr>
                       </a:pPr>
                       <a:r>
                         <a:t>83,4%</a:t>
@@ -7467,19 +9886,23 @@
                   </a:txBody>
                   <a:tcPr>
                     <a:solidFill>
-                      <a:srgbClr val="F2F3F4"/>
+                      <a:srgbClr val="F0EEEB"/>
                     </a:solidFill>
                   </a:tcPr>
                 </a:tc>
               </a:tr>
-              <a:tr h="548640">
-                <a:tc>
-                  <a:txBody>
-                    <a:bodyPr/>
-                    <a:lstStyle/>
-                    <a:p>
-                      <a:pPr algn="ctr">
-                        <a:defRPr sz="1400"/>
+              <a:tr h="457200">
+                <a:tc>
+                  <a:txBody>
+                    <a:bodyPr/>
+                    <a:lstStyle/>
+                    <a:p>
+                      <a:pPr algn="ctr">
+                        <a:defRPr sz="1300">
+                          <a:solidFill>
+                            <a:srgbClr val="282828"/>
+                          </a:solidFill>
+                        </a:defRPr>
                       </a:pPr>
                       <a:r>
                         <a:t>A100 (2 GPUs)</a:t>
@@ -7494,7 +9917,11 @@
                     <a:lstStyle/>
                     <a:p>
                       <a:pPr algn="ctr">
-                        <a:defRPr sz="1400"/>
+                        <a:defRPr sz="1300">
+                          <a:solidFill>
+                            <a:srgbClr val="282828"/>
+                          </a:solidFill>
+                        </a:defRPr>
                       </a:pPr>
                       <a:r>
                         <a:t>39,0</a:t>
@@ -7509,7 +9936,11 @@
                     <a:lstStyle/>
                     <a:p>
                       <a:pPr algn="ctr">
-                        <a:defRPr sz="1400"/>
+                        <a:defRPr sz="1300">
+                          <a:solidFill>
+                            <a:srgbClr val="282828"/>
+                          </a:solidFill>
+                        </a:defRPr>
                       </a:pPr>
                       <a:r>
                         <a:t>34 720</a:t>
@@ -7524,7 +9955,11 @@
                     <a:lstStyle/>
                     <a:p>
                       <a:pPr algn="ctr">
-                        <a:defRPr sz="1400"/>
+                        <a:defRPr sz="1300">
+                          <a:solidFill>
+                            <a:srgbClr val="282828"/>
+                          </a:solidFill>
+                        </a:defRPr>
                       </a:pPr>
                       <a:r>
                         <a:t>89,0%</a:t>
@@ -7534,14 +9969,18 @@
                   <a:tcPr/>
                 </a:tc>
               </a:tr>
-              <a:tr h="548640">
-                <a:tc>
-                  <a:txBody>
-                    <a:bodyPr/>
-                    <a:lstStyle/>
-                    <a:p>
-                      <a:pPr algn="ctr">
-                        <a:defRPr sz="1400"/>
+              <a:tr h="457200">
+                <a:tc>
+                  <a:txBody>
+                    <a:bodyPr/>
+                    <a:lstStyle/>
+                    <a:p>
+                      <a:pPr algn="ctr">
+                        <a:defRPr sz="1300">
+                          <a:solidFill>
+                            <a:srgbClr val="282828"/>
+                          </a:solidFill>
+                        </a:defRPr>
                       </a:pPr>
                       <a:r>
                         <a:t>H100 (2 GPUs)</a:t>
@@ -7550,7 +9989,7 @@
                   </a:txBody>
                   <a:tcPr>
                     <a:solidFill>
-                      <a:srgbClr val="F2F3F4"/>
+                      <a:srgbClr val="F0EEEB"/>
                     </a:solidFill>
                   </a:tcPr>
                 </a:tc>
@@ -7560,7 +9999,11 @@
                     <a:lstStyle/>
                     <a:p>
                       <a:pPr algn="ctr">
-                        <a:defRPr sz="1400"/>
+                        <a:defRPr sz="1300">
+                          <a:solidFill>
+                            <a:srgbClr val="282828"/>
+                          </a:solidFill>
+                        </a:defRPr>
                       </a:pPr>
                       <a:r>
                         <a:t>108,0</a:t>
@@ -7569,7 +10012,7 @@
                   </a:txBody>
                   <a:tcPr>
                     <a:solidFill>
-                      <a:srgbClr val="F2F3F4"/>
+                      <a:srgbClr val="F0EEEB"/>
                     </a:solidFill>
                   </a:tcPr>
                 </a:tc>
@@ -7579,7 +10022,11 @@
                     <a:lstStyle/>
                     <a:p>
                       <a:pPr algn="ctr">
-                        <a:defRPr sz="1400"/>
+                        <a:defRPr sz="1300">
+                          <a:solidFill>
+                            <a:srgbClr val="282828"/>
+                          </a:solidFill>
+                        </a:defRPr>
                       </a:pPr>
                       <a:r>
                         <a:t>81 970</a:t>
@@ -7588,7 +10035,7 @@
                   </a:txBody>
                   <a:tcPr>
                     <a:solidFill>
-                      <a:srgbClr val="F2F3F4"/>
+                      <a:srgbClr val="F0EEEB"/>
                     </a:solidFill>
                   </a:tcPr>
                 </a:tc>
@@ -7598,7 +10045,11 @@
                     <a:lstStyle/>
                     <a:p>
                       <a:pPr algn="ctr">
-                        <a:defRPr sz="1400"/>
+                        <a:defRPr sz="1300">
+                          <a:solidFill>
+                            <a:srgbClr val="282828"/>
+                          </a:solidFill>
+                        </a:defRPr>
                       </a:pPr>
                       <a:r>
                         <a:t>75,8%</a:t>
@@ -7607,7 +10058,7 @@
                   </a:txBody>
                   <a:tcPr>
                     <a:solidFill>
-                      <a:srgbClr val="F2F3F4"/>
+                      <a:srgbClr val="F0EEEB"/>
                     </a:solidFill>
                   </a:tcPr>
                 </a:tc>
@@ -7618,14 +10069,14 @@
       </p:graphicFrame>
       <p:sp>
         <p:nvSpPr>
-          <p:cNvPr id="4" name="TextBox 3"/>
+          <p:cNvPr id="7" name="TextBox 6"/>
           <p:cNvSpPr txBox="1"/>
           <p:nvPr/>
         </p:nvSpPr>
         <p:spPr>
           <a:xfrm>
-            <a:off x="7315200" y="1463040"/>
-            <a:ext cx="4389120" cy="457200"/>
+            <a:off x="548640" y="3657600"/>
+            <a:ext cx="7315200" cy="411480"/>
           </a:xfrm>
           <a:prstGeom prst="rect">
             <a:avLst/>
@@ -7639,147 +10090,34 @@
           <a:lstStyle/>
           <a:p>
             <a:pPr algn="l">
-              <a:defRPr sz="2200" b="1">
+              <a:defRPr sz="2400" b="1">
                 <a:solidFill>
-                  <a:srgbClr val="1B3A5C"/>
+                  <a:srgbClr val="FF6B35"/>
                 </a:solidFill>
               </a:defRPr>
             </a:pPr>
             <a:r>
-              <a:t>Observations clés</a:t>
-            </a:r>
-          </a:p>
-        </p:txBody>
-      </p:sp>
-      <p:sp>
-        <p:nvSpPr>
-          <p:cNvPr id="5" name="TextBox 4"/>
-          <p:cNvSpPr txBox="1"/>
-          <p:nvPr/>
-        </p:nvSpPr>
-        <p:spPr>
-          <a:xfrm>
-            <a:off x="7315200" y="2103120"/>
-            <a:ext cx="4389120" cy="4114800"/>
-          </a:xfrm>
-          <a:prstGeom prst="rect">
-            <a:avLst/>
-          </a:prstGeom>
-          <a:noFill/>
-        </p:spPr>
-        <p:txBody>
-          <a:bodyPr wrap="square">
-            <a:spAutoFit/>
-          </a:bodyPr>
-          <a:lstStyle/>
-          <a:p>
-            <a:pPr>
-              <a:spcAft>
-                <a:spcPts val="800"/>
-              </a:spcAft>
-              <a:defRPr sz="1700">
-                <a:solidFill>
-                  <a:srgbClr val="2C3E50"/>
-                </a:solidFill>
-              </a:defRPr>
-            </a:pPr>
-            <a:r>
-              <a:t>Toutes les configs &gt; 80% d'efficacité</a:t>
-            </a:r>
-          </a:p>
-          <a:p>
-            <a:pPr>
-              <a:spcAft>
-                <a:spcPts val="800"/>
-              </a:spcAft>
-              <a:defRPr sz="1700">
-                <a:solidFill>
-                  <a:srgbClr val="2C3E50"/>
-                </a:solidFill>
-              </a:defRPr>
-            </a:pPr>
-            <a:r>
-              <a:t>HPL est compute-bound : le calcul domine</a:t>
-            </a:r>
-          </a:p>
-          <a:p>
-            <a:pPr>
-              <a:spcAft>
-                <a:spcPts val="800"/>
-              </a:spcAft>
-              <a:defRPr sz="1700">
-                <a:solidFill>
-                  <a:srgbClr val="2C3E50"/>
-                </a:solidFill>
-              </a:defRPr>
-            </a:pPr>
-            <a:r>
-              <a:t>L'efficacité diminue avec la puissance</a:t>
-            </a:r>
-          </a:p>
-          <a:p>
-            <a:pPr>
-              <a:spcAft>
-                <a:spcPts val="800"/>
-              </a:spcAft>
-              <a:defRPr sz="1700">
-                <a:solidFill>
-                  <a:srgbClr val="2C3E50"/>
-                </a:solidFill>
-              </a:defRPr>
-            </a:pPr>
-            <a:r>
-              <a:t>A100 : meilleure efficacité (plus facile à saturer)</a:t>
-            </a:r>
-          </a:p>
-          <a:p>
-            <a:pPr>
-              <a:spcAft>
-                <a:spcPts val="800"/>
-              </a:spcAft>
-              <a:defRPr sz="1700">
-                <a:solidFill>
-                  <a:srgbClr val="2C3E50"/>
-                </a:solidFill>
-              </a:defRPr>
-            </a:pPr>
-            <a:r>
-              <a:t>H100 : performance brute supérieure</a:t>
-            </a:r>
-          </a:p>
-          <a:p>
-            <a:pPr>
-              <a:spcAft>
-                <a:spcPts val="800"/>
-              </a:spcAft>
-              <a:defRPr sz="1700">
-                <a:solidFill>
-                  <a:srgbClr val="2C3E50"/>
-                </a:solidFill>
-              </a:defRPr>
-            </a:pPr>
-            <a:r>
-              <a:t>Compromis puissance vs. efficacité</a:t>
-            </a:r>
-          </a:p>
-        </p:txBody>
-      </p:sp>
-      <p:sp>
-        <p:nvSpPr>
-          <p:cNvPr id="6" name="Rounded Rectangle 5"/>
+              <a:t>Observations</a:t>
+            </a:r>
+          </a:p>
+        </p:txBody>
+      </p:sp>
+      <p:sp>
+        <p:nvSpPr>
+          <p:cNvPr id="8" name="Rounded Rectangle 7"/>
           <p:cNvSpPr/>
           <p:nvPr/>
         </p:nvSpPr>
         <p:spPr>
           <a:xfrm>
-            <a:off x="457200" y="4754880"/>
-            <a:ext cx="10972800" cy="1645920"/>
+            <a:off x="548640" y="4206240"/>
+            <a:ext cx="109728" cy="109728"/>
           </a:xfrm>
           <a:prstGeom prst="roundRect">
             <a:avLst/>
           </a:prstGeom>
           <a:solidFill>
-            <a:srgbClr val="1B3A5C"/>
+            <a:srgbClr val="FF6B35"/>
           </a:solidFill>
           <a:ln>
             <a:noFill/>
@@ -7809,14 +10147,14 @@
       </p:sp>
       <p:sp>
         <p:nvSpPr>
-          <p:cNvPr id="7" name="TextBox 6"/>
+          <p:cNvPr id="9" name="TextBox 8"/>
           <p:cNvSpPr txBox="1"/>
           <p:nvPr/>
         </p:nvSpPr>
         <p:spPr>
           <a:xfrm>
-            <a:off x="731520" y="4846320"/>
-            <a:ext cx="10515600" cy="1371600"/>
+            <a:off x="777240" y="4160520"/>
+            <a:ext cx="7543800" cy="320040"/>
           </a:xfrm>
           <a:prstGeom prst="rect">
             <a:avLst/>
@@ -7829,19 +10167,327 @@
           </a:bodyPr>
           <a:lstStyle/>
           <a:p>
+            <a:pPr algn="l">
+              <a:defRPr sz="1500" b="0">
+                <a:solidFill>
+                  <a:srgbClr val="282828"/>
+                </a:solidFill>
+              </a:defRPr>
+            </a:pPr>
+            <a:r>
+              <a:t>L'efficacité diminue avec la puissance de la configuration</a:t>
+            </a:r>
+          </a:p>
+        </p:txBody>
+      </p:sp>
+      <p:sp>
+        <p:nvSpPr>
+          <p:cNvPr id="10" name="Rounded Rectangle 9"/>
+          <p:cNvSpPr/>
+          <p:nvPr/>
+        </p:nvSpPr>
+        <p:spPr>
+          <a:xfrm>
+            <a:off x="548640" y="4553712"/>
+            <a:ext cx="109728" cy="109728"/>
+          </a:xfrm>
+          <a:prstGeom prst="roundRect">
+            <a:avLst/>
+          </a:prstGeom>
+          <a:solidFill>
+            <a:srgbClr val="FF6B35"/>
+          </a:solidFill>
+          <a:ln>
+            <a:noFill/>
+          </a:ln>
+        </p:spPr>
+        <p:style>
+          <a:lnRef idx="1">
+            <a:schemeClr val="accent1"/>
+          </a:lnRef>
+          <a:fillRef idx="3">
+            <a:schemeClr val="accent1"/>
+          </a:fillRef>
+          <a:effectRef idx="2">
+            <a:schemeClr val="accent1"/>
+          </a:effectRef>
+          <a:fontRef idx="minor">
+            <a:schemeClr val="lt1"/>
+          </a:fontRef>
+        </p:style>
+        <p:txBody>
+          <a:bodyPr rtlCol="0" anchor="ctr"/>
+          <a:lstStyle/>
+          <a:p>
+            <a:pPr algn="ctr"/>
+          </a:p>
+        </p:txBody>
+      </p:sp>
+      <p:sp>
+        <p:nvSpPr>
+          <p:cNvPr id="11" name="TextBox 10"/>
+          <p:cNvSpPr txBox="1"/>
+          <p:nvPr/>
+        </p:nvSpPr>
+        <p:spPr>
+          <a:xfrm>
+            <a:off x="777240" y="4507992"/>
+            <a:ext cx="7543800" cy="320040"/>
+          </a:xfrm>
+          <a:prstGeom prst="rect">
+            <a:avLst/>
+          </a:prstGeom>
+          <a:noFill/>
+        </p:spPr>
+        <p:txBody>
+          <a:bodyPr wrap="square">
+            <a:spAutoFit/>
+          </a:bodyPr>
+          <a:lstStyle/>
+          <a:p>
+            <a:pPr algn="l">
+              <a:defRPr sz="1500" b="0">
+                <a:solidFill>
+                  <a:srgbClr val="282828"/>
+                </a:solidFill>
+              </a:defRPr>
+            </a:pPr>
+            <a:r>
+              <a:t>HPL est compute-bound : le calcul (DGEMM) domine le temps d'exécution</a:t>
+            </a:r>
+          </a:p>
+        </p:txBody>
+      </p:sp>
+      <p:sp>
+        <p:nvSpPr>
+          <p:cNvPr id="12" name="Rounded Rectangle 11"/>
+          <p:cNvSpPr/>
+          <p:nvPr/>
+        </p:nvSpPr>
+        <p:spPr>
+          <a:xfrm>
+            <a:off x="548640" y="4901184"/>
+            <a:ext cx="109728" cy="109728"/>
+          </a:xfrm>
+          <a:prstGeom prst="roundRect">
+            <a:avLst/>
+          </a:prstGeom>
+          <a:solidFill>
+            <a:srgbClr val="FF6B35"/>
+          </a:solidFill>
+          <a:ln>
+            <a:noFill/>
+          </a:ln>
+        </p:spPr>
+        <p:style>
+          <a:lnRef idx="1">
+            <a:schemeClr val="accent1"/>
+          </a:lnRef>
+          <a:fillRef idx="3">
+            <a:schemeClr val="accent1"/>
+          </a:fillRef>
+          <a:effectRef idx="2">
+            <a:schemeClr val="accent1"/>
+          </a:effectRef>
+          <a:fontRef idx="minor">
+            <a:schemeClr val="lt1"/>
+          </a:fontRef>
+        </p:style>
+        <p:txBody>
+          <a:bodyPr rtlCol="0" anchor="ctr"/>
+          <a:lstStyle/>
+          <a:p>
+            <a:pPr algn="ctr"/>
+          </a:p>
+        </p:txBody>
+      </p:sp>
+      <p:sp>
+        <p:nvSpPr>
+          <p:cNvPr id="13" name="TextBox 12"/>
+          <p:cNvSpPr txBox="1"/>
+          <p:nvPr/>
+        </p:nvSpPr>
+        <p:spPr>
+          <a:xfrm>
+            <a:off x="777240" y="4855464"/>
+            <a:ext cx="7543800" cy="320040"/>
+          </a:xfrm>
+          <a:prstGeom prst="rect">
+            <a:avLst/>
+          </a:prstGeom>
+          <a:noFill/>
+        </p:spPr>
+        <p:txBody>
+          <a:bodyPr wrap="square">
+            <a:spAutoFit/>
+          </a:bodyPr>
+          <a:lstStyle/>
+          <a:p>
+            <a:pPr algn="l">
+              <a:defRPr sz="1500" b="0">
+                <a:solidFill>
+                  <a:srgbClr val="282828"/>
+                </a:solidFill>
+              </a:defRPr>
+            </a:pPr>
+            <a:r>
+              <a:t>A100 : plus facile à saturer → meilleure efficacité</a:t>
+            </a:r>
+          </a:p>
+        </p:txBody>
+      </p:sp>
+      <p:sp>
+        <p:nvSpPr>
+          <p:cNvPr id="14" name="Rounded Rectangle 13"/>
+          <p:cNvSpPr/>
+          <p:nvPr/>
+        </p:nvSpPr>
+        <p:spPr>
+          <a:xfrm>
+            <a:off x="548640" y="5248656"/>
+            <a:ext cx="109728" cy="109728"/>
+          </a:xfrm>
+          <a:prstGeom prst="roundRect">
+            <a:avLst/>
+          </a:prstGeom>
+          <a:solidFill>
+            <a:srgbClr val="FF6B35"/>
+          </a:solidFill>
+          <a:ln>
+            <a:noFill/>
+          </a:ln>
+        </p:spPr>
+        <p:style>
+          <a:lnRef idx="1">
+            <a:schemeClr val="accent1"/>
+          </a:lnRef>
+          <a:fillRef idx="3">
+            <a:schemeClr val="accent1"/>
+          </a:fillRef>
+          <a:effectRef idx="2">
+            <a:schemeClr val="accent1"/>
+          </a:effectRef>
+          <a:fontRef idx="minor">
+            <a:schemeClr val="lt1"/>
+          </a:fontRef>
+        </p:style>
+        <p:txBody>
+          <a:bodyPr rtlCol="0" anchor="ctr"/>
+          <a:lstStyle/>
+          <a:p>
+            <a:pPr algn="ctr"/>
+          </a:p>
+        </p:txBody>
+      </p:sp>
+      <p:sp>
+        <p:nvSpPr>
+          <p:cNvPr id="15" name="TextBox 14"/>
+          <p:cNvSpPr txBox="1"/>
+          <p:nvPr/>
+        </p:nvSpPr>
+        <p:spPr>
+          <a:xfrm>
+            <a:off x="777240" y="5202936"/>
+            <a:ext cx="7543800" cy="320040"/>
+          </a:xfrm>
+          <a:prstGeom prst="rect">
+            <a:avLst/>
+          </a:prstGeom>
+          <a:noFill/>
+        </p:spPr>
+        <p:txBody>
+          <a:bodyPr wrap="square">
+            <a:spAutoFit/>
+          </a:bodyPr>
+          <a:lstStyle/>
+          <a:p>
+            <a:pPr algn="l">
+              <a:defRPr sz="1500" b="0">
+                <a:solidFill>
+                  <a:srgbClr val="282828"/>
+                </a:solidFill>
+              </a:defRPr>
+            </a:pPr>
+            <a:r>
+              <a:t>H100 : performance brute supérieure mais utilisation plus difficile</a:t>
+            </a:r>
+          </a:p>
+        </p:txBody>
+      </p:sp>
+      <p:sp>
+        <p:nvSpPr>
+          <p:cNvPr id="16" name="Rectangle 15"/>
+          <p:cNvSpPr/>
+          <p:nvPr/>
+        </p:nvSpPr>
+        <p:spPr>
+          <a:xfrm>
+            <a:off x="0" y="5760720"/>
+            <a:ext cx="9144000" cy="822960"/>
+          </a:xfrm>
+          <a:prstGeom prst="rect">
+            <a:avLst/>
+          </a:prstGeom>
+          <a:solidFill>
+            <a:srgbClr val="143440"/>
+          </a:solidFill>
+          <a:ln>
+            <a:noFill/>
+          </a:ln>
+        </p:spPr>
+        <p:style>
+          <a:lnRef idx="1">
+            <a:schemeClr val="accent1"/>
+          </a:lnRef>
+          <a:fillRef idx="3">
+            <a:schemeClr val="accent1"/>
+          </a:fillRef>
+          <a:effectRef idx="2">
+            <a:schemeClr val="accent1"/>
+          </a:effectRef>
+          <a:fontRef idx="minor">
+            <a:schemeClr val="lt1"/>
+          </a:fontRef>
+        </p:style>
+        <p:txBody>
+          <a:bodyPr rtlCol="0" anchor="ctr"/>
+          <a:lstStyle/>
+          <a:p>
+            <a:pPr algn="ctr"/>
+          </a:p>
+        </p:txBody>
+      </p:sp>
+      <p:sp>
+        <p:nvSpPr>
+          <p:cNvPr id="17" name="TextBox 16"/>
+          <p:cNvSpPr txBox="1"/>
+          <p:nvPr/>
+        </p:nvSpPr>
+        <p:spPr>
+          <a:xfrm>
+            <a:off x="548640" y="5852160"/>
+            <a:ext cx="8046720" cy="640080"/>
+          </a:xfrm>
+          <a:prstGeom prst="rect">
+            <a:avLst/>
+          </a:prstGeom>
+          <a:noFill/>
+        </p:spPr>
+        <p:txBody>
+          <a:bodyPr wrap="square">
+            <a:spAutoFit/>
+          </a:bodyPr>
+          <a:lstStyle/>
+          <a:p>
             <a:pPr algn="ctr">
-              <a:defRPr sz="2000" b="1">
+              <a:defRPr sz="1800" b="1">
                 <a:solidFill>
                   <a:srgbClr val="FFFFFF"/>
                 </a:solidFill>
               </a:defRPr>
             </a:pPr>
             <a:r>
-              <a:t>Conclusion : Plus un GPU est puissant, plus il est difficile d'exploiter 100% de sa capacité.</a:t>
-            </a:r>
-            <a:br/>
-            <a:r>
-              <a:t>La taille du problème (N) et les paramètres de tuning (NB, P×Q) sont déterminants.</a:t>
+              <a:t>Plus un GPU est puissant, plus il est difficile d'exploiter 100% de sa capacité.</a:t>
             </a:r>
           </a:p>
         </p:txBody>
@@ -7857,14 +10503,6 @@
 <file path=ppt/slides/slide9.xml><?xml version="1.0" encoding="utf-8"?>
 <p:sld xmlns:a="http://schemas.openxmlformats.org/drawingml/2006/main" xmlns:p="http://schemas.openxmlformats.org/presentationml/2006/main" xmlns:r="http://schemas.openxmlformats.org/officeDocument/2006/relationships">
   <p:cSld>
-    <p:bg>
-      <p:bgPr>
-        <a:solidFill>
-          <a:srgbClr val="FFFFFF"/>
-        </a:solidFill>
-        <a:effectLst/>
-      </p:bgPr>
-    </p:bg>
     <p:spTree>
       <p:nvGrpSpPr>
         <p:cNvPr id="1" name=""/>
@@ -7881,13 +10519,13 @@
         <p:spPr>
           <a:xfrm>
             <a:off x="0" y="0"/>
-            <a:ext cx="12191695" cy="1188720"/>
+            <a:ext cx="9144000" cy="6858000"/>
           </a:xfrm>
           <a:prstGeom prst="rect">
             <a:avLst/>
           </a:prstGeom>
           <a:solidFill>
-            <a:srgbClr val="1B3A5C"/>
+            <a:srgbClr val="FAF8F5"/>
           </a:solidFill>
           <a:ln>
             <a:noFill/>
@@ -7908,43 +10546,32 @@
           </a:fontRef>
         </p:style>
         <p:txBody>
-          <a:bodyPr rtlCol="0" anchor="ctr" wrap="square" lIns="731520"/>
-          <a:lstStyle/>
-          <a:p>
-            <a:pPr algn="l">
-              <a:defRPr sz="3200" b="1">
-                <a:solidFill>
-                  <a:srgbClr val="FFFFFF"/>
-                </a:solidFill>
-              </a:defRPr>
-            </a:pPr>
-            <a:r>
-              <a:t>Conclusion et enseignements</a:t>
-            </a:r>
-          </a:p>
-        </p:txBody>
-      </p:sp>
-      <p:sp>
-        <p:nvSpPr>
-          <p:cNvPr id="3" name="Rounded Rectangle 2"/>
+          <a:bodyPr rtlCol="0" anchor="ctr"/>
+          <a:lstStyle/>
+          <a:p>
+            <a:pPr algn="ctr"/>
+          </a:p>
+        </p:txBody>
+      </p:sp>
+      <p:sp>
+        <p:nvSpPr>
+          <p:cNvPr id="3" name="Rectangle 2"/>
           <p:cNvSpPr/>
           <p:nvPr/>
         </p:nvSpPr>
         <p:spPr>
           <a:xfrm>
-            <a:off x="457200" y="1463040"/>
-            <a:ext cx="10972800" cy="868680"/>
-          </a:xfrm>
-          <a:prstGeom prst="roundRect">
+            <a:off x="0" y="0"/>
+            <a:ext cx="73152" cy="6858000"/>
+          </a:xfrm>
+          <a:prstGeom prst="rect">
             <a:avLst/>
           </a:prstGeom>
           <a:solidFill>
-            <a:srgbClr val="F2F3F4"/>
+            <a:srgbClr val="FF6B35"/>
           </a:solidFill>
-          <a:ln w="25400">
-            <a:solidFill>
-              <a:srgbClr val="27AE60"/>
-            </a:solidFill>
+          <a:ln>
+            <a:noFill/>
           </a:ln>
         </p:spPr>
         <p:style>
@@ -7971,20 +10598,55 @@
       </p:sp>
       <p:sp>
         <p:nvSpPr>
-          <p:cNvPr id="4" name="Oval 3"/>
+          <p:cNvPr id="4" name="TextBox 3"/>
+          <p:cNvSpPr txBox="1"/>
+          <p:nvPr/>
+        </p:nvSpPr>
+        <p:spPr>
+          <a:xfrm>
+            <a:off x="548640" y="137160"/>
+            <a:ext cx="7772400" cy="640080"/>
+          </a:xfrm>
+          <a:prstGeom prst="rect">
+            <a:avLst/>
+          </a:prstGeom>
+          <a:noFill/>
+        </p:spPr>
+        <p:txBody>
+          <a:bodyPr wrap="square">
+            <a:spAutoFit/>
+          </a:bodyPr>
+          <a:lstStyle/>
+          <a:p>
+            <a:pPr algn="l">
+              <a:defRPr sz="4200" b="1">
+                <a:solidFill>
+                  <a:srgbClr val="143440"/>
+                </a:solidFill>
+              </a:defRPr>
+            </a:pPr>
+            <a:r>
+              <a:t>Conclusion</a:t>
+            </a:r>
+          </a:p>
+        </p:txBody>
+      </p:sp>
+      <p:sp>
+        <p:nvSpPr>
+          <p:cNvPr id="5" name="Rectangle 4"/>
           <p:cNvSpPr/>
           <p:nvPr/>
         </p:nvSpPr>
         <p:spPr>
           <a:xfrm>
-            <a:off x="640080" y="1600200"/>
-            <a:ext cx="594360" cy="594360"/>
-          </a:xfrm>
-          <a:prstGeom prst="ellipse">
+            <a:off x="0" y="868680"/>
+            <a:ext cx="2286000" cy="137160"/>
+          </a:xfrm>
+          <a:prstGeom prst="rect">
             <a:avLst/>
           </a:prstGeom>
           <a:solidFill>
-            <a:srgbClr val="27AE60"/>
+            <a:srgbClr val="FF6B35"/>
           </a:solidFill>
           <a:ln>
             <a:noFill/>
@@ -8008,110 +10670,29 @@
           <a:bodyPr rtlCol="0" anchor="ctr"/>
           <a:lstStyle/>
           <a:p>
-            <a:pPr algn="ctr">
-              <a:defRPr sz="2200" b="1">
-                <a:solidFill>
-                  <a:srgbClr val="FFFFFF"/>
-                </a:solidFill>
-              </a:defRPr>
-            </a:pPr>
-            <a:r>
-              <a:t>1</a:t>
-            </a:r>
-          </a:p>
-        </p:txBody>
-      </p:sp>
-      <p:sp>
-        <p:nvSpPr>
-          <p:cNvPr id="5" name="TextBox 4"/>
-          <p:cNvSpPr txBox="1"/>
-          <p:nvPr/>
-        </p:nvSpPr>
-        <p:spPr>
-          <a:xfrm>
-            <a:off x="1463040" y="1508760"/>
-            <a:ext cx="9601200" cy="411480"/>
-          </a:xfrm>
-          <a:prstGeom prst="rect">
-            <a:avLst/>
-          </a:prstGeom>
-          <a:noFill/>
-        </p:spPr>
-        <p:txBody>
-          <a:bodyPr wrap="square">
-            <a:spAutoFit/>
-          </a:bodyPr>
-          <a:lstStyle/>
-          <a:p>
-            <a:pPr algn="l">
-              <a:defRPr sz="1900" b="1">
-                <a:solidFill>
-                  <a:srgbClr val="1B3A5C"/>
-                </a:solidFill>
-              </a:defRPr>
-            </a:pPr>
-            <a:r>
-              <a:t>HPL est compute-bound</a:t>
-            </a:r>
-          </a:p>
-        </p:txBody>
-      </p:sp>
-      <p:sp>
-        <p:nvSpPr>
-          <p:cNvPr id="6" name="TextBox 5"/>
-          <p:cNvSpPr txBox="1"/>
-          <p:nvPr/>
-        </p:nvSpPr>
-        <p:spPr>
-          <a:xfrm>
-            <a:off x="1463040" y="1920240"/>
-            <a:ext cx="9601200" cy="365760"/>
-          </a:xfrm>
-          <a:prstGeom prst="rect">
-            <a:avLst/>
-          </a:prstGeom>
-          <a:noFill/>
-        </p:spPr>
-        <p:txBody>
-          <a:bodyPr wrap="square">
-            <a:spAutoFit/>
-          </a:bodyPr>
-          <a:lstStyle/>
-          <a:p>
-            <a:pPr algn="l">
-              <a:defRPr sz="1500" b="0">
-                <a:solidFill>
-                  <a:srgbClr val="2C3E50"/>
-                </a:solidFill>
-              </a:defRPr>
-            </a:pPr>
-            <a:r>
-              <a:t>Efficacités de 83-92% confirment que le calcul (DGEMM) domine</a:t>
-            </a:r>
-          </a:p>
-        </p:txBody>
-      </p:sp>
-      <p:sp>
-        <p:nvSpPr>
-          <p:cNvPr id="7" name="Rounded Rectangle 6"/>
+            <a:pPr algn="ctr"/>
+          </a:p>
+        </p:txBody>
+      </p:sp>
+      <p:sp>
+        <p:nvSpPr>
+          <p:cNvPr id="6" name="Rounded Rectangle 5"/>
           <p:cNvSpPr/>
           <p:nvPr/>
         </p:nvSpPr>
         <p:spPr>
           <a:xfrm>
-            <a:off x="457200" y="2468880"/>
-            <a:ext cx="10972800" cy="868680"/>
+            <a:off x="548640" y="1335024"/>
+            <a:ext cx="109728" cy="109728"/>
           </a:xfrm>
           <a:prstGeom prst="roundRect">
             <a:avLst/>
           </a:prstGeom>
           <a:solidFill>
-            <a:srgbClr val="F2F3F4"/>
+            <a:srgbClr val="FF6B35"/>
           </a:solidFill>
-          <a:ln w="25400">
-            <a:solidFill>
-              <a:srgbClr val="2E86C1"/>
-            </a:solidFill>
+          <a:ln>
+            <a:noFill/>
           </a:ln>
         </p:spPr>
         <p:style>
@@ -8138,20 +10719,55 @@
       </p:sp>
       <p:sp>
         <p:nvSpPr>
-          <p:cNvPr id="8" name="Oval 7"/>
+          <p:cNvPr id="7" name="TextBox 6"/>
+          <p:cNvSpPr txBox="1"/>
+          <p:nvPr/>
+        </p:nvSpPr>
+        <p:spPr>
+          <a:xfrm>
+            <a:off x="822960" y="1280160"/>
+            <a:ext cx="7772400" cy="274320"/>
+          </a:xfrm>
+          <a:prstGeom prst="rect">
+            <a:avLst/>
+          </a:prstGeom>
+          <a:noFill/>
+        </p:spPr>
+        <p:txBody>
+          <a:bodyPr wrap="square">
+            <a:spAutoFit/>
+          </a:bodyPr>
+          <a:lstStyle/>
+          <a:p>
+            <a:pPr algn="l">
+              <a:defRPr sz="1800" b="1">
+                <a:solidFill>
+                  <a:srgbClr val="282828"/>
+                </a:solidFill>
+              </a:defRPr>
+            </a:pPr>
+            <a:r>
+              <a:t>HPL est compute-bound — efficacités de 83 à 92%</a:t>
+            </a:r>
+          </a:p>
+        </p:txBody>
+      </p:sp>
+      <p:sp>
+        <p:nvSpPr>
+          <p:cNvPr id="8" name="Rounded Rectangle 7"/>
           <p:cNvSpPr/>
           <p:nvPr/>
         </p:nvSpPr>
         <p:spPr>
           <a:xfrm>
-            <a:off x="640080" y="2606040"/>
-            <a:ext cx="594360" cy="594360"/>
-          </a:xfrm>
-          <a:prstGeom prst="ellipse">
+            <a:off x="548640" y="2295144"/>
+            <a:ext cx="109728" cy="109728"/>
+          </a:xfrm>
+          <a:prstGeom prst="roundRect">
             <a:avLst/>
           </a:prstGeom>
           <a:solidFill>
-            <a:srgbClr val="2E86C1"/>
+            <a:srgbClr val="FF6B35"/>
           </a:solidFill>
           <a:ln>
             <a:noFill/>
@@ -8175,110 +10791,64 @@
           <a:bodyPr rtlCol="0" anchor="ctr"/>
           <a:lstStyle/>
           <a:p>
-            <a:pPr algn="ctr">
-              <a:defRPr sz="2200" b="1">
+            <a:pPr algn="ctr"/>
+          </a:p>
+        </p:txBody>
+      </p:sp>
+      <p:sp>
+        <p:nvSpPr>
+          <p:cNvPr id="9" name="TextBox 8"/>
+          <p:cNvSpPr txBox="1"/>
+          <p:nvPr/>
+        </p:nvSpPr>
+        <p:spPr>
+          <a:xfrm>
+            <a:off x="822960" y="2240280"/>
+            <a:ext cx="7772400" cy="274320"/>
+          </a:xfrm>
+          <a:prstGeom prst="rect">
+            <a:avLst/>
+          </a:prstGeom>
+          <a:noFill/>
+        </p:spPr>
+        <p:txBody>
+          <a:bodyPr wrap="square">
+            <a:spAutoFit/>
+          </a:bodyPr>
+          <a:lstStyle/>
+          <a:p>
+            <a:pPr algn="l">
+              <a:defRPr sz="1800" b="1">
                 <a:solidFill>
-                  <a:srgbClr val="FFFFFF"/>
+                  <a:srgbClr val="282828"/>
                 </a:solidFill>
               </a:defRPr>
             </a:pPr>
             <a:r>
-              <a:t>2</a:t>
-            </a:r>
-          </a:p>
-        </p:txBody>
-      </p:sp>
-      <p:sp>
-        <p:nvSpPr>
-          <p:cNvPr id="9" name="TextBox 8"/>
-          <p:cNvSpPr txBox="1"/>
-          <p:nvPr/>
-        </p:nvSpPr>
-        <p:spPr>
-          <a:xfrm>
-            <a:off x="1463040" y="2514600"/>
-            <a:ext cx="9601200" cy="411480"/>
-          </a:xfrm>
-          <a:prstGeom prst="rect">
-            <a:avLst/>
-          </a:prstGeom>
-          <a:noFill/>
-        </p:spPr>
-        <p:txBody>
-          <a:bodyPr wrap="square">
-            <a:spAutoFit/>
-          </a:bodyPr>
-          <a:lstStyle/>
-          <a:p>
-            <a:pPr algn="l">
-              <a:defRPr sz="1900" b="1">
-                <a:solidFill>
-                  <a:srgbClr val="1B3A5C"/>
-                </a:solidFill>
-              </a:defRPr>
-            </a:pPr>
-            <a:r>
-              <a:t>La taille du problème est clé</a:t>
-            </a:r>
-          </a:p>
-        </p:txBody>
-      </p:sp>
-      <p:sp>
-        <p:nvSpPr>
-          <p:cNvPr id="10" name="TextBox 9"/>
-          <p:cNvSpPr txBox="1"/>
-          <p:nvPr/>
-        </p:nvSpPr>
-        <p:spPr>
-          <a:xfrm>
-            <a:off x="1463040" y="2926080"/>
-            <a:ext cx="9601200" cy="365760"/>
-          </a:xfrm>
-          <a:prstGeom prst="rect">
-            <a:avLst/>
-          </a:prstGeom>
-          <a:noFill/>
-        </p:spPr>
-        <p:txBody>
-          <a:bodyPr wrap="square">
-            <a:spAutoFit/>
-          </a:bodyPr>
-          <a:lstStyle/>
-          <a:p>
-            <a:pPr algn="l">
-              <a:defRPr sz="1500" b="0">
-                <a:solidFill>
-                  <a:srgbClr val="2C3E50"/>
-                </a:solidFill>
-              </a:defRPr>
-            </a:pPr>
-            <a:r>
-              <a:t>GFLOPS augmente avec N  (O(N³) calcul vs O(N²) communication)</a:t>
-            </a:r>
-          </a:p>
-        </p:txBody>
-      </p:sp>
-      <p:sp>
-        <p:nvSpPr>
-          <p:cNvPr id="11" name="Rounded Rectangle 10"/>
+              <a:t>La taille du problème est déterminante — O(N³) calcul vs O(N²) communication</a:t>
+            </a:r>
+          </a:p>
+        </p:txBody>
+      </p:sp>
+      <p:sp>
+        <p:nvSpPr>
+          <p:cNvPr id="10" name="Rounded Rectangle 9"/>
           <p:cNvSpPr/>
           <p:nvPr/>
         </p:nvSpPr>
         <p:spPr>
           <a:xfrm>
-            <a:off x="457200" y="3474720"/>
-            <a:ext cx="10972800" cy="868680"/>
+            <a:off x="548640" y="3255264"/>
+            <a:ext cx="109728" cy="109728"/>
           </a:xfrm>
           <a:prstGeom prst="roundRect">
             <a:avLst/>
           </a:prstGeom>
           <a:solidFill>
-            <a:srgbClr val="F2F3F4"/>
+            <a:srgbClr val="FF6B35"/>
           </a:solidFill>
-          <a:ln w="25400">
-            <a:solidFill>
-              <a:srgbClr val="E74C3C"/>
-            </a:solidFill>
+          <a:ln>
+            <a:noFill/>
           </a:ln>
         </p:spPr>
         <p:style>
@@ -8305,20 +10875,55 @@
       </p:sp>
       <p:sp>
         <p:nvSpPr>
-          <p:cNvPr id="12" name="Oval 11"/>
+          <p:cNvPr id="11" name="TextBox 10"/>
+          <p:cNvSpPr txBox="1"/>
+          <p:nvPr/>
+        </p:nvSpPr>
+        <p:spPr>
+          <a:xfrm>
+            <a:off x="822960" y="3200400"/>
+            <a:ext cx="7772400" cy="274320"/>
+          </a:xfrm>
+          <a:prstGeom prst="rect">
+            <a:avLst/>
+          </a:prstGeom>
+          <a:noFill/>
+        </p:spPr>
+        <p:txBody>
+          <a:bodyPr wrap="square">
+            <a:spAutoFit/>
+          </a:bodyPr>
+          <a:lstStyle/>
+          <a:p>
+            <a:pPr algn="l">
+              <a:defRPr sz="1800" b="1">
+                <a:solidFill>
+                  <a:srgbClr val="282828"/>
+                </a:solidFill>
+              </a:defRPr>
+            </a:pPr>
+            <a:r>
+              <a:t>Le multi-GPU a un seuil de rentabilité — N entre 20K et 40K</a:t>
+            </a:r>
+          </a:p>
+        </p:txBody>
+      </p:sp>
+      <p:sp>
+        <p:nvSpPr>
+          <p:cNvPr id="12" name="Rounded Rectangle 11"/>
           <p:cNvSpPr/>
           <p:nvPr/>
         </p:nvSpPr>
         <p:spPr>
           <a:xfrm>
-            <a:off x="640080" y="3611880"/>
-            <a:ext cx="594360" cy="594360"/>
-          </a:xfrm>
-          <a:prstGeom prst="ellipse">
+            <a:off x="548640" y="4215384"/>
+            <a:ext cx="109728" cy="109728"/>
+          </a:xfrm>
+          <a:prstGeom prst="roundRect">
             <a:avLst/>
           </a:prstGeom>
           <a:solidFill>
-            <a:srgbClr val="E74C3C"/>
+            <a:srgbClr val="FF6B35"/>
           </a:solidFill>
           <a:ln>
             <a:noFill/>
@@ -8342,110 +10947,64 @@
           <a:bodyPr rtlCol="0" anchor="ctr"/>
           <a:lstStyle/>
           <a:p>
-            <a:pPr algn="ctr">
-              <a:defRPr sz="2200" b="1">
+            <a:pPr algn="ctr"/>
+          </a:p>
+        </p:txBody>
+      </p:sp>
+      <p:sp>
+        <p:nvSpPr>
+          <p:cNvPr id="13" name="TextBox 12"/>
+          <p:cNvSpPr txBox="1"/>
+          <p:nvPr/>
+        </p:nvSpPr>
+        <p:spPr>
+          <a:xfrm>
+            <a:off x="822960" y="4160520"/>
+            <a:ext cx="7772400" cy="274320"/>
+          </a:xfrm>
+          <a:prstGeom prst="rect">
+            <a:avLst/>
+          </a:prstGeom>
+          <a:noFill/>
+        </p:spPr>
+        <p:txBody>
+          <a:bodyPr wrap="square">
+            <a:spAutoFit/>
+          </a:bodyPr>
+          <a:lstStyle/>
+          <a:p>
+            <a:pPr algn="l">
+              <a:defRPr sz="1800" b="1">
                 <a:solidFill>
-                  <a:srgbClr val="FFFFFF"/>
+                  <a:srgbClr val="282828"/>
                 </a:solidFill>
               </a:defRPr>
             </a:pPr>
             <a:r>
-              <a:t>3</a:t>
-            </a:r>
-          </a:p>
-        </p:txBody>
-      </p:sp>
-      <p:sp>
-        <p:nvSpPr>
-          <p:cNvPr id="13" name="TextBox 12"/>
-          <p:cNvSpPr txBox="1"/>
-          <p:nvPr/>
-        </p:nvSpPr>
-        <p:spPr>
-          <a:xfrm>
-            <a:off x="1463040" y="3520440"/>
-            <a:ext cx="9601200" cy="411480"/>
-          </a:xfrm>
-          <a:prstGeom prst="rect">
-            <a:avLst/>
-          </a:prstGeom>
-          <a:noFill/>
-        </p:spPr>
-        <p:txBody>
-          <a:bodyPr wrap="square">
-            <a:spAutoFit/>
-          </a:bodyPr>
-          <a:lstStyle/>
-          <a:p>
-            <a:pPr algn="l">
-              <a:defRPr sz="1900" b="1">
-                <a:solidFill>
-                  <a:srgbClr val="1B3A5C"/>
-                </a:solidFill>
-              </a:defRPr>
-            </a:pPr>
-            <a:r>
-              <a:t>Le multi-GPU a un seuil</a:t>
-            </a:r>
-          </a:p>
-        </p:txBody>
-      </p:sp>
-      <p:sp>
-        <p:nvSpPr>
-          <p:cNvPr id="14" name="TextBox 13"/>
-          <p:cNvSpPr txBox="1"/>
-          <p:nvPr/>
-        </p:nvSpPr>
-        <p:spPr>
-          <a:xfrm>
-            <a:off x="1463040" y="3931920"/>
-            <a:ext cx="9601200" cy="365760"/>
-          </a:xfrm>
-          <a:prstGeom prst="rect">
-            <a:avLst/>
-          </a:prstGeom>
-          <a:noFill/>
-        </p:spPr>
-        <p:txBody>
-          <a:bodyPr wrap="square">
-            <a:spAutoFit/>
-          </a:bodyPr>
-          <a:lstStyle/>
-          <a:p>
-            <a:pPr algn="l">
-              <a:defRPr sz="1500" b="0">
-                <a:solidFill>
-                  <a:srgbClr val="2C3E50"/>
-                </a:solidFill>
-              </a:defRPr>
-            </a:pPr>
-            <a:r>
-              <a:t>En dessous de N ≈ 20-40K, 2 GPUs sont contre-productifs</a:t>
-            </a:r>
-          </a:p>
-        </p:txBody>
-      </p:sp>
-      <p:sp>
-        <p:nvSpPr>
-          <p:cNvPr id="15" name="Rounded Rectangle 14"/>
+              <a:t>H100 offre un gain de ≈2,5x sur l'A100 — ratio mesuré 2,53x vs théorique 2,77x</a:t>
+            </a:r>
+          </a:p>
+        </p:txBody>
+      </p:sp>
+      <p:sp>
+        <p:nvSpPr>
+          <p:cNvPr id="14" name="Rounded Rectangle 13"/>
           <p:cNvSpPr/>
           <p:nvPr/>
         </p:nvSpPr>
         <p:spPr>
           <a:xfrm>
-            <a:off x="457200" y="4480560"/>
-            <a:ext cx="10972800" cy="868680"/>
+            <a:off x="548640" y="5175504"/>
+            <a:ext cx="109728" cy="109728"/>
           </a:xfrm>
           <a:prstGeom prst="roundRect">
             <a:avLst/>
           </a:prstGeom>
           <a:solidFill>
-            <a:srgbClr val="F2F3F4"/>
+            <a:srgbClr val="FF6B35"/>
           </a:solidFill>
-          <a:ln w="25400">
-            <a:solidFill>
-              <a:srgbClr val="2E86C1"/>
-            </a:solidFill>
+          <a:ln>
+            <a:noFill/>
           </a:ln>
         </p:spPr>
         <p:style>
@@ -8472,66 +11031,49 @@
       </p:sp>
       <p:sp>
         <p:nvSpPr>
-          <p:cNvPr id="16" name="Oval 15"/>
-          <p:cNvSpPr/>
-          <p:nvPr/>
-        </p:nvSpPr>
-        <p:spPr>
-          <a:xfrm>
-            <a:off x="640080" y="4617720"/>
-            <a:ext cx="594360" cy="594360"/>
-          </a:xfrm>
-          <a:prstGeom prst="ellipse">
-            <a:avLst/>
-          </a:prstGeom>
-          <a:solidFill>
-            <a:srgbClr val="2E86C1"/>
-          </a:solidFill>
-          <a:ln>
-            <a:noFill/>
-          </a:ln>
-        </p:spPr>
-        <p:style>
-          <a:lnRef idx="1">
-            <a:schemeClr val="accent1"/>
-          </a:lnRef>
-          <a:fillRef idx="3">
-            <a:schemeClr val="accent1"/>
-          </a:fillRef>
-          <a:effectRef idx="2">
-            <a:schemeClr val="accent1"/>
-          </a:effectRef>
-          <a:fontRef idx="minor">
-            <a:schemeClr val="lt1"/>
-          </a:fontRef>
-        </p:style>
-        <p:txBody>
-          <a:bodyPr rtlCol="0" anchor="ctr"/>
-          <a:lstStyle/>
-          <a:p>
-            <a:pPr algn="ctr">
-              <a:defRPr sz="2200" b="1">
+          <p:cNvPr id="15" name="TextBox 14"/>
+          <p:cNvSpPr txBox="1"/>
+          <p:nvPr/>
+        </p:nvSpPr>
+        <p:spPr>
+          <a:xfrm>
+            <a:off x="822960" y="5120640"/>
+            <a:ext cx="7772400" cy="274320"/>
+          </a:xfrm>
+          <a:prstGeom prst="rect">
+            <a:avLst/>
+          </a:prstGeom>
+          <a:noFill/>
+        </p:spPr>
+        <p:txBody>
+          <a:bodyPr wrap="square">
+            <a:spAutoFit/>
+          </a:bodyPr>
+          <a:lstStyle/>
+          <a:p>
+            <a:pPr algn="l">
+              <a:defRPr sz="1800" b="1">
                 <a:solidFill>
-                  <a:srgbClr val="FFFFFF"/>
+                  <a:srgbClr val="282828"/>
                 </a:solidFill>
               </a:defRPr>
             </a:pPr>
             <a:r>
-              <a:t>4</a:t>
-            </a:r>
-          </a:p>
-        </p:txBody>
-      </p:sp>
-      <p:sp>
-        <p:nvSpPr>
-          <p:cNvPr id="17" name="TextBox 16"/>
+              <a:t>L'efficacité parallèle diminue avec la puissance — 97% A100 vs 91% H100</a:t>
+            </a:r>
+          </a:p>
+        </p:txBody>
+      </p:sp>
+      <p:sp>
+        <p:nvSpPr>
+          <p:cNvPr id="16" name="TextBox 15"/>
           <p:cNvSpPr txBox="1"/>
           <p:nvPr/>
         </p:nvSpPr>
         <p:spPr>
           <a:xfrm>
-            <a:off x="1463040" y="4526280"/>
-            <a:ext cx="9601200" cy="411480"/>
+            <a:off x="548640" y="5943600"/>
+            <a:ext cx="8046720" cy="457200"/>
           </a:xfrm>
           <a:prstGeom prst="rect">
             <a:avLst/>
@@ -8544,217 +11086,15 @@
           </a:bodyPr>
           <a:lstStyle/>
           <a:p>
-            <a:pPr algn="l">
-              <a:defRPr sz="1900" b="1">
+            <a:pPr algn="ctr">
+              <a:defRPr sz="1600" b="0">
                 <a:solidFill>
-                  <a:srgbClr val="1B3A5C"/>
+                  <a:srgbClr val="143440"/>
                 </a:solidFill>
               </a:defRPr>
             </a:pPr>
             <a:r>
-              <a:t>H100 ≈ 2,5x l'A100</a:t>
-            </a:r>
-          </a:p>
-        </p:txBody>
-      </p:sp>
-      <p:sp>
-        <p:nvSpPr>
-          <p:cNvPr id="18" name="TextBox 17"/>
-          <p:cNvSpPr txBox="1"/>
-          <p:nvPr/>
-        </p:nvSpPr>
-        <p:spPr>
-          <a:xfrm>
-            <a:off x="1463040" y="4937760"/>
-            <a:ext cx="9601200" cy="365760"/>
-          </a:xfrm>
-          <a:prstGeom prst="rect">
-            <a:avLst/>
-          </a:prstGeom>
-          <a:noFill/>
-        </p:spPr>
-        <p:txBody>
-          <a:bodyPr wrap="square">
-            <a:spAutoFit/>
-          </a:bodyPr>
-          <a:lstStyle/>
-          <a:p>
-            <a:pPr algn="l">
-              <a:defRPr sz="1500" b="0">
-                <a:solidFill>
-                  <a:srgbClr val="2C3E50"/>
-                </a:solidFill>
-              </a:defRPr>
-            </a:pPr>
-            <a:r>
-              <a:t>Ratio mesuré (2,53x) vs ratio théorique (2,77x) — écart dû à l'efficacité</a:t>
-            </a:r>
-          </a:p>
-        </p:txBody>
-      </p:sp>
-      <p:sp>
-        <p:nvSpPr>
-          <p:cNvPr id="19" name="Rounded Rectangle 18"/>
-          <p:cNvSpPr/>
-          <p:nvPr/>
-        </p:nvSpPr>
-        <p:spPr>
-          <a:xfrm>
-            <a:off x="457200" y="5486400"/>
-            <a:ext cx="10972800" cy="868680"/>
-          </a:xfrm>
-          <a:prstGeom prst="roundRect">
-            <a:avLst/>
-          </a:prstGeom>
-          <a:solidFill>
-            <a:srgbClr val="F2F3F4"/>
-          </a:solidFill>
-          <a:ln w="25400">
-            <a:solidFill>
-              <a:srgbClr val="E74C3C"/>
-            </a:solidFill>
-          </a:ln>
-        </p:spPr>
-        <p:style>
-          <a:lnRef idx="1">
-            <a:schemeClr val="accent1"/>
-          </a:lnRef>
-          <a:fillRef idx="3">
-            <a:schemeClr val="accent1"/>
-          </a:fillRef>
-          <a:effectRef idx="2">
-            <a:schemeClr val="accent1"/>
-          </a:effectRef>
-          <a:fontRef idx="minor">
-            <a:schemeClr val="lt1"/>
-          </a:fontRef>
-        </p:style>
-        <p:txBody>
-          <a:bodyPr rtlCol="0" anchor="ctr"/>
-          <a:lstStyle/>
-          <a:p>
-            <a:pPr algn="ctr"/>
-          </a:p>
-        </p:txBody>
-      </p:sp>
-      <p:sp>
-        <p:nvSpPr>
-          <p:cNvPr id="20" name="Oval 19"/>
-          <p:cNvSpPr/>
-          <p:nvPr/>
-        </p:nvSpPr>
-        <p:spPr>
-          <a:xfrm>
-            <a:off x="640080" y="5623560"/>
-            <a:ext cx="594360" cy="594360"/>
-          </a:xfrm>
-          <a:prstGeom prst="ellipse">
-            <a:avLst/>
-          </a:prstGeom>
-          <a:solidFill>
-            <a:srgbClr val="E74C3C"/>
-          </a:solidFill>
-          <a:ln>
-            <a:noFill/>
-          </a:ln>
-        </p:spPr>
-        <p:style>
-          <a:lnRef idx="1">
-            <a:schemeClr val="accent1"/>
-          </a:lnRef>
-          <a:fillRef idx="3">
-            <a:schemeClr val="accent1"/>
-          </a:fillRef>
-          <a:effectRef idx="2">
-            <a:schemeClr val="accent1"/>
-          </a:effectRef>
-          <a:fontRef idx="minor">
-            <a:schemeClr val="lt1"/>
-          </a:fontRef>
-        </p:style>
-        <p:txBody>
-          <a:bodyPr rtlCol="0" anchor="ctr"/>
-          <a:lstStyle/>
-          <a:p>
-            <a:pPr algn="ctr">
-              <a:defRPr sz="2200" b="1">
-                <a:solidFill>
-                  <a:srgbClr val="FFFFFF"/>
-                </a:solidFill>
-              </a:defRPr>
-            </a:pPr>
-            <a:r>
-              <a:t>5</a:t>
-            </a:r>
-          </a:p>
-        </p:txBody>
-      </p:sp>
-      <p:sp>
-        <p:nvSpPr>
-          <p:cNvPr id="21" name="TextBox 20"/>
-          <p:cNvSpPr txBox="1"/>
-          <p:nvPr/>
-        </p:nvSpPr>
-        <p:spPr>
-          <a:xfrm>
-            <a:off x="1463040" y="5532120"/>
-            <a:ext cx="9601200" cy="411480"/>
-          </a:xfrm>
-          <a:prstGeom prst="rect">
-            <a:avLst/>
-          </a:prstGeom>
-          <a:noFill/>
-        </p:spPr>
-        <p:txBody>
-          <a:bodyPr wrap="square">
-            <a:spAutoFit/>
-          </a:bodyPr>
-          <a:lstStyle/>
-          <a:p>
-            <a:pPr algn="l">
-              <a:defRPr sz="1900" b="1">
-                <a:solidFill>
-                  <a:srgbClr val="1B3A5C"/>
-                </a:solidFill>
-              </a:defRPr>
-            </a:pPr>
-            <a:r>
-              <a:t>Efficacité vs puissance</a:t>
-            </a:r>
-          </a:p>
-        </p:txBody>
-      </p:sp>
-      <p:sp>
-        <p:nvSpPr>
-          <p:cNvPr id="22" name="TextBox 21"/>
-          <p:cNvSpPr txBox="1"/>
-          <p:nvPr/>
-        </p:nvSpPr>
-        <p:spPr>
-          <a:xfrm>
-            <a:off x="1463040" y="5943600"/>
-            <a:ext cx="9601200" cy="365760"/>
-          </a:xfrm>
-          <a:prstGeom prst="rect">
-            <a:avLst/>
-          </a:prstGeom>
-          <a:noFill/>
-        </p:spPr>
-        <p:txBody>
-          <a:bodyPr wrap="square">
-            <a:spAutoFit/>
-          </a:bodyPr>
-          <a:lstStyle/>
-          <a:p>
-            <a:pPr algn="l">
-              <a:defRPr sz="1500" b="0">
-                <a:solidFill>
-                  <a:srgbClr val="2C3E50"/>
-                </a:solidFill>
-              </a:defRPr>
-            </a:pPr>
-            <a:r>
-              <a:t>A100 : 97% eff. parallèle / H100 : 91% — communication plus coûteuse sur GPU rapide</a:t>
+              <a:t>Puissance brute, passage à l'échelle et dimensionnement du problème sont étroitement liés.</a:t>
             </a:r>
           </a:p>
         </p:txBody>
